--- a/resources/reversi_praesentation.pptx
+++ b/resources/reversi_praesentation.pptx
@@ -7,14 +7,16 @@
   <p:sldIdLst>
     <p:sldId id="256" r:id="rId2"/>
     <p:sldId id="257" r:id="rId3"/>
-    <p:sldId id="258" r:id="rId4"/>
-    <p:sldId id="260" r:id="rId5"/>
-    <p:sldId id="259" r:id="rId6"/>
-    <p:sldId id="264" r:id="rId7"/>
-    <p:sldId id="265" r:id="rId8"/>
-    <p:sldId id="263" r:id="rId9"/>
-    <p:sldId id="262" r:id="rId10"/>
-    <p:sldId id="261" r:id="rId11"/>
+    <p:sldId id="267" r:id="rId4"/>
+    <p:sldId id="258" r:id="rId5"/>
+    <p:sldId id="260" r:id="rId6"/>
+    <p:sldId id="259" r:id="rId7"/>
+    <p:sldId id="264" r:id="rId8"/>
+    <p:sldId id="265" r:id="rId9"/>
+    <p:sldId id="263" r:id="rId10"/>
+    <p:sldId id="262" r:id="rId11"/>
+    <p:sldId id="266" r:id="rId12"/>
+    <p:sldId id="261" r:id="rId13"/>
   </p:sldIdLst>
   <p:sldSz cx="9144000" cy="6858000" type="screen4x3"/>
   <p:notesSz cx="6858000" cy="9144000"/>
@@ -3487,6 +3489,30 @@
           <a:lstStyle/>
           <a:p>
             <a:pPr algn="l"/>
+            <a:r>
+              <a:rPr lang="de-CH" b="1" dirty="0" smtClean="0">
+                <a:solidFill>
+                  <a:schemeClr val="bg1"/>
+                </a:solidFill>
+              </a:rPr>
+              <a:t>.</a:t>
+            </a:r>
+            <a:r>
+              <a:rPr lang="de-CH" b="1" dirty="0" err="1" smtClean="0">
+                <a:solidFill>
+                  <a:schemeClr val="bg1"/>
+                </a:solidFill>
+              </a:rPr>
+              <a:t>svg</a:t>
+            </a:r>
+            <a:r>
+              <a:rPr lang="de-CH" b="1" dirty="0" smtClean="0">
+                <a:solidFill>
+                  <a:schemeClr val="bg1"/>
+                </a:solidFill>
+              </a:rPr>
+              <a:t>-Grafiken</a:t>
+            </a:r>
             <a:endParaRPr lang="de-CH" b="1" dirty="0">
               <a:solidFill>
                 <a:schemeClr val="bg1"/>
@@ -3507,18 +3533,549 @@
         </p:nvSpPr>
         <p:spPr>
           <a:xfrm>
-            <a:off x="457200" y="1600200"/>
-            <a:ext cx="8435280" cy="4525963"/>
+            <a:off x="457200" y="1600201"/>
+            <a:ext cx="8435280" cy="4133056"/>
           </a:xfrm>
         </p:spPr>
         <p:txBody>
-          <a:bodyPr/>
+          <a:bodyPr>
+            <a:noAutofit/>
+          </a:bodyPr>
           <a:lstStyle/>
           <a:p>
             <a:pPr marL="0" indent="0">
               <a:buNone/>
             </a:pPr>
-            <a:endParaRPr lang="de-CH" dirty="0"/>
+            <a:r>
+              <a:rPr lang="de-CH" sz="1600" dirty="0"/>
+              <a:t>&lt;</a:t>
+            </a:r>
+            <a:r>
+              <a:rPr lang="de-CH" sz="1600" dirty="0" err="1"/>
+              <a:t>svg</a:t>
+            </a:r>
+            <a:r>
+              <a:rPr lang="de-CH" sz="1600" dirty="0"/>
+              <a:t> </a:t>
+            </a:r>
+            <a:r>
+              <a:rPr lang="de-CH" sz="1600" dirty="0" err="1"/>
+              <a:t>width</a:t>
+            </a:r>
+            <a:r>
+              <a:rPr lang="de-CH" sz="1600" dirty="0"/>
+              <a:t>="206" </a:t>
+            </a:r>
+            <a:r>
+              <a:rPr lang="de-CH" sz="1600" dirty="0" err="1"/>
+              <a:t>height</a:t>
+            </a:r>
+            <a:r>
+              <a:rPr lang="de-CH" sz="1600" dirty="0"/>
+              <a:t>="206"  </a:t>
+            </a:r>
+            <a:r>
+              <a:rPr lang="de-CH" sz="1600" dirty="0" err="1"/>
+              <a:t>viewBox</a:t>
+            </a:r>
+            <a:r>
+              <a:rPr lang="de-CH" sz="1600" dirty="0"/>
+              <a:t>="0 0 206 206" </a:t>
+            </a:r>
+            <a:r>
+              <a:rPr lang="de-CH" sz="1600" dirty="0" err="1"/>
+              <a:t>xmlns</a:t>
+            </a:r>
+            <a:r>
+              <a:rPr lang="de-CH" sz="1600" dirty="0"/>
+              <a:t>="http://www.w3.org/2000/svg"&gt;</a:t>
+            </a:r>
+            <a:br>
+              <a:rPr lang="de-CH" sz="1600" dirty="0"/>
+            </a:br>
+            <a:r>
+              <a:rPr lang="de-CH" sz="1600" dirty="0"/>
+              <a:t> &lt;</a:t>
+            </a:r>
+            <a:r>
+              <a:rPr lang="de-CH" sz="1600" dirty="0" err="1"/>
+              <a:t>defs</a:t>
+            </a:r>
+            <a:r>
+              <a:rPr lang="de-CH" sz="1600" dirty="0"/>
+              <a:t>&gt;</a:t>
+            </a:r>
+            <a:br>
+              <a:rPr lang="de-CH" sz="1600" dirty="0"/>
+            </a:br>
+            <a:r>
+              <a:rPr lang="de-CH" sz="1600" dirty="0"/>
+              <a:t>  &lt;</a:t>
+            </a:r>
+            <a:r>
+              <a:rPr lang="de-CH" sz="1600" dirty="0" err="1"/>
+              <a:t>radialGradient</a:t>
+            </a:r>
+            <a:r>
+              <a:rPr lang="de-CH" sz="1600" dirty="0"/>
+              <a:t> </a:t>
+            </a:r>
+            <a:r>
+              <a:rPr lang="de-CH" sz="1600" dirty="0" err="1"/>
+              <a:t>fy</a:t>
+            </a:r>
+            <a:r>
+              <a:rPr lang="de-CH" sz="1600" dirty="0"/>
+              <a:t>="</a:t>
+            </a:r>
+            <a:r>
+              <a:rPr lang="de-CH" sz="1600" dirty="0" smtClean="0"/>
+              <a:t>0.3" </a:t>
+            </a:r>
+            <a:r>
+              <a:rPr lang="de-CH" sz="1600" dirty="0" err="1"/>
+              <a:t>fx</a:t>
+            </a:r>
+            <a:r>
+              <a:rPr lang="de-CH" sz="1600" dirty="0"/>
+              <a:t>="</a:t>
+            </a:r>
+            <a:r>
+              <a:rPr lang="de-CH" sz="1600" dirty="0" smtClean="0"/>
+              <a:t>0.4" </a:t>
+            </a:r>
+            <a:r>
+              <a:rPr lang="de-CH" sz="1600" dirty="0"/>
+              <a:t>r="</a:t>
+            </a:r>
+            <a:r>
+              <a:rPr lang="de-CH" sz="1600" dirty="0" smtClean="0"/>
+              <a:t>0.7" </a:t>
+            </a:r>
+            <a:r>
+              <a:rPr lang="de-CH" sz="1600" dirty="0" err="1"/>
+              <a:t>cy</a:t>
+            </a:r>
+            <a:r>
+              <a:rPr lang="de-CH" sz="1600" dirty="0"/>
+              <a:t>="</a:t>
+            </a:r>
+            <a:r>
+              <a:rPr lang="de-CH" sz="1600" dirty="0" smtClean="0"/>
+              <a:t>0.3" </a:t>
+            </a:r>
+            <a:r>
+              <a:rPr lang="de-CH" sz="1600" dirty="0"/>
+              <a:t>cx="</a:t>
+            </a:r>
+            <a:r>
+              <a:rPr lang="de-CH" sz="1600" dirty="0" smtClean="0"/>
+              <a:t>0.4" </a:t>
+            </a:r>
+            <a:r>
+              <a:rPr lang="de-CH" sz="1600" dirty="0" err="1"/>
+              <a:t>id</a:t>
+            </a:r>
+            <a:r>
+              <a:rPr lang="de-CH" sz="1600" dirty="0"/>
+              <a:t>="</a:t>
+            </a:r>
+            <a:r>
+              <a:rPr lang="de-CH" sz="1600" dirty="0" err="1"/>
+              <a:t>black</a:t>
+            </a:r>
+            <a:r>
+              <a:rPr lang="de-CH" sz="1600" dirty="0"/>
+              <a:t>"&gt;</a:t>
+            </a:r>
+            <a:br>
+              <a:rPr lang="de-CH" sz="1600" dirty="0"/>
+            </a:br>
+            <a:r>
+              <a:rPr lang="de-CH" sz="1600" dirty="0"/>
+              <a:t>   &lt;</a:t>
+            </a:r>
+            <a:r>
+              <a:rPr lang="de-CH" sz="1600" dirty="0" err="1"/>
+              <a:t>stop</a:t>
+            </a:r>
+            <a:r>
+              <a:rPr lang="de-CH" sz="1600" dirty="0"/>
+              <a:t> </a:t>
+            </a:r>
+            <a:r>
+              <a:rPr lang="de-CH" sz="1600" dirty="0" err="1"/>
+              <a:t>stop</a:t>
+            </a:r>
+            <a:r>
+              <a:rPr lang="de-CH" sz="1600" dirty="0"/>
+              <a:t>-color="#7f7f7f" </a:t>
+            </a:r>
+            <a:r>
+              <a:rPr lang="de-CH" sz="1600" dirty="0" err="1"/>
+              <a:t>offset</a:t>
+            </a:r>
+            <a:r>
+              <a:rPr lang="de-CH" sz="1600" dirty="0"/>
+              <a:t>="0"/&gt;</a:t>
+            </a:r>
+            <a:br>
+              <a:rPr lang="de-CH" sz="1600" dirty="0"/>
+            </a:br>
+            <a:r>
+              <a:rPr lang="de-CH" sz="1600" dirty="0"/>
+              <a:t>   &lt;</a:t>
+            </a:r>
+            <a:r>
+              <a:rPr lang="de-CH" sz="1600" dirty="0" err="1"/>
+              <a:t>stop</a:t>
+            </a:r>
+            <a:r>
+              <a:rPr lang="de-CH" sz="1600" dirty="0"/>
+              <a:t> </a:t>
+            </a:r>
+            <a:r>
+              <a:rPr lang="de-CH" sz="1600" dirty="0" err="1"/>
+              <a:t>stop</a:t>
+            </a:r>
+            <a:r>
+              <a:rPr lang="de-CH" sz="1600" dirty="0"/>
+              <a:t>-color="#000000" </a:t>
+            </a:r>
+            <a:r>
+              <a:rPr lang="de-CH" sz="1600" dirty="0" err="1"/>
+              <a:t>offset</a:t>
+            </a:r>
+            <a:r>
+              <a:rPr lang="de-CH" sz="1600" dirty="0"/>
+              <a:t>="1"/&gt;</a:t>
+            </a:r>
+            <a:br>
+              <a:rPr lang="de-CH" sz="1600" dirty="0"/>
+            </a:br>
+            <a:r>
+              <a:rPr lang="de-CH" sz="1600" dirty="0"/>
+              <a:t>  &lt;/</a:t>
+            </a:r>
+            <a:r>
+              <a:rPr lang="de-CH" sz="1600" dirty="0" err="1"/>
+              <a:t>radialGradient</a:t>
+            </a:r>
+            <a:r>
+              <a:rPr lang="de-CH" sz="1600" dirty="0"/>
+              <a:t>&gt;</a:t>
+            </a:r>
+            <a:br>
+              <a:rPr lang="de-CH" sz="1600" dirty="0"/>
+            </a:br>
+            <a:r>
+              <a:rPr lang="de-CH" sz="1600" dirty="0"/>
+              <a:t> &lt;/</a:t>
+            </a:r>
+            <a:r>
+              <a:rPr lang="de-CH" sz="1600" dirty="0" err="1"/>
+              <a:t>defs</a:t>
+            </a:r>
+            <a:r>
+              <a:rPr lang="de-CH" sz="1600" dirty="0"/>
+              <a:t>&gt;</a:t>
+            </a:r>
+            <a:br>
+              <a:rPr lang="de-CH" sz="1600" dirty="0"/>
+            </a:br>
+            <a:r>
+              <a:rPr lang="de-CH" sz="1600" dirty="0"/>
+              <a:t> &lt;g&gt;</a:t>
+            </a:r>
+            <a:br>
+              <a:rPr lang="de-CH" sz="1600" dirty="0"/>
+            </a:br>
+            <a:r>
+              <a:rPr lang="de-CH" sz="1600" dirty="0"/>
+              <a:t>  &lt;</a:t>
+            </a:r>
+            <a:r>
+              <a:rPr lang="de-CH" sz="1600" dirty="0" err="1"/>
+              <a:t>ellipse</a:t>
+            </a:r>
+            <a:r>
+              <a:rPr lang="de-CH" sz="1600" dirty="0"/>
+              <a:t> </a:t>
+            </a:r>
+            <a:r>
+              <a:rPr lang="de-CH" sz="1600" dirty="0" err="1"/>
+              <a:t>id</a:t>
+            </a:r>
+            <a:r>
+              <a:rPr lang="de-CH" sz="1600" dirty="0"/>
+              <a:t>="</a:t>
+            </a:r>
+            <a:r>
+              <a:rPr lang="de-CH" sz="1600" dirty="0" err="1"/>
+              <a:t>shadow</a:t>
+            </a:r>
+            <a:r>
+              <a:rPr lang="de-CH" sz="1600" dirty="0"/>
+              <a:t>" </a:t>
+            </a:r>
+            <a:r>
+              <a:rPr lang="de-CH" sz="1600" dirty="0" err="1"/>
+              <a:t>opacity</a:t>
+            </a:r>
+            <a:r>
+              <a:rPr lang="de-CH" sz="1600" dirty="0"/>
+              <a:t>="0.33" </a:t>
+            </a:r>
+            <a:r>
+              <a:rPr lang="de-CH" sz="1600" dirty="0" err="1"/>
+              <a:t>ry</a:t>
+            </a:r>
+            <a:r>
+              <a:rPr lang="de-CH" sz="1600" dirty="0"/>
+              <a:t>="90" </a:t>
+            </a:r>
+            <a:r>
+              <a:rPr lang="de-CH" sz="1600" dirty="0" err="1"/>
+              <a:t>rx</a:t>
+            </a:r>
+            <a:r>
+              <a:rPr lang="de-CH" sz="1600" dirty="0"/>
+              <a:t>="90" </a:t>
+            </a:r>
+            <a:r>
+              <a:rPr lang="de-CH" sz="1600" dirty="0" err="1"/>
+              <a:t>cy</a:t>
+            </a:r>
+            <a:r>
+              <a:rPr lang="de-CH" sz="1600" dirty="0"/>
+              <a:t>="115" cx="</a:t>
+            </a:r>
+            <a:r>
+              <a:rPr lang="de-CH" sz="1600" dirty="0" smtClean="0"/>
+              <a:t>115</a:t>
+            </a:r>
+            <a:r>
+              <a:rPr lang="de-CH" sz="1600" dirty="0"/>
+              <a:t>"</a:t>
+            </a:r>
+            <a:r>
+              <a:rPr lang="de-CH" sz="1600" dirty="0" smtClean="0"/>
+              <a:t/>
+            </a:r>
+            <a:br>
+              <a:rPr lang="de-CH" sz="1600" dirty="0" smtClean="0"/>
+            </a:br>
+            <a:r>
+              <a:rPr lang="de-CH" sz="1600" dirty="0" smtClean="0"/>
+              <a:t>    </a:t>
+            </a:r>
+            <a:r>
+              <a:rPr lang="de-CH" sz="1600" dirty="0" err="1" smtClean="0"/>
+              <a:t>stroke-linecap</a:t>
+            </a:r>
+            <a:r>
+              <a:rPr lang="de-CH" sz="1600" dirty="0"/>
+              <a:t>="null" </a:t>
+            </a:r>
+            <a:r>
+              <a:rPr lang="de-CH" sz="1600" dirty="0" err="1"/>
+              <a:t>stroke-linejoin</a:t>
+            </a:r>
+            <a:r>
+              <a:rPr lang="de-CH" sz="1600" dirty="0"/>
+              <a:t>="null" </a:t>
+            </a:r>
+            <a:r>
+              <a:rPr lang="de-CH" sz="1600" dirty="0" err="1"/>
+              <a:t>stroke-width</a:t>
+            </a:r>
+            <a:r>
+              <a:rPr lang="de-CH" sz="1600" dirty="0"/>
+              <a:t>="</a:t>
+            </a:r>
+            <a:r>
+              <a:rPr lang="de-CH" sz="1600" dirty="0" smtClean="0"/>
+              <a:t>0</a:t>
+            </a:r>
+            <a:r>
+              <a:rPr lang="de-CH" sz="1600" dirty="0"/>
+              <a:t>"</a:t>
+            </a:r>
+            <a:r>
+              <a:rPr lang="de-CH" sz="1600" dirty="0" smtClean="0"/>
+              <a:t/>
+            </a:r>
+            <a:br>
+              <a:rPr lang="de-CH" sz="1600" dirty="0" smtClean="0"/>
+            </a:br>
+            <a:r>
+              <a:rPr lang="de-CH" sz="1600" dirty="0" smtClean="0"/>
+              <a:t>    </a:t>
+            </a:r>
+            <a:r>
+              <a:rPr lang="de-CH" sz="1600" dirty="0" err="1" smtClean="0"/>
+              <a:t>stroke</a:t>
+            </a:r>
+            <a:r>
+              <a:rPr lang="de-CH" sz="1600" dirty="0"/>
+              <a:t>="#000000" </a:t>
+            </a:r>
+            <a:r>
+              <a:rPr lang="de-CH" sz="1600" dirty="0" err="1"/>
+              <a:t>fill</a:t>
+            </a:r>
+            <a:r>
+              <a:rPr lang="de-CH" sz="1600" dirty="0"/>
+              <a:t>="#000000"/&gt;</a:t>
+            </a:r>
+            <a:br>
+              <a:rPr lang="de-CH" sz="1600" dirty="0"/>
+            </a:br>
+            <a:r>
+              <a:rPr lang="de-CH" sz="1600" dirty="0"/>
+              <a:t>  &lt;</a:t>
+            </a:r>
+            <a:r>
+              <a:rPr lang="de-CH" sz="1600" dirty="0" err="1"/>
+              <a:t>ellipse</a:t>
+            </a:r>
+            <a:r>
+              <a:rPr lang="de-CH" sz="1600" dirty="0"/>
+              <a:t> </a:t>
+            </a:r>
+            <a:r>
+              <a:rPr lang="de-CH" sz="1600" dirty="0" err="1"/>
+              <a:t>id</a:t>
+            </a:r>
+            <a:r>
+              <a:rPr lang="de-CH" sz="1600" dirty="0"/>
+              <a:t>="</a:t>
+            </a:r>
+            <a:r>
+              <a:rPr lang="de-CH" sz="1600" dirty="0" err="1"/>
+              <a:t>stone_black</a:t>
+            </a:r>
+            <a:r>
+              <a:rPr lang="de-CH" sz="1600" dirty="0"/>
+              <a:t>" </a:t>
+            </a:r>
+            <a:r>
+              <a:rPr lang="de-CH" sz="1600" dirty="0" err="1"/>
+              <a:t>ry</a:t>
+            </a:r>
+            <a:r>
+              <a:rPr lang="de-CH" sz="1600" dirty="0"/>
+              <a:t>="90" </a:t>
+            </a:r>
+            <a:r>
+              <a:rPr lang="de-CH" sz="1600" dirty="0" err="1"/>
+              <a:t>rx</a:t>
+            </a:r>
+            <a:r>
+              <a:rPr lang="de-CH" sz="1600" dirty="0"/>
+              <a:t>="90" </a:t>
+            </a:r>
+            <a:r>
+              <a:rPr lang="de-CH" sz="1600" dirty="0" err="1"/>
+              <a:t>cy</a:t>
+            </a:r>
+            <a:r>
+              <a:rPr lang="de-CH" sz="1600" dirty="0"/>
+              <a:t>="100" cx="100" </a:t>
+            </a:r>
+            <a:r>
+              <a:rPr lang="de-CH" sz="1600" dirty="0" err="1"/>
+              <a:t>stroke-linecap</a:t>
+            </a:r>
+            <a:r>
+              <a:rPr lang="de-CH" sz="1600" dirty="0"/>
+              <a:t>="null" </a:t>
+            </a:r>
+            <a:r>
+              <a:rPr lang="de-CH" sz="1600" dirty="0" smtClean="0"/>
+              <a:t/>
+            </a:r>
+            <a:br>
+              <a:rPr lang="de-CH" sz="1600" dirty="0" smtClean="0"/>
+            </a:br>
+            <a:r>
+              <a:rPr lang="de-CH" sz="1600" dirty="0" smtClean="0"/>
+              <a:t>    </a:t>
+            </a:r>
+            <a:r>
+              <a:rPr lang="de-CH" sz="1600" dirty="0" err="1" smtClean="0"/>
+              <a:t>stroke-linejoin</a:t>
+            </a:r>
+            <a:r>
+              <a:rPr lang="de-CH" sz="1600" dirty="0"/>
+              <a:t>="null" </a:t>
+            </a:r>
+            <a:r>
+              <a:rPr lang="de-CH" sz="1600" dirty="0" err="1"/>
+              <a:t>stroke-width</a:t>
+            </a:r>
+            <a:r>
+              <a:rPr lang="de-CH" sz="1600" dirty="0"/>
+              <a:t>="0" </a:t>
+            </a:r>
+            <a:r>
+              <a:rPr lang="de-CH" sz="1600" dirty="0" err="1"/>
+              <a:t>stroke</a:t>
+            </a:r>
+            <a:r>
+              <a:rPr lang="de-CH" sz="1600" dirty="0"/>
+              <a:t>="#000000" </a:t>
+            </a:r>
+            <a:r>
+              <a:rPr lang="de-CH" sz="1600" dirty="0" err="1"/>
+              <a:t>fill</a:t>
+            </a:r>
+            <a:r>
+              <a:rPr lang="de-CH" sz="1600" dirty="0"/>
+              <a:t>="</a:t>
+            </a:r>
+            <a:r>
+              <a:rPr lang="de-CH" sz="1600" dirty="0" err="1"/>
+              <a:t>url</a:t>
+            </a:r>
+            <a:r>
+              <a:rPr lang="de-CH" sz="1600" dirty="0"/>
+              <a:t>(#</a:t>
+            </a:r>
+            <a:r>
+              <a:rPr lang="de-CH" sz="1600" dirty="0" err="1"/>
+              <a:t>black</a:t>
+            </a:r>
+            <a:r>
+              <a:rPr lang="de-CH" sz="1600" dirty="0"/>
+              <a:t>)"/&gt;</a:t>
+            </a:r>
+            <a:br>
+              <a:rPr lang="de-CH" sz="1600" dirty="0"/>
+            </a:br>
+            <a:r>
+              <a:rPr lang="de-CH" sz="1600" dirty="0"/>
+              <a:t> &lt;/g&gt;</a:t>
+            </a:r>
+            <a:br>
+              <a:rPr lang="de-CH" sz="1600" dirty="0"/>
+            </a:br>
+            <a:r>
+              <a:rPr lang="de-CH" sz="1600" dirty="0"/>
+              <a:t>&lt;/</a:t>
+            </a:r>
+            <a:r>
+              <a:rPr lang="de-CH" sz="1600" dirty="0" err="1"/>
+              <a:t>svg</a:t>
+            </a:r>
+            <a:r>
+              <a:rPr lang="de-CH" sz="1600" dirty="0"/>
+              <a:t>&gt;</a:t>
+            </a:r>
+            <a:br>
+              <a:rPr lang="de-CH" sz="1600" dirty="0"/>
+            </a:br>
+            <a:endParaRPr lang="de-CH" sz="1600" dirty="0"/>
           </a:p>
         </p:txBody>
       </p:sp>
@@ -3559,6 +4116,527 @@
               </a:prstClr>
             </a:outerShdw>
           </a:effectLst>
+          <a:extLst>
+            <a:ext uri="{909E8E84-426E-40DD-AFC4-6F175D3DCCD1}">
+              <a14:hiddenFill xmlns:a14="http://schemas.microsoft.com/office/drawing/2010/main">
+                <a:solidFill>
+                  <a:srgbClr val="FFFFFF"/>
+                </a:solidFill>
+              </a14:hiddenFill>
+            </a:ext>
+          </a:extLst>
+        </p:spPr>
+      </p:pic>
+      <p:sp>
+        <p:nvSpPr>
+          <p:cNvPr id="5" name="Textfeld 4"/>
+          <p:cNvSpPr txBox="1"/>
+          <p:nvPr/>
+        </p:nvSpPr>
+        <p:spPr>
+          <a:xfrm>
+            <a:off x="395536" y="5877271"/>
+            <a:ext cx="6048672" cy="584775"/>
+          </a:xfrm>
+          <a:prstGeom prst="rect">
+            <a:avLst/>
+          </a:prstGeom>
+          <a:noFill/>
+        </p:spPr>
+        <p:txBody>
+          <a:bodyPr wrap="square" rtlCol="0">
+            <a:spAutoFit/>
+          </a:bodyPr>
+          <a:lstStyle/>
+          <a:p>
+            <a:r>
+              <a:rPr lang="de-CH" sz="3200" dirty="0">
+                <a:hlinkClick r:id="rId3"/>
+              </a:rPr>
+              <a:t>http://</a:t>
+            </a:r>
+            <a:r>
+              <a:rPr lang="de-CH" sz="3200" dirty="0" smtClean="0">
+                <a:hlinkClick r:id="rId3"/>
+              </a:rPr>
+              <a:t>svg-edit.googlecode.com</a:t>
+            </a:r>
+            <a:endParaRPr lang="de-CH" sz="3200" dirty="0"/>
+          </a:p>
+        </p:txBody>
+      </p:sp>
+      <p:pic>
+        <p:nvPicPr>
+          <p:cNvPr id="1026" name="Picture 2"/>
+          <p:cNvPicPr>
+            <a:picLocks noChangeAspect="1" noChangeArrowheads="1"/>
+          </p:cNvPicPr>
+          <p:nvPr/>
+        </p:nvPicPr>
+        <p:blipFill>
+          <a:blip r:embed="rId4">
+            <a:extLst>
+              <a:ext uri="{28A0092B-C50C-407E-A947-70E740481C1C}">
+                <a14:useLocalDpi xmlns:a14="http://schemas.microsoft.com/office/drawing/2010/main" val="0"/>
+              </a:ext>
+            </a:extLst>
+          </a:blip>
+          <a:srcRect/>
+          <a:stretch>
+            <a:fillRect/>
+          </a:stretch>
+        </p:blipFill>
+        <p:spPr bwMode="auto">
+          <a:xfrm>
+            <a:off x="5971843" y="3429000"/>
+            <a:ext cx="3040904" cy="3033046"/>
+          </a:xfrm>
+          <a:prstGeom prst="rect">
+            <a:avLst/>
+          </a:prstGeom>
+          <a:noFill/>
+          <a:ln>
+            <a:noFill/>
+          </a:ln>
+          <a:effectLst/>
+          <a:extLst>
+            <a:ext uri="{909E8E84-426E-40DD-AFC4-6F175D3DCCD1}">
+              <a14:hiddenFill xmlns:a14="http://schemas.microsoft.com/office/drawing/2010/main">
+                <a:solidFill>
+                  <a:schemeClr val="accent1"/>
+                </a:solidFill>
+              </a14:hiddenFill>
+            </a:ext>
+            <a:ext uri="{91240B29-F687-4F45-9708-019B960494DF}">
+              <a14:hiddenLine xmlns:a14="http://schemas.microsoft.com/office/drawing/2010/main" w="9525">
+                <a:solidFill>
+                  <a:schemeClr val="tx1"/>
+                </a:solidFill>
+                <a:miter lim="800000"/>
+                <a:headEnd/>
+                <a:tailEnd/>
+              </a14:hiddenLine>
+            </a:ext>
+            <a:ext uri="{AF507438-7753-43E0-B8FC-AC1667EBCBE1}">
+              <a14:hiddenEffects xmlns:a14="http://schemas.microsoft.com/office/drawing/2010/main">
+                <a:effectLst>
+                  <a:outerShdw dist="35921" dir="2700000" algn="ctr" rotWithShape="0">
+                    <a:schemeClr val="bg2"/>
+                  </a:outerShdw>
+                </a:effectLst>
+              </a14:hiddenEffects>
+            </a:ext>
+          </a:extLst>
+        </p:spPr>
+      </p:pic>
+    </p:spTree>
+    <p:extLst>
+      <p:ext uri="{BB962C8B-B14F-4D97-AF65-F5344CB8AC3E}">
+        <p14:creationId xmlns:p14="http://schemas.microsoft.com/office/powerpoint/2010/main" val="2587827842"/>
+      </p:ext>
+    </p:extLst>
+  </p:cSld>
+  <p:clrMapOvr>
+    <a:masterClrMapping/>
+  </p:clrMapOvr>
+  <p:timing>
+    <p:tnLst>
+      <p:par>
+        <p:cTn id="1" dur="indefinite" restart="never" nodeType="tmRoot"/>
+      </p:par>
+    </p:tnLst>
+  </p:timing>
+</p:sld>
+</file>
+
+<file path=ppt/slides/slide11.xml><?xml version="1.0" encoding="utf-8"?>
+<p:sld xmlns:a="http://schemas.openxmlformats.org/drawingml/2006/main" xmlns:r="http://schemas.openxmlformats.org/officeDocument/2006/relationships" xmlns:p="http://schemas.openxmlformats.org/presentationml/2006/main">
+  <p:cSld>
+    <p:bg>
+      <p:bgPr>
+        <a:gradFill>
+          <a:gsLst>
+            <a:gs pos="0">
+              <a:schemeClr val="tx2">
+                <a:lumMod val="75000"/>
+              </a:schemeClr>
+            </a:gs>
+            <a:gs pos="17000">
+              <a:schemeClr val="tx2">
+                <a:lumMod val="60000"/>
+                <a:lumOff val="40000"/>
+              </a:schemeClr>
+            </a:gs>
+            <a:gs pos="47000">
+              <a:schemeClr val="tx2">
+                <a:lumMod val="40000"/>
+                <a:lumOff val="60000"/>
+              </a:schemeClr>
+            </a:gs>
+          </a:gsLst>
+          <a:lin ang="5400000" scaled="0"/>
+        </a:gradFill>
+        <a:effectLst/>
+      </p:bgPr>
+    </p:bg>
+    <p:spTree>
+      <p:nvGrpSpPr>
+        <p:cNvPr id="1" name=""/>
+        <p:cNvGrpSpPr/>
+        <p:nvPr/>
+      </p:nvGrpSpPr>
+      <p:grpSpPr>
+        <a:xfrm>
+          <a:off x="0" y="0"/>
+          <a:ext cx="0" cy="0"/>
+          <a:chOff x="0" y="0"/>
+          <a:chExt cx="0" cy="0"/>
+        </a:xfrm>
+      </p:grpSpPr>
+      <p:sp>
+        <p:nvSpPr>
+          <p:cNvPr id="2" name="Titel 1"/>
+          <p:cNvSpPr>
+            <a:spLocks noGrp="1"/>
+          </p:cNvSpPr>
+          <p:nvPr>
+            <p:ph type="title"/>
+          </p:nvPr>
+        </p:nvSpPr>
+        <p:spPr>
+          <a:effectLst>
+            <a:outerShdw blurRad="50800" dist="38100" dir="5400000" algn="t" rotWithShape="0">
+              <a:prstClr val="black">
+                <a:alpha val="40000"/>
+              </a:prstClr>
+            </a:outerShdw>
+          </a:effectLst>
+        </p:spPr>
+        <p:txBody>
+          <a:bodyPr/>
+          <a:lstStyle/>
+          <a:p>
+            <a:pPr algn="l"/>
+            <a:endParaRPr lang="de-CH" b="1" dirty="0">
+              <a:solidFill>
+                <a:schemeClr val="bg1"/>
+              </a:solidFill>
+            </a:endParaRPr>
+          </a:p>
+        </p:txBody>
+      </p:sp>
+      <p:sp>
+        <p:nvSpPr>
+          <p:cNvPr id="3" name="Inhaltsplatzhalter 2"/>
+          <p:cNvSpPr>
+            <a:spLocks noGrp="1"/>
+          </p:cNvSpPr>
+          <p:nvPr>
+            <p:ph idx="1"/>
+          </p:nvPr>
+        </p:nvSpPr>
+        <p:spPr>
+          <a:xfrm>
+            <a:off x="457200" y="1600200"/>
+            <a:ext cx="8435280" cy="4525963"/>
+          </a:xfrm>
+        </p:spPr>
+        <p:txBody>
+          <a:bodyPr/>
+          <a:lstStyle/>
+          <a:p>
+            <a:pPr marL="0" indent="0">
+              <a:buNone/>
+            </a:pPr>
+            <a:endParaRPr lang="de-CH" dirty="0"/>
+          </a:p>
+        </p:txBody>
+      </p:sp>
+      <p:pic>
+        <p:nvPicPr>
+          <p:cNvPr id="4" name="Picture 2" descr="C:\Users\grrd\Documents\HTML5\Reversi\build\images\logo.png"/>
+          <p:cNvPicPr>
+            <a:picLocks noChangeAspect="1" noChangeArrowheads="1"/>
+          </p:cNvPicPr>
+          <p:nvPr/>
+        </p:nvPicPr>
+        <p:blipFill>
+          <a:blip r:embed="rId2" cstate="print">
+            <a:extLst>
+              <a:ext uri="{28A0092B-C50C-407E-A947-70E740481C1C}">
+                <a14:useLocalDpi xmlns:a14="http://schemas.microsoft.com/office/drawing/2010/main" val="0"/>
+              </a:ext>
+            </a:extLst>
+          </a:blip>
+          <a:srcRect/>
+          <a:stretch>
+            <a:fillRect/>
+          </a:stretch>
+        </p:blipFill>
+        <p:spPr bwMode="auto">
+          <a:xfrm>
+            <a:off x="6186550" y="548680"/>
+            <a:ext cx="2611490" cy="576064"/>
+          </a:xfrm>
+          <a:prstGeom prst="rect">
+            <a:avLst/>
+          </a:prstGeom>
+          <a:noFill/>
+          <a:effectLst>
+            <a:outerShdw blurRad="50800" dist="38100" dir="2700000" algn="tl" rotWithShape="0">
+              <a:prstClr val="black">
+                <a:alpha val="40000"/>
+              </a:prstClr>
+            </a:outerShdw>
+          </a:effectLst>
+          <a:extLst>
+            <a:ext uri="{909E8E84-426E-40DD-AFC4-6F175D3DCCD1}">
+              <a14:hiddenFill xmlns:a14="http://schemas.microsoft.com/office/drawing/2010/main">
+                <a:solidFill>
+                  <a:srgbClr val="FFFFFF"/>
+                </a:solidFill>
+              </a14:hiddenFill>
+            </a:ext>
+          </a:extLst>
+        </p:spPr>
+      </p:pic>
+    </p:spTree>
+    <p:extLst>
+      <p:ext uri="{BB962C8B-B14F-4D97-AF65-F5344CB8AC3E}">
+        <p14:creationId xmlns:p14="http://schemas.microsoft.com/office/powerpoint/2010/main" val="2104893467"/>
+      </p:ext>
+    </p:extLst>
+  </p:cSld>
+  <p:clrMapOvr>
+    <a:masterClrMapping/>
+  </p:clrMapOvr>
+  <p:timing>
+    <p:tnLst>
+      <p:par>
+        <p:cTn id="1" dur="indefinite" restart="never" nodeType="tmRoot"/>
+      </p:par>
+    </p:tnLst>
+  </p:timing>
+</p:sld>
+</file>
+
+<file path=ppt/slides/slide12.xml><?xml version="1.0" encoding="utf-8"?>
+<p:sld xmlns:a="http://schemas.openxmlformats.org/drawingml/2006/main" xmlns:r="http://schemas.openxmlformats.org/officeDocument/2006/relationships" xmlns:p="http://schemas.openxmlformats.org/presentationml/2006/main">
+  <p:cSld>
+    <p:bg>
+      <p:bgPr>
+        <a:gradFill>
+          <a:gsLst>
+            <a:gs pos="0">
+              <a:schemeClr val="tx2">
+                <a:lumMod val="75000"/>
+              </a:schemeClr>
+            </a:gs>
+            <a:gs pos="17000">
+              <a:schemeClr val="tx2">
+                <a:lumMod val="60000"/>
+                <a:lumOff val="40000"/>
+              </a:schemeClr>
+            </a:gs>
+            <a:gs pos="47000">
+              <a:schemeClr val="tx2">
+                <a:lumMod val="40000"/>
+                <a:lumOff val="60000"/>
+              </a:schemeClr>
+            </a:gs>
+          </a:gsLst>
+          <a:lin ang="5400000" scaled="0"/>
+        </a:gradFill>
+        <a:effectLst/>
+      </p:bgPr>
+    </p:bg>
+    <p:spTree>
+      <p:nvGrpSpPr>
+        <p:cNvPr id="1" name=""/>
+        <p:cNvGrpSpPr/>
+        <p:nvPr/>
+      </p:nvGrpSpPr>
+      <p:grpSpPr>
+        <a:xfrm>
+          <a:off x="0" y="0"/>
+          <a:ext cx="0" cy="0"/>
+          <a:chOff x="0" y="0"/>
+          <a:chExt cx="0" cy="0"/>
+        </a:xfrm>
+      </p:grpSpPr>
+      <p:sp>
+        <p:nvSpPr>
+          <p:cNvPr id="2" name="Titel 1"/>
+          <p:cNvSpPr>
+            <a:spLocks noGrp="1"/>
+          </p:cNvSpPr>
+          <p:nvPr>
+            <p:ph type="title"/>
+          </p:nvPr>
+        </p:nvSpPr>
+        <p:spPr>
+          <a:effectLst>
+            <a:outerShdw blurRad="50800" dist="38100" dir="5400000" algn="t" rotWithShape="0">
+              <a:prstClr val="black">
+                <a:alpha val="40000"/>
+              </a:prstClr>
+            </a:outerShdw>
+          </a:effectLst>
+        </p:spPr>
+        <p:txBody>
+          <a:bodyPr/>
+          <a:lstStyle/>
+          <a:p>
+            <a:pPr algn="l"/>
+            <a:r>
+              <a:rPr lang="de-CH" b="1" dirty="0" err="1" smtClean="0">
+                <a:solidFill>
+                  <a:schemeClr val="bg1"/>
+                </a:solidFill>
+              </a:rPr>
+              <a:t>let’s</a:t>
+            </a:r>
+            <a:r>
+              <a:rPr lang="de-CH" b="1" dirty="0" smtClean="0">
+                <a:solidFill>
+                  <a:schemeClr val="bg1"/>
+                </a:solidFill>
+              </a:rPr>
+              <a:t> </a:t>
+            </a:r>
+            <a:r>
+              <a:rPr lang="de-CH" b="1" dirty="0" err="1" smtClean="0">
+                <a:solidFill>
+                  <a:schemeClr val="bg1"/>
+                </a:solidFill>
+              </a:rPr>
+              <a:t>play</a:t>
+            </a:r>
+            <a:r>
+              <a:rPr lang="de-CH" b="1" dirty="0" smtClean="0">
+                <a:solidFill>
+                  <a:schemeClr val="bg1"/>
+                </a:solidFill>
+              </a:rPr>
+              <a:t>!</a:t>
+            </a:r>
+            <a:endParaRPr lang="de-CH" b="1" dirty="0">
+              <a:solidFill>
+                <a:schemeClr val="bg1"/>
+              </a:solidFill>
+            </a:endParaRPr>
+          </a:p>
+        </p:txBody>
+      </p:sp>
+      <p:sp>
+        <p:nvSpPr>
+          <p:cNvPr id="3" name="Inhaltsplatzhalter 2"/>
+          <p:cNvSpPr>
+            <a:spLocks noGrp="1"/>
+          </p:cNvSpPr>
+          <p:nvPr>
+            <p:ph idx="1"/>
+          </p:nvPr>
+        </p:nvSpPr>
+        <p:spPr>
+          <a:xfrm>
+            <a:off x="387152" y="5661248"/>
+            <a:ext cx="8435280" cy="680939"/>
+          </a:xfrm>
+        </p:spPr>
+        <p:txBody>
+          <a:bodyPr/>
+          <a:lstStyle/>
+          <a:p>
+            <a:pPr marL="0" indent="0">
+              <a:buNone/>
+            </a:pPr>
+            <a:r>
+              <a:rPr lang="de-CH" dirty="0"/>
+              <a:t>http://grrd01.github.io/Reversi/</a:t>
+            </a:r>
+            <a:endParaRPr lang="de-CH" dirty="0"/>
+          </a:p>
+        </p:txBody>
+      </p:sp>
+      <p:pic>
+        <p:nvPicPr>
+          <p:cNvPr id="4" name="Picture 2" descr="C:\Users\grrd\Documents\HTML5\Reversi\build\images\logo.png"/>
+          <p:cNvPicPr>
+            <a:picLocks noChangeAspect="1" noChangeArrowheads="1"/>
+          </p:cNvPicPr>
+          <p:nvPr/>
+        </p:nvPicPr>
+        <p:blipFill>
+          <a:blip r:embed="rId2" cstate="print">
+            <a:extLst>
+              <a:ext uri="{28A0092B-C50C-407E-A947-70E740481C1C}">
+                <a14:useLocalDpi xmlns:a14="http://schemas.microsoft.com/office/drawing/2010/main" val="0"/>
+              </a:ext>
+            </a:extLst>
+          </a:blip>
+          <a:srcRect/>
+          <a:stretch>
+            <a:fillRect/>
+          </a:stretch>
+        </p:blipFill>
+        <p:spPr bwMode="auto">
+          <a:xfrm>
+            <a:off x="6186550" y="548680"/>
+            <a:ext cx="2611490" cy="576064"/>
+          </a:xfrm>
+          <a:prstGeom prst="rect">
+            <a:avLst/>
+          </a:prstGeom>
+          <a:noFill/>
+          <a:effectLst>
+            <a:outerShdw blurRad="50800" dist="38100" dir="2700000" algn="tl" rotWithShape="0">
+              <a:prstClr val="black">
+                <a:alpha val="40000"/>
+              </a:prstClr>
+            </a:outerShdw>
+          </a:effectLst>
+          <a:extLst>
+            <a:ext uri="{909E8E84-426E-40DD-AFC4-6F175D3DCCD1}">
+              <a14:hiddenFill xmlns:a14="http://schemas.microsoft.com/office/drawing/2010/main">
+                <a:solidFill>
+                  <a:srgbClr val="FFFFFF"/>
+                </a:solidFill>
+              </a14:hiddenFill>
+            </a:ext>
+          </a:extLst>
+        </p:spPr>
+      </p:pic>
+      <p:pic>
+        <p:nvPicPr>
+          <p:cNvPr id="2050" name="Picture 2" descr="C:\Users\grrd\Downloads\qrcode.png"/>
+          <p:cNvPicPr>
+            <a:picLocks noChangeAspect="1" noChangeArrowheads="1"/>
+          </p:cNvPicPr>
+          <p:nvPr/>
+        </p:nvPicPr>
+        <p:blipFill>
+          <a:blip r:embed="rId3">
+            <a:extLst>
+              <a:ext uri="{28A0092B-C50C-407E-A947-70E740481C1C}">
+                <a14:useLocalDpi xmlns:a14="http://schemas.microsoft.com/office/drawing/2010/main" val="0"/>
+              </a:ext>
+            </a:extLst>
+          </a:blip>
+          <a:srcRect/>
+          <a:stretch>
+            <a:fillRect/>
+          </a:stretch>
+        </p:blipFill>
+        <p:spPr bwMode="auto">
+          <a:xfrm>
+            <a:off x="2699792" y="1628800"/>
+            <a:ext cx="3810000" cy="3810000"/>
+          </a:xfrm>
+          <a:prstGeom prst="rect">
+            <a:avLst/>
+          </a:prstGeom>
+          <a:noFill/>
           <a:extLst>
             <a:ext uri="{909E8E84-426E-40DD-AFC4-6F175D3DCCD1}">
               <a14:hiddenFill xmlns:a14="http://schemas.microsoft.com/office/drawing/2010/main">
@@ -3913,14 +4991,6 @@
           <a:lstStyle/>
           <a:p>
             <a:pPr algn="l"/>
-            <a:r>
-              <a:rPr lang="de-CH" b="1" dirty="0" smtClean="0">
-                <a:solidFill>
-                  <a:schemeClr val="bg1"/>
-                </a:solidFill>
-              </a:rPr>
-              <a:t>Server Komponenten</a:t>
-            </a:r>
             <a:endParaRPr lang="de-CH" b="1" dirty="0">
               <a:solidFill>
                 <a:schemeClr val="bg1"/>
@@ -3949,19 +5019,238 @@
           <a:bodyPr/>
           <a:lstStyle/>
           <a:p>
+            <a:pPr marL="0" indent="0">
+              <a:buNone/>
+            </a:pPr>
+            <a:endParaRPr lang="de-CH" dirty="0"/>
+          </a:p>
+        </p:txBody>
+      </p:sp>
+      <p:pic>
+        <p:nvPicPr>
+          <p:cNvPr id="4" name="Picture 2" descr="C:\Users\grrd\Documents\HTML5\Reversi\build\images\logo.png"/>
+          <p:cNvPicPr>
+            <a:picLocks noChangeAspect="1" noChangeArrowheads="1"/>
+          </p:cNvPicPr>
+          <p:nvPr/>
+        </p:nvPicPr>
+        <p:blipFill>
+          <a:blip r:embed="rId2" cstate="print">
+            <a:extLst>
+              <a:ext uri="{28A0092B-C50C-407E-A947-70E740481C1C}">
+                <a14:useLocalDpi xmlns:a14="http://schemas.microsoft.com/office/drawing/2010/main" val="0"/>
+              </a:ext>
+            </a:extLst>
+          </a:blip>
+          <a:srcRect/>
+          <a:stretch>
+            <a:fillRect/>
+          </a:stretch>
+        </p:blipFill>
+        <p:spPr bwMode="auto">
+          <a:xfrm>
+            <a:off x="6186550" y="548680"/>
+            <a:ext cx="2611490" cy="576064"/>
+          </a:xfrm>
+          <a:prstGeom prst="rect">
+            <a:avLst/>
+          </a:prstGeom>
+          <a:noFill/>
+          <a:effectLst>
+            <a:outerShdw blurRad="50800" dist="38100" dir="2700000" algn="tl" rotWithShape="0">
+              <a:prstClr val="black">
+                <a:alpha val="40000"/>
+              </a:prstClr>
+            </a:outerShdw>
+          </a:effectLst>
+          <a:extLst>
+            <a:ext uri="{909E8E84-426E-40DD-AFC4-6F175D3DCCD1}">
+              <a14:hiddenFill xmlns:a14="http://schemas.microsoft.com/office/drawing/2010/main">
+                <a:solidFill>
+                  <a:srgbClr val="FFFFFF"/>
+                </a:solidFill>
+              </a14:hiddenFill>
+            </a:ext>
+          </a:extLst>
+        </p:spPr>
+      </p:pic>
+    </p:spTree>
+    <p:extLst>
+      <p:ext uri="{BB962C8B-B14F-4D97-AF65-F5344CB8AC3E}">
+        <p14:creationId xmlns:p14="http://schemas.microsoft.com/office/powerpoint/2010/main" val="2773415637"/>
+      </p:ext>
+    </p:extLst>
+  </p:cSld>
+  <p:clrMapOvr>
+    <a:masterClrMapping/>
+  </p:clrMapOvr>
+  <p:timing>
+    <p:tnLst>
+      <p:par>
+        <p:cTn id="1" dur="indefinite" restart="never" nodeType="tmRoot"/>
+      </p:par>
+    </p:tnLst>
+  </p:timing>
+</p:sld>
+</file>
+
+<file path=ppt/slides/slide4.xml><?xml version="1.0" encoding="utf-8"?>
+<p:sld xmlns:a="http://schemas.openxmlformats.org/drawingml/2006/main" xmlns:r="http://schemas.openxmlformats.org/officeDocument/2006/relationships" xmlns:p="http://schemas.openxmlformats.org/presentationml/2006/main">
+  <p:cSld>
+    <p:bg>
+      <p:bgPr>
+        <a:gradFill>
+          <a:gsLst>
+            <a:gs pos="0">
+              <a:schemeClr val="tx2">
+                <a:lumMod val="75000"/>
+              </a:schemeClr>
+            </a:gs>
+            <a:gs pos="17000">
+              <a:schemeClr val="tx2">
+                <a:lumMod val="60000"/>
+                <a:lumOff val="40000"/>
+              </a:schemeClr>
+            </a:gs>
+            <a:gs pos="47000">
+              <a:schemeClr val="tx2">
+                <a:lumMod val="40000"/>
+                <a:lumOff val="60000"/>
+              </a:schemeClr>
+            </a:gs>
+          </a:gsLst>
+          <a:lin ang="5400000" scaled="0"/>
+        </a:gradFill>
+        <a:effectLst/>
+      </p:bgPr>
+    </p:bg>
+    <p:spTree>
+      <p:nvGrpSpPr>
+        <p:cNvPr id="1" name=""/>
+        <p:cNvGrpSpPr/>
+        <p:nvPr/>
+      </p:nvGrpSpPr>
+      <p:grpSpPr>
+        <a:xfrm>
+          <a:off x="0" y="0"/>
+          <a:ext cx="0" cy="0"/>
+          <a:chOff x="0" y="0"/>
+          <a:chExt cx="0" cy="0"/>
+        </a:xfrm>
+      </p:grpSpPr>
+      <p:sp>
+        <p:nvSpPr>
+          <p:cNvPr id="2" name="Titel 1"/>
+          <p:cNvSpPr>
+            <a:spLocks noGrp="1"/>
+          </p:cNvSpPr>
+          <p:nvPr>
+            <p:ph type="title"/>
+          </p:nvPr>
+        </p:nvSpPr>
+        <p:spPr>
+          <a:effectLst>
+            <a:outerShdw blurRad="50800" dist="38100" dir="5400000" algn="t" rotWithShape="0">
+              <a:prstClr val="black">
+                <a:alpha val="40000"/>
+              </a:prstClr>
+            </a:outerShdw>
+          </a:effectLst>
+        </p:spPr>
+        <p:txBody>
+          <a:bodyPr/>
+          <a:lstStyle/>
+          <a:p>
+            <a:pPr algn="l"/>
+            <a:r>
+              <a:rPr lang="de-CH" b="1" dirty="0" smtClean="0">
+                <a:solidFill>
+                  <a:schemeClr val="bg1"/>
+                </a:solidFill>
+              </a:rPr>
+              <a:t>Online Modus</a:t>
+            </a:r>
+            <a:endParaRPr lang="de-CH" b="1" dirty="0">
+              <a:solidFill>
+                <a:schemeClr val="bg1"/>
+              </a:solidFill>
+            </a:endParaRPr>
+          </a:p>
+        </p:txBody>
+      </p:sp>
+      <p:sp>
+        <p:nvSpPr>
+          <p:cNvPr id="3" name="Inhaltsplatzhalter 2"/>
+          <p:cNvSpPr>
+            <a:spLocks noGrp="1"/>
+          </p:cNvSpPr>
+          <p:nvPr>
+            <p:ph idx="1"/>
+          </p:nvPr>
+        </p:nvSpPr>
+        <p:spPr>
+          <a:xfrm>
+            <a:off x="457200" y="1600200"/>
+            <a:ext cx="8435280" cy="4525963"/>
+          </a:xfrm>
+        </p:spPr>
+        <p:txBody>
+          <a:bodyPr/>
+          <a:lstStyle/>
+          <a:p>
+            <a:pPr marL="0" indent="0">
+              <a:buNone/>
+            </a:pPr>
+            <a:endParaRPr lang="de-CH" dirty="0" smtClean="0"/>
+          </a:p>
+          <a:p>
             <a:r>
               <a:rPr lang="de-CH" dirty="0" smtClean="0"/>
-              <a:t>Server-Lösung realisiert mit node.js / socket.io</a:t>
-            </a:r>
-          </a:p>
-          <a:p>
+              <a:t>Server-Lösung </a:t>
+            </a:r>
             <a:r>
               <a:rPr lang="de-CH" dirty="0" smtClean="0"/>
-              <a:t>Lokal &amp; online (</a:t>
+              <a:t>realisiert mit node.js / socket.io</a:t>
+            </a:r>
+          </a:p>
+          <a:p>
+            <a:r>
+              <a:rPr lang="de-CH" dirty="0" smtClean="0"/>
+              <a:t>Lokaler Server (node.js / </a:t>
+            </a:r>
+            <a:r>
+              <a:rPr lang="de-CH" dirty="0" err="1" smtClean="0"/>
+              <a:t>localhost</a:t>
+            </a:r>
+            <a:r>
+              <a:rPr lang="de-CH" dirty="0" smtClean="0"/>
+              <a:t> )</a:t>
+            </a:r>
+          </a:p>
+          <a:p>
+            <a:r>
+              <a:rPr lang="de-CH" dirty="0" smtClean="0"/>
+              <a:t>Externer Server (</a:t>
             </a:r>
             <a:r>
               <a:rPr lang="de-CH" dirty="0" err="1" smtClean="0"/>
               <a:t>OpenShift</a:t>
+            </a:r>
+            <a:r>
+              <a:rPr lang="de-CH" dirty="0" smtClean="0"/>
+              <a:t> </a:t>
+            </a:r>
+            <a:r>
+              <a:rPr lang="de-CH" dirty="0" err="1" smtClean="0"/>
+              <a:t>by</a:t>
+            </a:r>
+            <a:r>
+              <a:rPr lang="de-CH" dirty="0" smtClean="0"/>
+              <a:t> </a:t>
+            </a:r>
+            <a:r>
+              <a:rPr lang="de-CH" dirty="0" err="1" smtClean="0"/>
+              <a:t>Redhat</a:t>
             </a:r>
             <a:r>
               <a:rPr lang="de-CH" dirty="0" smtClean="0"/>
@@ -4039,7 +5328,7 @@
 </p:sld>
 </file>
 
-<file path=ppt/slides/slide4.xml><?xml version="1.0" encoding="utf-8"?>
+<file path=ppt/slides/slide5.xml><?xml version="1.0" encoding="utf-8"?>
 <p:sld xmlns:a="http://schemas.openxmlformats.org/drawingml/2006/main" xmlns:r="http://schemas.openxmlformats.org/officeDocument/2006/relationships" xmlns:p="http://schemas.openxmlformats.org/presentationml/2006/main">
   <p:cSld>
     <p:bg>
@@ -4108,12 +5397,20 @@
           <a:p>
             <a:pPr algn="l"/>
             <a:r>
+              <a:rPr lang="de-CH" b="1" dirty="0" err="1" smtClean="0">
+                <a:solidFill>
+                  <a:schemeClr val="bg1"/>
+                </a:solidFill>
+              </a:rPr>
+              <a:t>Oline</a:t>
+            </a:r>
+            <a:r>
               <a:rPr lang="de-CH" b="1" dirty="0" smtClean="0">
                 <a:solidFill>
                   <a:schemeClr val="bg1"/>
                 </a:solidFill>
               </a:rPr>
-              <a:t>Server Komponenten</a:t>
+              <a:t> Kommunikation</a:t>
             </a:r>
             <a:endParaRPr lang="de-CH" b="1" dirty="0">
               <a:solidFill>
@@ -4232,7 +5529,7 @@
 </p:sld>
 </file>
 
-<file path=ppt/slides/slide5.xml><?xml version="1.0" encoding="utf-8"?>
+<file path=ppt/slides/slide6.xml><?xml version="1.0" encoding="utf-8"?>
 <p:sld xmlns:a="http://schemas.openxmlformats.org/drawingml/2006/main" xmlns:r="http://schemas.openxmlformats.org/officeDocument/2006/relationships" xmlns:p="http://schemas.openxmlformats.org/presentationml/2006/main">
   <p:cSld>
     <p:bg>
@@ -4306,7 +5603,7 @@
                   <a:schemeClr val="bg1"/>
                 </a:solidFill>
               </a:rPr>
-              <a:t>Server Komponenten</a:t>
+              <a:t>Verbindungsaufbau</a:t>
             </a:r>
             <a:endParaRPr lang="de-CH" b="1" dirty="0">
               <a:solidFill>
@@ -4339,16 +5636,9 @@
             <a:pPr marL="0" indent="0">
               <a:buNone/>
             </a:pPr>
-            <a:r>
-              <a:rPr lang="de-CH" b="1" dirty="0" smtClean="0"/>
-              <a:t>Verbindungsaufbau</a:t>
-            </a:r>
-          </a:p>
-          <a:p>
-            <a:pPr marL="0" indent="0">
-              <a:buNone/>
-            </a:pPr>
-            <a:endParaRPr lang="de-CH" dirty="0" smtClean="0"/>
+            <a:endParaRPr lang="de-CH" dirty="0" smtClean="0">
+              <a:effectLst/>
+            </a:endParaRPr>
           </a:p>
           <a:p>
             <a:pPr marL="0" indent="0">
@@ -4390,7 +5680,15 @@
             </a:r>
             <a:r>
               <a:rPr lang="de-CH" dirty="0"/>
-              <a:t>/socket.io.js"</a:t>
+              <a:t>/</a:t>
+            </a:r>
+            <a:r>
+              <a:rPr lang="de-CH" b="1" dirty="0"/>
+              <a:t>socket.io.js</a:t>
+            </a:r>
+            <a:r>
+              <a:rPr lang="de-CH" dirty="0"/>
+              <a:t>"</a:t>
             </a:r>
             <a:r>
               <a:rPr lang="de-CH" dirty="0" smtClean="0">
@@ -4460,11 +5758,11 @@
               <a:t>io</a:t>
             </a:r>
             <a:r>
-              <a:rPr lang="de-CH" dirty="0" err="1" smtClean="0"/>
+              <a:rPr lang="de-CH" b="1" dirty="0" err="1" smtClean="0"/>
               <a:t>.</a:t>
             </a:r>
             <a:r>
-              <a:rPr lang="de-CH" dirty="0" err="1"/>
+              <a:rPr lang="de-CH" b="1" dirty="0" err="1"/>
               <a:t>connect</a:t>
             </a:r>
             <a:r>
@@ -4472,16 +5770,12 @@
               <a:t>(</a:t>
             </a:r>
             <a:r>
-              <a:rPr lang="de-CH" b="1" dirty="0"/>
+              <a:rPr lang="de-CH" dirty="0"/>
               <a:t>'http://localhost:3000</a:t>
             </a:r>
             <a:r>
-              <a:rPr lang="de-CH" b="1" dirty="0" smtClean="0"/>
-              <a:t>'</a:t>
-            </a:r>
-            <a:r>
               <a:rPr lang="de-CH" dirty="0" smtClean="0"/>
-              <a:t>,</a:t>
+              <a:t>',</a:t>
             </a:r>
             <a:br>
               <a:rPr lang="de-CH" dirty="0" smtClean="0"/>
@@ -4491,15 +5785,15 @@
               <a:t>    {</a:t>
             </a:r>
             <a:r>
-              <a:rPr lang="de-CH" b="1" dirty="0"/>
+              <a:rPr lang="de-CH" dirty="0"/>
               <a:t>'</a:t>
             </a:r>
             <a:r>
-              <a:rPr lang="de-CH" b="1" dirty="0" err="1"/>
+              <a:rPr lang="de-CH" dirty="0" err="1"/>
               <a:t>forceNew</a:t>
             </a:r>
             <a:r>
-              <a:rPr lang="de-CH" b="1" dirty="0"/>
+              <a:rPr lang="de-CH" dirty="0"/>
               <a:t>'</a:t>
             </a:r>
             <a:r>
@@ -4507,7 +5801,7 @@
               <a:t>: </a:t>
             </a:r>
             <a:r>
-              <a:rPr lang="de-CH" b="1" dirty="0" err="1"/>
+              <a:rPr lang="de-CH" dirty="0" err="1"/>
               <a:t>true</a:t>
             </a:r>
             <a:r>
@@ -4586,7 +5880,7 @@
 </p:sld>
 </file>
 
-<file path=ppt/slides/slide6.xml><?xml version="1.0" encoding="utf-8"?>
+<file path=ppt/slides/slide7.xml><?xml version="1.0" encoding="utf-8"?>
 <p:sld xmlns:a="http://schemas.openxmlformats.org/drawingml/2006/main" xmlns:r="http://schemas.openxmlformats.org/officeDocument/2006/relationships" xmlns:p="http://schemas.openxmlformats.org/presentationml/2006/main">
   <p:cSld>
     <p:bg>
@@ -4660,7 +5954,15 @@
                   <a:schemeClr val="bg1"/>
                 </a:solidFill>
               </a:rPr>
-              <a:t>Server Komponenten</a:t>
+              <a:t>Server </a:t>
+            </a:r>
+            <a:r>
+              <a:rPr lang="de-CH" b="1" dirty="0" smtClean="0">
+                <a:solidFill>
+                  <a:schemeClr val="bg1"/>
+                </a:solidFill>
+              </a:rPr>
+              <a:t>Side Script</a:t>
             </a:r>
             <a:endParaRPr lang="de-CH" b="1" dirty="0">
               <a:solidFill>
@@ -4688,18 +5990,9 @@
         </p:spPr>
         <p:txBody>
           <a:bodyPr>
-            <a:normAutofit fontScale="92500" lnSpcReduction="10000"/>
+            <a:normAutofit lnSpcReduction="10000"/>
           </a:bodyPr>
           <a:lstStyle/>
-          <a:p>
-            <a:pPr marL="0" indent="0">
-              <a:buNone/>
-            </a:pPr>
-            <a:r>
-              <a:rPr lang="de-CH" b="1" dirty="0" smtClean="0"/>
-              <a:t>Server</a:t>
-            </a:r>
-          </a:p>
           <a:p>
             <a:pPr marL="0" indent="0">
               <a:buNone/>
@@ -4761,16 +6054,16 @@
               <a:t>    </a:t>
             </a:r>
             <a:r>
-              <a:rPr lang="en-US" b="1" dirty="0" err="1"/>
+              <a:rPr lang="en-US" dirty="0" err="1"/>
               <a:t>var</a:t>
             </a:r>
             <a:r>
               <a:rPr lang="en-US" b="1" dirty="0"/>
+              <a:t> user</a:t>
+            </a:r>
+            <a:r>
+              <a:rPr lang="en-US" dirty="0"/>
               <a:t> </a:t>
-            </a:r>
-            <a:r>
-              <a:rPr lang="en-US" dirty="0"/>
-              <a:t>user </a:t>
             </a:r>
             <a:r>
               <a:rPr lang="en-US" dirty="0" smtClean="0"/>
@@ -4987,7 +6280,7 @@
 </p:sld>
 </file>
 
-<file path=ppt/slides/slide7.xml><?xml version="1.0" encoding="utf-8"?>
+<file path=ppt/slides/slide8.xml><?xml version="1.0" encoding="utf-8"?>
 <p:sld xmlns:a="http://schemas.openxmlformats.org/drawingml/2006/main" xmlns:r="http://schemas.openxmlformats.org/officeDocument/2006/relationships" xmlns:p="http://schemas.openxmlformats.org/presentationml/2006/main">
   <p:cSld>
     <p:bg>
@@ -5061,7 +6354,7 @@
                   <a:schemeClr val="bg1"/>
                 </a:solidFill>
               </a:rPr>
-              <a:t>Server Komponenten</a:t>
+              <a:t>Client Event</a:t>
             </a:r>
             <a:endParaRPr lang="de-CH" b="1" dirty="0">
               <a:solidFill>
@@ -5096,10 +6389,7 @@
             <a:pPr marL="0" indent="0">
               <a:buNone/>
             </a:pPr>
-            <a:r>
-              <a:rPr lang="de-CH" b="1" dirty="0" smtClean="0"/>
-              <a:t>Client</a:t>
-            </a:r>
+            <a:endParaRPr lang="de-CH" b="1" dirty="0" smtClean="0"/>
           </a:p>
           <a:p>
             <a:pPr marL="0" indent="0">
@@ -5112,24 +6402,12 @@
               <a:buNone/>
             </a:pPr>
             <a:r>
-              <a:rPr lang="en-US" dirty="0" err="1"/>
-              <a:t>self</a:t>
+              <a:rPr lang="en-US" b="1" dirty="0" err="1" smtClean="0"/>
+              <a:t>socket</a:t>
             </a:r>
             <a:r>
               <a:rPr lang="en-US" dirty="0" err="1" smtClean="0"/>
-              <a:t>.</a:t>
-            </a:r>
-            <a:r>
-              <a:rPr lang="en-US" b="1" dirty="0" err="1"/>
-              <a:t>socket</a:t>
-            </a:r>
-            <a:r>
-              <a:rPr lang="en-US" dirty="0" err="1" smtClean="0"/>
-              <a:t>.</a:t>
-            </a:r>
-            <a:r>
-              <a:rPr lang="en-US" dirty="0" err="1"/>
-              <a:t>on</a:t>
+              <a:t>.on</a:t>
             </a:r>
             <a:r>
               <a:rPr lang="en-US" dirty="0" smtClean="0"/>
@@ -5265,7 +6543,7 @@
 </p:sld>
 </file>
 
-<file path=ppt/slides/slide8.xml><?xml version="1.0" encoding="utf-8"?>
+<file path=ppt/slides/slide9.xml><?xml version="1.0" encoding="utf-8"?>
 <p:sld xmlns:a="http://schemas.openxmlformats.org/drawingml/2006/main" xmlns:r="http://schemas.openxmlformats.org/officeDocument/2006/relationships" xmlns:p="http://schemas.openxmlformats.org/presentationml/2006/main">
   <p:cSld>
     <p:bg>
@@ -5797,177 +7075,6 @@
     <p:extLst>
       <p:ext uri="{BB962C8B-B14F-4D97-AF65-F5344CB8AC3E}">
         <p14:creationId xmlns:p14="http://schemas.microsoft.com/office/powerpoint/2010/main" val="3775130774"/>
-      </p:ext>
-    </p:extLst>
-  </p:cSld>
-  <p:clrMapOvr>
-    <a:masterClrMapping/>
-  </p:clrMapOvr>
-  <p:timing>
-    <p:tnLst>
-      <p:par>
-        <p:cTn id="1" dur="indefinite" restart="never" nodeType="tmRoot"/>
-      </p:par>
-    </p:tnLst>
-  </p:timing>
-</p:sld>
-</file>
-
-<file path=ppt/slides/slide9.xml><?xml version="1.0" encoding="utf-8"?>
-<p:sld xmlns:a="http://schemas.openxmlformats.org/drawingml/2006/main" xmlns:r="http://schemas.openxmlformats.org/officeDocument/2006/relationships" xmlns:p="http://schemas.openxmlformats.org/presentationml/2006/main">
-  <p:cSld>
-    <p:bg>
-      <p:bgPr>
-        <a:gradFill>
-          <a:gsLst>
-            <a:gs pos="0">
-              <a:schemeClr val="tx2">
-                <a:lumMod val="75000"/>
-              </a:schemeClr>
-            </a:gs>
-            <a:gs pos="17000">
-              <a:schemeClr val="tx2">
-                <a:lumMod val="60000"/>
-                <a:lumOff val="40000"/>
-              </a:schemeClr>
-            </a:gs>
-            <a:gs pos="47000">
-              <a:schemeClr val="tx2">
-                <a:lumMod val="40000"/>
-                <a:lumOff val="60000"/>
-              </a:schemeClr>
-            </a:gs>
-          </a:gsLst>
-          <a:lin ang="5400000" scaled="0"/>
-        </a:gradFill>
-        <a:effectLst/>
-      </p:bgPr>
-    </p:bg>
-    <p:spTree>
-      <p:nvGrpSpPr>
-        <p:cNvPr id="1" name=""/>
-        <p:cNvGrpSpPr/>
-        <p:nvPr/>
-      </p:nvGrpSpPr>
-      <p:grpSpPr>
-        <a:xfrm>
-          <a:off x="0" y="0"/>
-          <a:ext cx="0" cy="0"/>
-          <a:chOff x="0" y="0"/>
-          <a:chExt cx="0" cy="0"/>
-        </a:xfrm>
-      </p:grpSpPr>
-      <p:sp>
-        <p:nvSpPr>
-          <p:cNvPr id="2" name="Titel 1"/>
-          <p:cNvSpPr>
-            <a:spLocks noGrp="1"/>
-          </p:cNvSpPr>
-          <p:nvPr>
-            <p:ph type="title"/>
-          </p:nvPr>
-        </p:nvSpPr>
-        <p:spPr>
-          <a:effectLst>
-            <a:outerShdw blurRad="50800" dist="38100" dir="5400000" algn="t" rotWithShape="0">
-              <a:prstClr val="black">
-                <a:alpha val="40000"/>
-              </a:prstClr>
-            </a:outerShdw>
-          </a:effectLst>
-        </p:spPr>
-        <p:txBody>
-          <a:bodyPr/>
-          <a:lstStyle/>
-          <a:p>
-            <a:pPr algn="l"/>
-            <a:endParaRPr lang="de-CH" b="1" dirty="0">
-              <a:solidFill>
-                <a:schemeClr val="bg1"/>
-              </a:solidFill>
-            </a:endParaRPr>
-          </a:p>
-        </p:txBody>
-      </p:sp>
-      <p:sp>
-        <p:nvSpPr>
-          <p:cNvPr id="3" name="Inhaltsplatzhalter 2"/>
-          <p:cNvSpPr>
-            <a:spLocks noGrp="1"/>
-          </p:cNvSpPr>
-          <p:nvPr>
-            <p:ph idx="1"/>
-          </p:nvPr>
-        </p:nvSpPr>
-        <p:spPr>
-          <a:xfrm>
-            <a:off x="457200" y="1600200"/>
-            <a:ext cx="8435280" cy="4525963"/>
-          </a:xfrm>
-        </p:spPr>
-        <p:txBody>
-          <a:bodyPr/>
-          <a:lstStyle/>
-          <a:p>
-            <a:pPr marL="0" indent="0">
-              <a:buNone/>
-            </a:pPr>
-            <a:endParaRPr lang="de-CH" dirty="0"/>
-          </a:p>
-        </p:txBody>
-      </p:sp>
-      <p:pic>
-        <p:nvPicPr>
-          <p:cNvPr id="4" name="Picture 2" descr="C:\Users\grrd\Documents\HTML5\Reversi\build\images\logo.png"/>
-          <p:cNvPicPr>
-            <a:picLocks noChangeAspect="1" noChangeArrowheads="1"/>
-          </p:cNvPicPr>
-          <p:nvPr/>
-        </p:nvPicPr>
-        <p:blipFill>
-          <a:blip r:embed="rId2" cstate="print">
-            <a:extLst>
-              <a:ext uri="{28A0092B-C50C-407E-A947-70E740481C1C}">
-                <a14:useLocalDpi xmlns:a14="http://schemas.microsoft.com/office/drawing/2010/main" val="0"/>
-              </a:ext>
-            </a:extLst>
-          </a:blip>
-          <a:srcRect/>
-          <a:stretch>
-            <a:fillRect/>
-          </a:stretch>
-        </p:blipFill>
-        <p:spPr bwMode="auto">
-          <a:xfrm>
-            <a:off x="6186550" y="548680"/>
-            <a:ext cx="2611490" cy="576064"/>
-          </a:xfrm>
-          <a:prstGeom prst="rect">
-            <a:avLst/>
-          </a:prstGeom>
-          <a:noFill/>
-          <a:effectLst>
-            <a:outerShdw blurRad="50800" dist="38100" dir="2700000" algn="tl" rotWithShape="0">
-              <a:prstClr val="black">
-                <a:alpha val="40000"/>
-              </a:prstClr>
-            </a:outerShdw>
-          </a:effectLst>
-          <a:extLst>
-            <a:ext uri="{909E8E84-426E-40DD-AFC4-6F175D3DCCD1}">
-              <a14:hiddenFill xmlns:a14="http://schemas.microsoft.com/office/drawing/2010/main">
-                <a:solidFill>
-                  <a:srgbClr val="FFFFFF"/>
-                </a:solidFill>
-              </a14:hiddenFill>
-            </a:ext>
-          </a:extLst>
-        </p:spPr>
-      </p:pic>
-    </p:spTree>
-    <p:extLst>
-      <p:ext uri="{BB962C8B-B14F-4D97-AF65-F5344CB8AC3E}">
-        <p14:creationId xmlns:p14="http://schemas.microsoft.com/office/powerpoint/2010/main" val="2587827842"/>
       </p:ext>
     </p:extLst>
   </p:cSld>

--- a/resources/reversi_praesentation.pptx
+++ b/resources/reversi_praesentation.pptx
@@ -8,15 +8,23 @@
     <p:sldId id="256" r:id="rId2"/>
     <p:sldId id="257" r:id="rId3"/>
     <p:sldId id="267" r:id="rId4"/>
-    <p:sldId id="258" r:id="rId5"/>
-    <p:sldId id="260" r:id="rId6"/>
-    <p:sldId id="259" r:id="rId7"/>
-    <p:sldId id="264" r:id="rId8"/>
-    <p:sldId id="265" r:id="rId9"/>
-    <p:sldId id="263" r:id="rId10"/>
-    <p:sldId id="262" r:id="rId11"/>
-    <p:sldId id="266" r:id="rId12"/>
-    <p:sldId id="261" r:id="rId13"/>
+    <p:sldId id="276" r:id="rId5"/>
+    <p:sldId id="268" r:id="rId6"/>
+    <p:sldId id="258" r:id="rId7"/>
+    <p:sldId id="270" r:id="rId8"/>
+    <p:sldId id="272" r:id="rId9"/>
+    <p:sldId id="275" r:id="rId10"/>
+    <p:sldId id="273" r:id="rId11"/>
+    <p:sldId id="274" r:id="rId12"/>
+    <p:sldId id="269" r:id="rId13"/>
+    <p:sldId id="260" r:id="rId14"/>
+    <p:sldId id="259" r:id="rId15"/>
+    <p:sldId id="264" r:id="rId16"/>
+    <p:sldId id="265" r:id="rId17"/>
+    <p:sldId id="263" r:id="rId18"/>
+    <p:sldId id="262" r:id="rId19"/>
+    <p:sldId id="266" r:id="rId20"/>
+    <p:sldId id="261" r:id="rId21"/>
   </p:sldIdLst>
   <p:sldSz cx="9144000" cy="6858000" type="screen4x3"/>
   <p:notesSz cx="6858000" cy="9144000"/>
@@ -299,7 +307,7 @@
           <a:p>
             <a:fld id="{C6FF698F-594F-4B25-BAF8-5B946D24F183}" type="datetimeFigureOut">
               <a:rPr lang="de-CH" smtClean="0"/>
-              <a:t>29.09.2015</a:t>
+              <a:t>30.09.2015</a:t>
             </a:fld>
             <a:endParaRPr lang="de-CH"/>
           </a:p>
@@ -469,7 +477,7 @@
           <a:p>
             <a:fld id="{C6FF698F-594F-4B25-BAF8-5B946D24F183}" type="datetimeFigureOut">
               <a:rPr lang="de-CH" smtClean="0"/>
-              <a:t>29.09.2015</a:t>
+              <a:t>30.09.2015</a:t>
             </a:fld>
             <a:endParaRPr lang="de-CH"/>
           </a:p>
@@ -649,7 +657,7 @@
           <a:p>
             <a:fld id="{C6FF698F-594F-4B25-BAF8-5B946D24F183}" type="datetimeFigureOut">
               <a:rPr lang="de-CH" smtClean="0"/>
-              <a:t>29.09.2015</a:t>
+              <a:t>30.09.2015</a:t>
             </a:fld>
             <a:endParaRPr lang="de-CH"/>
           </a:p>
@@ -819,7 +827,7 @@
           <a:p>
             <a:fld id="{C6FF698F-594F-4B25-BAF8-5B946D24F183}" type="datetimeFigureOut">
               <a:rPr lang="de-CH" smtClean="0"/>
-              <a:t>29.09.2015</a:t>
+              <a:t>30.09.2015</a:t>
             </a:fld>
             <a:endParaRPr lang="de-CH"/>
           </a:p>
@@ -1065,7 +1073,7 @@
           <a:p>
             <a:fld id="{C6FF698F-594F-4B25-BAF8-5B946D24F183}" type="datetimeFigureOut">
               <a:rPr lang="de-CH" smtClean="0"/>
-              <a:t>29.09.2015</a:t>
+              <a:t>30.09.2015</a:t>
             </a:fld>
             <a:endParaRPr lang="de-CH"/>
           </a:p>
@@ -1353,7 +1361,7 @@
           <a:p>
             <a:fld id="{C6FF698F-594F-4B25-BAF8-5B946D24F183}" type="datetimeFigureOut">
               <a:rPr lang="de-CH" smtClean="0"/>
-              <a:t>29.09.2015</a:t>
+              <a:t>30.09.2015</a:t>
             </a:fld>
             <a:endParaRPr lang="de-CH"/>
           </a:p>
@@ -1775,7 +1783,7 @@
           <a:p>
             <a:fld id="{C6FF698F-594F-4B25-BAF8-5B946D24F183}" type="datetimeFigureOut">
               <a:rPr lang="de-CH" smtClean="0"/>
-              <a:t>29.09.2015</a:t>
+              <a:t>30.09.2015</a:t>
             </a:fld>
             <a:endParaRPr lang="de-CH"/>
           </a:p>
@@ -1893,7 +1901,7 @@
           <a:p>
             <a:fld id="{C6FF698F-594F-4B25-BAF8-5B946D24F183}" type="datetimeFigureOut">
               <a:rPr lang="de-CH" smtClean="0"/>
-              <a:t>29.09.2015</a:t>
+              <a:t>30.09.2015</a:t>
             </a:fld>
             <a:endParaRPr lang="de-CH"/>
           </a:p>
@@ -1988,7 +1996,7 @@
           <a:p>
             <a:fld id="{C6FF698F-594F-4B25-BAF8-5B946D24F183}" type="datetimeFigureOut">
               <a:rPr lang="de-CH" smtClean="0"/>
-              <a:t>29.09.2015</a:t>
+              <a:t>30.09.2015</a:t>
             </a:fld>
             <a:endParaRPr lang="de-CH"/>
           </a:p>
@@ -2265,7 +2273,7 @@
           <a:p>
             <a:fld id="{C6FF698F-594F-4B25-BAF8-5B946D24F183}" type="datetimeFigureOut">
               <a:rPr lang="de-CH" smtClean="0"/>
-              <a:t>29.09.2015</a:t>
+              <a:t>30.09.2015</a:t>
             </a:fld>
             <a:endParaRPr lang="de-CH"/>
           </a:p>
@@ -2518,7 +2526,7 @@
           <a:p>
             <a:fld id="{C6FF698F-594F-4B25-BAF8-5B946D24F183}" type="datetimeFigureOut">
               <a:rPr lang="de-CH" smtClean="0"/>
-              <a:t>29.09.2015</a:t>
+              <a:t>30.09.2015</a:t>
             </a:fld>
             <a:endParaRPr lang="de-CH"/>
           </a:p>
@@ -2731,7 +2739,7 @@
           <a:p>
             <a:fld id="{C6FF698F-594F-4B25-BAF8-5B946D24F183}" type="datetimeFigureOut">
               <a:rPr lang="de-CH" smtClean="0"/>
-              <a:t>29.09.2015</a:t>
+              <a:t>30.09.2015</a:t>
             </a:fld>
             <a:endParaRPr lang="de-CH"/>
           </a:p>
@@ -3485,6 +3493,2447 @@
           </a:effectLst>
         </p:spPr>
         <p:txBody>
+          <a:bodyPr>
+            <a:normAutofit/>
+          </a:bodyPr>
+          <a:lstStyle/>
+          <a:p>
+            <a:pPr algn="l"/>
+            <a:r>
+              <a:rPr lang="de-CH" b="1" dirty="0" smtClean="0">
+                <a:solidFill>
+                  <a:schemeClr val="bg1"/>
+                </a:solidFill>
+              </a:rPr>
+              <a:t>Start-Bildschirm</a:t>
+            </a:r>
+            <a:endParaRPr lang="de-CH" b="1" dirty="0">
+              <a:solidFill>
+                <a:schemeClr val="bg1"/>
+              </a:solidFill>
+            </a:endParaRPr>
+          </a:p>
+        </p:txBody>
+      </p:sp>
+      <p:pic>
+        <p:nvPicPr>
+          <p:cNvPr id="4" name="Picture 2" descr="C:\Users\grrd\Documents\HTML5\Reversi\build\images\logo.png"/>
+          <p:cNvPicPr>
+            <a:picLocks noChangeAspect="1" noChangeArrowheads="1"/>
+          </p:cNvPicPr>
+          <p:nvPr/>
+        </p:nvPicPr>
+        <p:blipFill>
+          <a:blip r:embed="rId2" cstate="print">
+            <a:extLst>
+              <a:ext uri="{28A0092B-C50C-407E-A947-70E740481C1C}">
+                <a14:useLocalDpi xmlns:a14="http://schemas.microsoft.com/office/drawing/2010/main" val="0"/>
+              </a:ext>
+            </a:extLst>
+          </a:blip>
+          <a:srcRect/>
+          <a:stretch>
+            <a:fillRect/>
+          </a:stretch>
+        </p:blipFill>
+        <p:spPr bwMode="auto">
+          <a:xfrm>
+            <a:off x="6186550" y="548680"/>
+            <a:ext cx="2611490" cy="576064"/>
+          </a:xfrm>
+          <a:prstGeom prst="rect">
+            <a:avLst/>
+          </a:prstGeom>
+          <a:noFill/>
+          <a:effectLst>
+            <a:outerShdw blurRad="50800" dist="38100" dir="2700000" algn="tl" rotWithShape="0">
+              <a:prstClr val="black">
+                <a:alpha val="40000"/>
+              </a:prstClr>
+            </a:outerShdw>
+          </a:effectLst>
+          <a:extLst>
+            <a:ext uri="{909E8E84-426E-40DD-AFC4-6F175D3DCCD1}">
+              <a14:hiddenFill xmlns:a14="http://schemas.microsoft.com/office/drawing/2010/main">
+                <a:solidFill>
+                  <a:srgbClr val="FFFFFF"/>
+                </a:solidFill>
+              </a14:hiddenFill>
+            </a:ext>
+          </a:extLst>
+        </p:spPr>
+      </p:pic>
+      <p:pic>
+        <p:nvPicPr>
+          <p:cNvPr id="5" name="Picture 3"/>
+          <p:cNvPicPr>
+            <a:picLocks noGrp="1" noChangeAspect="1" noChangeArrowheads="1"/>
+          </p:cNvPicPr>
+          <p:nvPr>
+            <p:ph idx="1"/>
+          </p:nvPr>
+        </p:nvPicPr>
+        <p:blipFill>
+          <a:blip r:embed="rId3">
+            <a:extLst>
+              <a:ext uri="{28A0092B-C50C-407E-A947-70E740481C1C}">
+                <a14:useLocalDpi xmlns:a14="http://schemas.microsoft.com/office/drawing/2010/main" val="0"/>
+              </a:ext>
+            </a:extLst>
+          </a:blip>
+          <a:srcRect/>
+          <a:stretch>
+            <a:fillRect/>
+          </a:stretch>
+        </p:blipFill>
+        <p:spPr bwMode="auto">
+          <a:xfrm>
+            <a:off x="2555776" y="1556792"/>
+            <a:ext cx="3506270" cy="4788000"/>
+          </a:xfrm>
+          <a:prstGeom prst="rect">
+            <a:avLst/>
+          </a:prstGeom>
+          <a:noFill/>
+          <a:ln>
+            <a:noFill/>
+          </a:ln>
+          <a:effectLst/>
+          <a:extLst>
+            <a:ext uri="{909E8E84-426E-40DD-AFC4-6F175D3DCCD1}">
+              <a14:hiddenFill xmlns:a14="http://schemas.microsoft.com/office/drawing/2010/main">
+                <a:blipFill dpi="0" rotWithShape="0">
+                  <a:blip/>
+                  <a:srcRect/>
+                  <a:stretch>
+                    <a:fillRect/>
+                  </a:stretch>
+                </a:blipFill>
+              </a14:hiddenFill>
+            </a:ext>
+            <a:ext uri="{91240B29-F687-4F45-9708-019B960494DF}">
+              <a14:hiddenLine xmlns:a14="http://schemas.microsoft.com/office/drawing/2010/main" w="9525" cap="flat">
+                <a:solidFill>
+                  <a:srgbClr val="808080"/>
+                </a:solidFill>
+                <a:round/>
+                <a:headEnd/>
+                <a:tailEnd/>
+              </a14:hiddenLine>
+            </a:ext>
+            <a:ext uri="{AF507438-7753-43E0-B8FC-AC1667EBCBE1}">
+              <a14:hiddenEffects xmlns:a14="http://schemas.microsoft.com/office/drawing/2010/main">
+                <a:effectLst>
+                  <a:outerShdw dist="35921" dir="2700000" algn="ctr" rotWithShape="0">
+                    <a:srgbClr val="808080"/>
+                  </a:outerShdw>
+                </a:effectLst>
+              </a14:hiddenEffects>
+            </a:ext>
+          </a:extLst>
+        </p:spPr>
+      </p:pic>
+    </p:spTree>
+    <p:extLst>
+      <p:ext uri="{BB962C8B-B14F-4D97-AF65-F5344CB8AC3E}">
+        <p14:creationId xmlns:p14="http://schemas.microsoft.com/office/powerpoint/2010/main" val="653508330"/>
+      </p:ext>
+    </p:extLst>
+  </p:cSld>
+  <p:clrMapOvr>
+    <a:masterClrMapping/>
+  </p:clrMapOvr>
+  <p:timing>
+    <p:tnLst>
+      <p:par>
+        <p:cTn id="1" dur="indefinite" restart="never" nodeType="tmRoot"/>
+      </p:par>
+    </p:tnLst>
+  </p:timing>
+</p:sld>
+</file>
+
+<file path=ppt/slides/slide11.xml><?xml version="1.0" encoding="utf-8"?>
+<p:sld xmlns:a="http://schemas.openxmlformats.org/drawingml/2006/main" xmlns:r="http://schemas.openxmlformats.org/officeDocument/2006/relationships" xmlns:p="http://schemas.openxmlformats.org/presentationml/2006/main">
+  <p:cSld>
+    <p:bg>
+      <p:bgPr>
+        <a:gradFill>
+          <a:gsLst>
+            <a:gs pos="0">
+              <a:schemeClr val="tx2">
+                <a:lumMod val="75000"/>
+              </a:schemeClr>
+            </a:gs>
+            <a:gs pos="17000">
+              <a:schemeClr val="tx2">
+                <a:lumMod val="60000"/>
+                <a:lumOff val="40000"/>
+              </a:schemeClr>
+            </a:gs>
+            <a:gs pos="47000">
+              <a:schemeClr val="tx2">
+                <a:lumMod val="40000"/>
+                <a:lumOff val="60000"/>
+              </a:schemeClr>
+            </a:gs>
+          </a:gsLst>
+          <a:lin ang="5400000" scaled="0"/>
+        </a:gradFill>
+        <a:effectLst/>
+      </p:bgPr>
+    </p:bg>
+    <p:spTree>
+      <p:nvGrpSpPr>
+        <p:cNvPr id="1" name=""/>
+        <p:cNvGrpSpPr/>
+        <p:nvPr/>
+      </p:nvGrpSpPr>
+      <p:grpSpPr>
+        <a:xfrm>
+          <a:off x="0" y="0"/>
+          <a:ext cx="0" cy="0"/>
+          <a:chOff x="0" y="0"/>
+          <a:chExt cx="0" cy="0"/>
+        </a:xfrm>
+      </p:grpSpPr>
+      <p:sp>
+        <p:nvSpPr>
+          <p:cNvPr id="2" name="Titel 1"/>
+          <p:cNvSpPr>
+            <a:spLocks noGrp="1"/>
+          </p:cNvSpPr>
+          <p:nvPr>
+            <p:ph type="title"/>
+          </p:nvPr>
+        </p:nvSpPr>
+        <p:spPr>
+          <a:effectLst>
+            <a:outerShdw blurRad="50800" dist="38100" dir="5400000" algn="t" rotWithShape="0">
+              <a:prstClr val="black">
+                <a:alpha val="40000"/>
+              </a:prstClr>
+            </a:outerShdw>
+          </a:effectLst>
+        </p:spPr>
+        <p:txBody>
+          <a:bodyPr>
+            <a:normAutofit/>
+          </a:bodyPr>
+          <a:lstStyle/>
+          <a:p>
+            <a:pPr algn="l"/>
+            <a:r>
+              <a:rPr lang="de-CH" b="1" dirty="0">
+                <a:solidFill>
+                  <a:schemeClr val="bg1"/>
+                </a:solidFill>
+              </a:rPr>
+              <a:t>Spiel gegen </a:t>
+            </a:r>
+            <a:r>
+              <a:rPr lang="de-CH" b="1" dirty="0" smtClean="0">
+                <a:solidFill>
+                  <a:schemeClr val="bg1"/>
+                </a:solidFill>
+              </a:rPr>
+              <a:t>Computer</a:t>
+            </a:r>
+            <a:endParaRPr lang="de-CH" b="1" dirty="0">
+              <a:solidFill>
+                <a:schemeClr val="bg1"/>
+              </a:solidFill>
+            </a:endParaRPr>
+          </a:p>
+        </p:txBody>
+      </p:sp>
+      <p:pic>
+        <p:nvPicPr>
+          <p:cNvPr id="4" name="Picture 2" descr="C:\Users\grrd\Documents\HTML5\Reversi\build\images\logo.png"/>
+          <p:cNvPicPr>
+            <a:picLocks noChangeAspect="1" noChangeArrowheads="1"/>
+          </p:cNvPicPr>
+          <p:nvPr/>
+        </p:nvPicPr>
+        <p:blipFill>
+          <a:blip r:embed="rId2" cstate="print">
+            <a:extLst>
+              <a:ext uri="{28A0092B-C50C-407E-A947-70E740481C1C}">
+                <a14:useLocalDpi xmlns:a14="http://schemas.microsoft.com/office/drawing/2010/main" val="0"/>
+              </a:ext>
+            </a:extLst>
+          </a:blip>
+          <a:srcRect/>
+          <a:stretch>
+            <a:fillRect/>
+          </a:stretch>
+        </p:blipFill>
+        <p:spPr bwMode="auto">
+          <a:xfrm>
+            <a:off x="6186550" y="548680"/>
+            <a:ext cx="2611490" cy="576064"/>
+          </a:xfrm>
+          <a:prstGeom prst="rect">
+            <a:avLst/>
+          </a:prstGeom>
+          <a:noFill/>
+          <a:effectLst>
+            <a:outerShdw blurRad="50800" dist="38100" dir="2700000" algn="tl" rotWithShape="0">
+              <a:prstClr val="black">
+                <a:alpha val="40000"/>
+              </a:prstClr>
+            </a:outerShdw>
+          </a:effectLst>
+          <a:extLst>
+            <a:ext uri="{909E8E84-426E-40DD-AFC4-6F175D3DCCD1}">
+              <a14:hiddenFill xmlns:a14="http://schemas.microsoft.com/office/drawing/2010/main">
+                <a:solidFill>
+                  <a:srgbClr val="FFFFFF"/>
+                </a:solidFill>
+              </a14:hiddenFill>
+            </a:ext>
+          </a:extLst>
+        </p:spPr>
+      </p:pic>
+      <p:pic>
+        <p:nvPicPr>
+          <p:cNvPr id="6" name="Picture 3"/>
+          <p:cNvPicPr>
+            <a:picLocks noGrp="1" noChangeAspect="1" noChangeArrowheads="1"/>
+          </p:cNvPicPr>
+          <p:nvPr>
+            <p:ph idx="1"/>
+          </p:nvPr>
+        </p:nvPicPr>
+        <p:blipFill>
+          <a:blip r:embed="rId3">
+            <a:extLst>
+              <a:ext uri="{28A0092B-C50C-407E-A947-70E740481C1C}">
+                <a14:useLocalDpi xmlns:a14="http://schemas.microsoft.com/office/drawing/2010/main" val="0"/>
+              </a:ext>
+            </a:extLst>
+          </a:blip>
+          <a:srcRect/>
+          <a:stretch>
+            <a:fillRect/>
+          </a:stretch>
+        </p:blipFill>
+        <p:spPr bwMode="auto">
+          <a:xfrm>
+            <a:off x="2483768" y="1628800"/>
+            <a:ext cx="3478517" cy="4788000"/>
+          </a:xfrm>
+          <a:prstGeom prst="rect">
+            <a:avLst/>
+          </a:prstGeom>
+          <a:noFill/>
+          <a:ln>
+            <a:noFill/>
+          </a:ln>
+          <a:effectLst/>
+          <a:extLst>
+            <a:ext uri="{909E8E84-426E-40DD-AFC4-6F175D3DCCD1}">
+              <a14:hiddenFill xmlns:a14="http://schemas.microsoft.com/office/drawing/2010/main">
+                <a:blipFill dpi="0" rotWithShape="0">
+                  <a:blip/>
+                  <a:srcRect/>
+                  <a:stretch>
+                    <a:fillRect/>
+                  </a:stretch>
+                </a:blipFill>
+              </a14:hiddenFill>
+            </a:ext>
+            <a:ext uri="{91240B29-F687-4F45-9708-019B960494DF}">
+              <a14:hiddenLine xmlns:a14="http://schemas.microsoft.com/office/drawing/2010/main" w="9525" cap="flat">
+                <a:solidFill>
+                  <a:srgbClr val="808080"/>
+                </a:solidFill>
+                <a:round/>
+                <a:headEnd/>
+                <a:tailEnd/>
+              </a14:hiddenLine>
+            </a:ext>
+            <a:ext uri="{AF507438-7753-43E0-B8FC-AC1667EBCBE1}">
+              <a14:hiddenEffects xmlns:a14="http://schemas.microsoft.com/office/drawing/2010/main">
+                <a:effectLst>
+                  <a:outerShdw dist="35921" dir="2700000" algn="ctr" rotWithShape="0">
+                    <a:srgbClr val="808080"/>
+                  </a:outerShdw>
+                </a:effectLst>
+              </a14:hiddenEffects>
+            </a:ext>
+          </a:extLst>
+        </p:spPr>
+      </p:pic>
+    </p:spTree>
+    <p:extLst>
+      <p:ext uri="{BB962C8B-B14F-4D97-AF65-F5344CB8AC3E}">
+        <p14:creationId xmlns:p14="http://schemas.microsoft.com/office/powerpoint/2010/main" val="1653003620"/>
+      </p:ext>
+    </p:extLst>
+  </p:cSld>
+  <p:clrMapOvr>
+    <a:masterClrMapping/>
+  </p:clrMapOvr>
+  <p:timing>
+    <p:tnLst>
+      <p:par>
+        <p:cTn id="1" dur="indefinite" restart="never" nodeType="tmRoot"/>
+      </p:par>
+    </p:tnLst>
+  </p:timing>
+</p:sld>
+</file>
+
+<file path=ppt/slides/slide12.xml><?xml version="1.0" encoding="utf-8"?>
+<p:sld xmlns:a="http://schemas.openxmlformats.org/drawingml/2006/main" xmlns:r="http://schemas.openxmlformats.org/officeDocument/2006/relationships" xmlns:p="http://schemas.openxmlformats.org/presentationml/2006/main">
+  <p:cSld>
+    <p:bg>
+      <p:bgPr>
+        <a:gradFill>
+          <a:gsLst>
+            <a:gs pos="0">
+              <a:schemeClr val="tx2">
+                <a:lumMod val="75000"/>
+              </a:schemeClr>
+            </a:gs>
+            <a:gs pos="17000">
+              <a:schemeClr val="tx2">
+                <a:lumMod val="60000"/>
+                <a:lumOff val="40000"/>
+              </a:schemeClr>
+            </a:gs>
+            <a:gs pos="47000">
+              <a:schemeClr val="tx2">
+                <a:lumMod val="40000"/>
+                <a:lumOff val="60000"/>
+              </a:schemeClr>
+            </a:gs>
+          </a:gsLst>
+          <a:lin ang="5400000" scaled="0"/>
+        </a:gradFill>
+        <a:effectLst/>
+      </p:bgPr>
+    </p:bg>
+    <p:spTree>
+      <p:nvGrpSpPr>
+        <p:cNvPr id="1" name=""/>
+        <p:cNvGrpSpPr/>
+        <p:nvPr/>
+      </p:nvGrpSpPr>
+      <p:grpSpPr>
+        <a:xfrm>
+          <a:off x="0" y="0"/>
+          <a:ext cx="0" cy="0"/>
+          <a:chOff x="0" y="0"/>
+          <a:chExt cx="0" cy="0"/>
+        </a:xfrm>
+      </p:grpSpPr>
+      <p:sp>
+        <p:nvSpPr>
+          <p:cNvPr id="2" name="Titel 1"/>
+          <p:cNvSpPr>
+            <a:spLocks noGrp="1"/>
+          </p:cNvSpPr>
+          <p:nvPr>
+            <p:ph type="title"/>
+          </p:nvPr>
+        </p:nvSpPr>
+        <p:spPr>
+          <a:effectLst>
+            <a:outerShdw blurRad="50800" dist="38100" dir="5400000" algn="t" rotWithShape="0">
+              <a:prstClr val="black">
+                <a:alpha val="40000"/>
+              </a:prstClr>
+            </a:outerShdw>
+          </a:effectLst>
+        </p:spPr>
+        <p:txBody>
+          <a:bodyPr/>
+          <a:lstStyle/>
+          <a:p>
+            <a:pPr algn="l"/>
+            <a:r>
+              <a:rPr lang="de-CH" b="1" dirty="0" smtClean="0">
+                <a:solidFill>
+                  <a:schemeClr val="bg1"/>
+                </a:solidFill>
+              </a:rPr>
+              <a:t>Online Modus</a:t>
+            </a:r>
+            <a:endParaRPr lang="de-CH" b="1" dirty="0">
+              <a:solidFill>
+                <a:schemeClr val="bg1"/>
+              </a:solidFill>
+            </a:endParaRPr>
+          </a:p>
+        </p:txBody>
+      </p:sp>
+      <p:sp>
+        <p:nvSpPr>
+          <p:cNvPr id="3" name="Inhaltsplatzhalter 2"/>
+          <p:cNvSpPr>
+            <a:spLocks noGrp="1"/>
+          </p:cNvSpPr>
+          <p:nvPr>
+            <p:ph idx="1"/>
+          </p:nvPr>
+        </p:nvSpPr>
+        <p:spPr>
+          <a:xfrm>
+            <a:off x="457200" y="1600200"/>
+            <a:ext cx="8435280" cy="4525963"/>
+          </a:xfrm>
+        </p:spPr>
+        <p:txBody>
+          <a:bodyPr/>
+          <a:lstStyle/>
+          <a:p>
+            <a:pPr marL="0" indent="0">
+              <a:buNone/>
+            </a:pPr>
+            <a:endParaRPr lang="de-CH" dirty="0" smtClean="0"/>
+          </a:p>
+          <a:p>
+            <a:r>
+              <a:rPr lang="de-CH" dirty="0" smtClean="0"/>
+              <a:t>Server-Lösung realisiert mit node.js / socket.io</a:t>
+            </a:r>
+          </a:p>
+          <a:p>
+            <a:r>
+              <a:rPr lang="de-CH" dirty="0" smtClean="0"/>
+              <a:t>Lokaler Server (node.js / </a:t>
+            </a:r>
+            <a:r>
+              <a:rPr lang="de-CH" dirty="0" err="1" smtClean="0"/>
+              <a:t>localhost</a:t>
+            </a:r>
+            <a:r>
+              <a:rPr lang="de-CH" dirty="0" smtClean="0"/>
+              <a:t> )</a:t>
+            </a:r>
+          </a:p>
+          <a:p>
+            <a:r>
+              <a:rPr lang="de-CH" dirty="0" smtClean="0"/>
+              <a:t>Externer Server (</a:t>
+            </a:r>
+            <a:r>
+              <a:rPr lang="de-CH" dirty="0" err="1" smtClean="0"/>
+              <a:t>OpenShift</a:t>
+            </a:r>
+            <a:r>
+              <a:rPr lang="de-CH" dirty="0" smtClean="0"/>
+              <a:t> </a:t>
+            </a:r>
+            <a:r>
+              <a:rPr lang="de-CH" dirty="0" err="1" smtClean="0"/>
+              <a:t>by</a:t>
+            </a:r>
+            <a:r>
+              <a:rPr lang="de-CH" dirty="0" smtClean="0"/>
+              <a:t> </a:t>
+            </a:r>
+            <a:r>
+              <a:rPr lang="de-CH" dirty="0" err="1" smtClean="0"/>
+              <a:t>Redhat</a:t>
+            </a:r>
+            <a:r>
+              <a:rPr lang="de-CH" dirty="0" smtClean="0"/>
+              <a:t>)</a:t>
+            </a:r>
+            <a:endParaRPr lang="de-CH" dirty="0"/>
+          </a:p>
+        </p:txBody>
+      </p:sp>
+      <p:pic>
+        <p:nvPicPr>
+          <p:cNvPr id="4" name="Picture 2" descr="C:\Users\grrd\Documents\HTML5\Reversi\build\images\logo.png"/>
+          <p:cNvPicPr>
+            <a:picLocks noChangeAspect="1" noChangeArrowheads="1"/>
+          </p:cNvPicPr>
+          <p:nvPr/>
+        </p:nvPicPr>
+        <p:blipFill>
+          <a:blip r:embed="rId2" cstate="print">
+            <a:extLst>
+              <a:ext uri="{28A0092B-C50C-407E-A947-70E740481C1C}">
+                <a14:useLocalDpi xmlns:a14="http://schemas.microsoft.com/office/drawing/2010/main" val="0"/>
+              </a:ext>
+            </a:extLst>
+          </a:blip>
+          <a:srcRect/>
+          <a:stretch>
+            <a:fillRect/>
+          </a:stretch>
+        </p:blipFill>
+        <p:spPr bwMode="auto">
+          <a:xfrm>
+            <a:off x="6186550" y="548680"/>
+            <a:ext cx="2611490" cy="576064"/>
+          </a:xfrm>
+          <a:prstGeom prst="rect">
+            <a:avLst/>
+          </a:prstGeom>
+          <a:noFill/>
+          <a:effectLst>
+            <a:outerShdw blurRad="50800" dist="38100" dir="2700000" algn="tl" rotWithShape="0">
+              <a:prstClr val="black">
+                <a:alpha val="40000"/>
+              </a:prstClr>
+            </a:outerShdw>
+          </a:effectLst>
+          <a:extLst>
+            <a:ext uri="{909E8E84-426E-40DD-AFC4-6F175D3DCCD1}">
+              <a14:hiddenFill xmlns:a14="http://schemas.microsoft.com/office/drawing/2010/main">
+                <a:solidFill>
+                  <a:srgbClr val="FFFFFF"/>
+                </a:solidFill>
+              </a14:hiddenFill>
+            </a:ext>
+          </a:extLst>
+        </p:spPr>
+      </p:pic>
+    </p:spTree>
+    <p:extLst>
+      <p:ext uri="{BB962C8B-B14F-4D97-AF65-F5344CB8AC3E}">
+        <p14:creationId xmlns:p14="http://schemas.microsoft.com/office/powerpoint/2010/main" val="1828411574"/>
+      </p:ext>
+    </p:extLst>
+  </p:cSld>
+  <p:clrMapOvr>
+    <a:masterClrMapping/>
+  </p:clrMapOvr>
+  <p:timing>
+    <p:tnLst>
+      <p:par>
+        <p:cTn id="1" dur="indefinite" restart="never" nodeType="tmRoot"/>
+      </p:par>
+    </p:tnLst>
+  </p:timing>
+</p:sld>
+</file>
+
+<file path=ppt/slides/slide13.xml><?xml version="1.0" encoding="utf-8"?>
+<p:sld xmlns:a="http://schemas.openxmlformats.org/drawingml/2006/main" xmlns:r="http://schemas.openxmlformats.org/officeDocument/2006/relationships" xmlns:p="http://schemas.openxmlformats.org/presentationml/2006/main">
+  <p:cSld>
+    <p:bg>
+      <p:bgPr>
+        <a:gradFill>
+          <a:gsLst>
+            <a:gs pos="0">
+              <a:schemeClr val="tx2">
+                <a:lumMod val="75000"/>
+              </a:schemeClr>
+            </a:gs>
+            <a:gs pos="17000">
+              <a:schemeClr val="tx2">
+                <a:lumMod val="60000"/>
+                <a:lumOff val="40000"/>
+              </a:schemeClr>
+            </a:gs>
+            <a:gs pos="47000">
+              <a:schemeClr val="tx2">
+                <a:lumMod val="40000"/>
+                <a:lumOff val="60000"/>
+              </a:schemeClr>
+            </a:gs>
+          </a:gsLst>
+          <a:lin ang="5400000" scaled="0"/>
+        </a:gradFill>
+        <a:effectLst/>
+      </p:bgPr>
+    </p:bg>
+    <p:spTree>
+      <p:nvGrpSpPr>
+        <p:cNvPr id="1" name=""/>
+        <p:cNvGrpSpPr/>
+        <p:nvPr/>
+      </p:nvGrpSpPr>
+      <p:grpSpPr>
+        <a:xfrm>
+          <a:off x="0" y="0"/>
+          <a:ext cx="0" cy="0"/>
+          <a:chOff x="0" y="0"/>
+          <a:chExt cx="0" cy="0"/>
+        </a:xfrm>
+      </p:grpSpPr>
+      <p:sp>
+        <p:nvSpPr>
+          <p:cNvPr id="2" name="Titel 1"/>
+          <p:cNvSpPr>
+            <a:spLocks noGrp="1"/>
+          </p:cNvSpPr>
+          <p:nvPr>
+            <p:ph type="title"/>
+          </p:nvPr>
+        </p:nvSpPr>
+        <p:spPr>
+          <a:effectLst>
+            <a:outerShdw blurRad="50800" dist="38100" dir="5400000" algn="t" rotWithShape="0">
+              <a:prstClr val="black">
+                <a:alpha val="40000"/>
+              </a:prstClr>
+            </a:outerShdw>
+          </a:effectLst>
+        </p:spPr>
+        <p:txBody>
+          <a:bodyPr/>
+          <a:lstStyle/>
+          <a:p>
+            <a:pPr algn="l"/>
+            <a:r>
+              <a:rPr lang="de-CH" b="1" dirty="0" err="1" smtClean="0">
+                <a:solidFill>
+                  <a:schemeClr val="bg1"/>
+                </a:solidFill>
+              </a:rPr>
+              <a:t>Oline</a:t>
+            </a:r>
+            <a:r>
+              <a:rPr lang="de-CH" b="1" dirty="0" smtClean="0">
+                <a:solidFill>
+                  <a:schemeClr val="bg1"/>
+                </a:solidFill>
+              </a:rPr>
+              <a:t> Kommunikation</a:t>
+            </a:r>
+            <a:endParaRPr lang="de-CH" b="1" dirty="0">
+              <a:solidFill>
+                <a:schemeClr val="bg1"/>
+              </a:solidFill>
+            </a:endParaRPr>
+          </a:p>
+        </p:txBody>
+      </p:sp>
+      <p:pic>
+        <p:nvPicPr>
+          <p:cNvPr id="4" name="Picture 2" descr="C:\Users\grrd\Documents\HTML5\Reversi\build\images\logo.png"/>
+          <p:cNvPicPr>
+            <a:picLocks noChangeAspect="1" noChangeArrowheads="1"/>
+          </p:cNvPicPr>
+          <p:nvPr/>
+        </p:nvPicPr>
+        <p:blipFill>
+          <a:blip r:embed="rId2" cstate="print">
+            <a:extLst>
+              <a:ext uri="{28A0092B-C50C-407E-A947-70E740481C1C}">
+                <a14:useLocalDpi xmlns:a14="http://schemas.microsoft.com/office/drawing/2010/main" val="0"/>
+              </a:ext>
+            </a:extLst>
+          </a:blip>
+          <a:srcRect/>
+          <a:stretch>
+            <a:fillRect/>
+          </a:stretch>
+        </p:blipFill>
+        <p:spPr bwMode="auto">
+          <a:xfrm>
+            <a:off x="6186550" y="548680"/>
+            <a:ext cx="2611490" cy="576064"/>
+          </a:xfrm>
+          <a:prstGeom prst="rect">
+            <a:avLst/>
+          </a:prstGeom>
+          <a:noFill/>
+          <a:effectLst>
+            <a:outerShdw blurRad="50800" dist="38100" dir="2700000" algn="tl" rotWithShape="0">
+              <a:prstClr val="black">
+                <a:alpha val="40000"/>
+              </a:prstClr>
+            </a:outerShdw>
+          </a:effectLst>
+          <a:extLst>
+            <a:ext uri="{909E8E84-426E-40DD-AFC4-6F175D3DCCD1}">
+              <a14:hiddenFill xmlns:a14="http://schemas.microsoft.com/office/drawing/2010/main">
+                <a:solidFill>
+                  <a:srgbClr val="FFFFFF"/>
+                </a:solidFill>
+              </a14:hiddenFill>
+            </a:ext>
+          </a:extLst>
+        </p:spPr>
+      </p:pic>
+      <p:pic>
+        <p:nvPicPr>
+          <p:cNvPr id="2050" name="Picture 2" descr="C:\Users\grrd\Documents\HTML5\Reversi\resources\reversi_dfd.png"/>
+          <p:cNvPicPr>
+            <a:picLocks noChangeAspect="1" noChangeArrowheads="1"/>
+          </p:cNvPicPr>
+          <p:nvPr/>
+        </p:nvPicPr>
+        <p:blipFill>
+          <a:blip r:embed="rId3">
+            <a:extLst>
+              <a:ext uri="{28A0092B-C50C-407E-A947-70E740481C1C}">
+                <a14:useLocalDpi xmlns:a14="http://schemas.microsoft.com/office/drawing/2010/main" val="0"/>
+              </a:ext>
+            </a:extLst>
+          </a:blip>
+          <a:srcRect/>
+          <a:stretch>
+            <a:fillRect/>
+          </a:stretch>
+        </p:blipFill>
+        <p:spPr bwMode="auto">
+          <a:xfrm>
+            <a:off x="179512" y="1353554"/>
+            <a:ext cx="8784976" cy="5387814"/>
+          </a:xfrm>
+          <a:prstGeom prst="rect">
+            <a:avLst/>
+          </a:prstGeom>
+          <a:noFill/>
+          <a:extLst>
+            <a:ext uri="{909E8E84-426E-40DD-AFC4-6F175D3DCCD1}">
+              <a14:hiddenFill xmlns:a14="http://schemas.microsoft.com/office/drawing/2010/main">
+                <a:solidFill>
+                  <a:srgbClr val="FFFFFF"/>
+                </a:solidFill>
+              </a14:hiddenFill>
+            </a:ext>
+          </a:extLst>
+        </p:spPr>
+      </p:pic>
+    </p:spTree>
+    <p:extLst>
+      <p:ext uri="{BB962C8B-B14F-4D97-AF65-F5344CB8AC3E}">
+        <p14:creationId xmlns:p14="http://schemas.microsoft.com/office/powerpoint/2010/main" val="55059288"/>
+      </p:ext>
+    </p:extLst>
+  </p:cSld>
+  <p:clrMapOvr>
+    <a:masterClrMapping/>
+  </p:clrMapOvr>
+  <p:timing>
+    <p:tnLst>
+      <p:par>
+        <p:cTn id="1" dur="indefinite" restart="never" nodeType="tmRoot"/>
+      </p:par>
+    </p:tnLst>
+  </p:timing>
+</p:sld>
+</file>
+
+<file path=ppt/slides/slide14.xml><?xml version="1.0" encoding="utf-8"?>
+<p:sld xmlns:a="http://schemas.openxmlformats.org/drawingml/2006/main" xmlns:r="http://schemas.openxmlformats.org/officeDocument/2006/relationships" xmlns:p="http://schemas.openxmlformats.org/presentationml/2006/main">
+  <p:cSld>
+    <p:bg>
+      <p:bgPr>
+        <a:gradFill>
+          <a:gsLst>
+            <a:gs pos="0">
+              <a:schemeClr val="tx2">
+                <a:lumMod val="75000"/>
+              </a:schemeClr>
+            </a:gs>
+            <a:gs pos="17000">
+              <a:schemeClr val="tx2">
+                <a:lumMod val="60000"/>
+                <a:lumOff val="40000"/>
+              </a:schemeClr>
+            </a:gs>
+            <a:gs pos="47000">
+              <a:schemeClr val="tx2">
+                <a:lumMod val="40000"/>
+                <a:lumOff val="60000"/>
+              </a:schemeClr>
+            </a:gs>
+          </a:gsLst>
+          <a:lin ang="5400000" scaled="0"/>
+        </a:gradFill>
+        <a:effectLst/>
+      </p:bgPr>
+    </p:bg>
+    <p:spTree>
+      <p:nvGrpSpPr>
+        <p:cNvPr id="1" name=""/>
+        <p:cNvGrpSpPr/>
+        <p:nvPr/>
+      </p:nvGrpSpPr>
+      <p:grpSpPr>
+        <a:xfrm>
+          <a:off x="0" y="0"/>
+          <a:ext cx="0" cy="0"/>
+          <a:chOff x="0" y="0"/>
+          <a:chExt cx="0" cy="0"/>
+        </a:xfrm>
+      </p:grpSpPr>
+      <p:sp>
+        <p:nvSpPr>
+          <p:cNvPr id="2" name="Titel 1"/>
+          <p:cNvSpPr>
+            <a:spLocks noGrp="1"/>
+          </p:cNvSpPr>
+          <p:nvPr>
+            <p:ph type="title"/>
+          </p:nvPr>
+        </p:nvSpPr>
+        <p:spPr>
+          <a:effectLst>
+            <a:outerShdw blurRad="50800" dist="38100" dir="5400000" algn="t" rotWithShape="0">
+              <a:prstClr val="black">
+                <a:alpha val="40000"/>
+              </a:prstClr>
+            </a:outerShdw>
+          </a:effectLst>
+        </p:spPr>
+        <p:txBody>
+          <a:bodyPr/>
+          <a:lstStyle/>
+          <a:p>
+            <a:pPr algn="l"/>
+            <a:r>
+              <a:rPr lang="de-CH" b="1" dirty="0" smtClean="0">
+                <a:solidFill>
+                  <a:schemeClr val="bg1"/>
+                </a:solidFill>
+              </a:rPr>
+              <a:t>Verbindungsaufbau</a:t>
+            </a:r>
+            <a:endParaRPr lang="de-CH" b="1" dirty="0">
+              <a:solidFill>
+                <a:schemeClr val="bg1"/>
+              </a:solidFill>
+            </a:endParaRPr>
+          </a:p>
+        </p:txBody>
+      </p:sp>
+      <p:sp>
+        <p:nvSpPr>
+          <p:cNvPr id="3" name="Inhaltsplatzhalter 2"/>
+          <p:cNvSpPr>
+            <a:spLocks noGrp="1"/>
+          </p:cNvSpPr>
+          <p:nvPr>
+            <p:ph idx="1"/>
+          </p:nvPr>
+        </p:nvSpPr>
+        <p:spPr>
+          <a:xfrm>
+            <a:off x="457200" y="1600200"/>
+            <a:ext cx="8435280" cy="4525963"/>
+          </a:xfrm>
+        </p:spPr>
+        <p:txBody>
+          <a:bodyPr/>
+          <a:lstStyle/>
+          <a:p>
+            <a:pPr marL="0" indent="0">
+              <a:buNone/>
+            </a:pPr>
+            <a:endParaRPr lang="de-CH" dirty="0" smtClean="0">
+              <a:effectLst/>
+            </a:endParaRPr>
+          </a:p>
+          <a:p>
+            <a:pPr marL="0" indent="0">
+              <a:buNone/>
+            </a:pPr>
+            <a:r>
+              <a:rPr lang="de-CH" dirty="0" smtClean="0">
+                <a:effectLst/>
+              </a:rPr>
+              <a:t>&lt;</a:t>
+            </a:r>
+            <a:r>
+              <a:rPr lang="de-CH" dirty="0" err="1"/>
+              <a:t>script</a:t>
+            </a:r>
+            <a:r>
+              <a:rPr lang="de-CH" dirty="0"/>
+              <a:t> </a:t>
+            </a:r>
+            <a:r>
+              <a:rPr lang="de-CH" dirty="0" err="1"/>
+              <a:t>src</a:t>
+            </a:r>
+            <a:r>
+              <a:rPr lang="de-CH" dirty="0"/>
+              <a:t>="</a:t>
+            </a:r>
+            <a:r>
+              <a:rPr lang="de-CH" dirty="0" err="1"/>
+              <a:t>js</a:t>
+            </a:r>
+            <a:r>
+              <a:rPr lang="de-CH" dirty="0"/>
+              <a:t>/</a:t>
+            </a:r>
+            <a:r>
+              <a:rPr lang="de-CH" dirty="0" err="1"/>
+              <a:t>vendor</a:t>
+            </a:r>
+            <a:r>
+              <a:rPr lang="de-CH" dirty="0"/>
+              <a:t>/</a:t>
+            </a:r>
+            <a:r>
+              <a:rPr lang="de-CH" b="1" dirty="0"/>
+              <a:t>socket.io.js</a:t>
+            </a:r>
+            <a:r>
+              <a:rPr lang="de-CH" dirty="0"/>
+              <a:t>"</a:t>
+            </a:r>
+            <a:r>
+              <a:rPr lang="de-CH" dirty="0" smtClean="0">
+                <a:effectLst/>
+              </a:rPr>
+              <a:t>&gt;&lt;/</a:t>
+            </a:r>
+            <a:r>
+              <a:rPr lang="de-CH" dirty="0" err="1"/>
+              <a:t>script</a:t>
+            </a:r>
+            <a:r>
+              <a:rPr lang="de-CH" dirty="0" smtClean="0">
+                <a:effectLst/>
+              </a:rPr>
+              <a:t>&gt;</a:t>
+            </a:r>
+            <a:endParaRPr lang="de-CH" dirty="0"/>
+          </a:p>
+          <a:p>
+            <a:pPr marL="0" indent="0">
+              <a:buNone/>
+            </a:pPr>
+            <a:endParaRPr lang="de-CH" dirty="0"/>
+          </a:p>
+          <a:p>
+            <a:pPr marL="0" indent="0">
+              <a:buNone/>
+            </a:pPr>
+            <a:r>
+              <a:rPr lang="de-CH" dirty="0" err="1" smtClean="0"/>
+              <a:t>connect</a:t>
+            </a:r>
+            <a:r>
+              <a:rPr lang="de-CH" dirty="0" smtClean="0"/>
+              <a:t> = </a:t>
+            </a:r>
+            <a:r>
+              <a:rPr lang="de-CH" b="1" dirty="0" err="1"/>
+              <a:t>function</a:t>
+            </a:r>
+            <a:r>
+              <a:rPr lang="de-CH" b="1" dirty="0"/>
+              <a:t> </a:t>
+            </a:r>
+            <a:r>
+              <a:rPr lang="de-CH" dirty="0" smtClean="0"/>
+              <a:t>() {</a:t>
+            </a:r>
+            <a:br>
+              <a:rPr lang="de-CH" dirty="0" smtClean="0"/>
+            </a:br>
+            <a:r>
+              <a:rPr lang="de-CH" dirty="0" smtClean="0"/>
+              <a:t>    </a:t>
+            </a:r>
+            <a:r>
+              <a:rPr lang="de-CH" b="1" dirty="0" smtClean="0"/>
+              <a:t>socket </a:t>
+            </a:r>
+            <a:r>
+              <a:rPr lang="de-CH" dirty="0" smtClean="0"/>
+              <a:t>= </a:t>
+            </a:r>
+            <a:r>
+              <a:rPr lang="de-CH" b="1" i="1" dirty="0" err="1"/>
+              <a:t>io</a:t>
+            </a:r>
+            <a:r>
+              <a:rPr lang="de-CH" b="1" dirty="0" err="1" smtClean="0"/>
+              <a:t>.</a:t>
+            </a:r>
+            <a:r>
+              <a:rPr lang="de-CH" b="1" dirty="0" err="1"/>
+              <a:t>connect</a:t>
+            </a:r>
+            <a:r>
+              <a:rPr lang="de-CH" dirty="0" smtClean="0"/>
+              <a:t>(</a:t>
+            </a:r>
+            <a:r>
+              <a:rPr lang="de-CH" dirty="0"/>
+              <a:t>'http://localhost:3000</a:t>
+            </a:r>
+            <a:r>
+              <a:rPr lang="de-CH" dirty="0" smtClean="0"/>
+              <a:t>',</a:t>
+            </a:r>
+            <a:br>
+              <a:rPr lang="de-CH" dirty="0" smtClean="0"/>
+            </a:br>
+            <a:r>
+              <a:rPr lang="de-CH" dirty="0" smtClean="0"/>
+              <a:t>    {</a:t>
+            </a:r>
+            <a:r>
+              <a:rPr lang="de-CH" dirty="0"/>
+              <a:t>'</a:t>
+            </a:r>
+            <a:r>
+              <a:rPr lang="de-CH" dirty="0" err="1"/>
+              <a:t>forceNew</a:t>
+            </a:r>
+            <a:r>
+              <a:rPr lang="de-CH" dirty="0"/>
+              <a:t>'</a:t>
+            </a:r>
+            <a:r>
+              <a:rPr lang="de-CH" dirty="0" smtClean="0"/>
+              <a:t>: </a:t>
+            </a:r>
+            <a:r>
+              <a:rPr lang="de-CH" dirty="0" err="1"/>
+              <a:t>true</a:t>
+            </a:r>
+            <a:r>
+              <a:rPr lang="de-CH" dirty="0" smtClean="0"/>
+              <a:t>});</a:t>
+            </a:r>
+            <a:endParaRPr lang="de-CH" dirty="0"/>
+          </a:p>
+        </p:txBody>
+      </p:sp>
+      <p:pic>
+        <p:nvPicPr>
+          <p:cNvPr id="4" name="Picture 2" descr="C:\Users\grrd\Documents\HTML5\Reversi\build\images\logo.png"/>
+          <p:cNvPicPr>
+            <a:picLocks noChangeAspect="1" noChangeArrowheads="1"/>
+          </p:cNvPicPr>
+          <p:nvPr/>
+        </p:nvPicPr>
+        <p:blipFill>
+          <a:blip r:embed="rId2" cstate="print">
+            <a:extLst>
+              <a:ext uri="{28A0092B-C50C-407E-A947-70E740481C1C}">
+                <a14:useLocalDpi xmlns:a14="http://schemas.microsoft.com/office/drawing/2010/main" val="0"/>
+              </a:ext>
+            </a:extLst>
+          </a:blip>
+          <a:srcRect/>
+          <a:stretch>
+            <a:fillRect/>
+          </a:stretch>
+        </p:blipFill>
+        <p:spPr bwMode="auto">
+          <a:xfrm>
+            <a:off x="6186550" y="548680"/>
+            <a:ext cx="2611490" cy="576064"/>
+          </a:xfrm>
+          <a:prstGeom prst="rect">
+            <a:avLst/>
+          </a:prstGeom>
+          <a:noFill/>
+          <a:effectLst>
+            <a:outerShdw blurRad="50800" dist="38100" dir="2700000" algn="tl" rotWithShape="0">
+              <a:prstClr val="black">
+                <a:alpha val="40000"/>
+              </a:prstClr>
+            </a:outerShdw>
+          </a:effectLst>
+          <a:extLst>
+            <a:ext uri="{909E8E84-426E-40DD-AFC4-6F175D3DCCD1}">
+              <a14:hiddenFill xmlns:a14="http://schemas.microsoft.com/office/drawing/2010/main">
+                <a:solidFill>
+                  <a:srgbClr val="FFFFFF"/>
+                </a:solidFill>
+              </a14:hiddenFill>
+            </a:ext>
+          </a:extLst>
+        </p:spPr>
+      </p:pic>
+    </p:spTree>
+    <p:extLst>
+      <p:ext uri="{BB962C8B-B14F-4D97-AF65-F5344CB8AC3E}">
+        <p14:creationId xmlns:p14="http://schemas.microsoft.com/office/powerpoint/2010/main" val="481605215"/>
+      </p:ext>
+    </p:extLst>
+  </p:cSld>
+  <p:clrMapOvr>
+    <a:masterClrMapping/>
+  </p:clrMapOvr>
+  <p:timing>
+    <p:tnLst>
+      <p:par>
+        <p:cTn id="1" dur="indefinite" restart="never" nodeType="tmRoot"/>
+      </p:par>
+    </p:tnLst>
+  </p:timing>
+</p:sld>
+</file>
+
+<file path=ppt/slides/slide15.xml><?xml version="1.0" encoding="utf-8"?>
+<p:sld xmlns:a="http://schemas.openxmlformats.org/drawingml/2006/main" xmlns:r="http://schemas.openxmlformats.org/officeDocument/2006/relationships" xmlns:p="http://schemas.openxmlformats.org/presentationml/2006/main">
+  <p:cSld>
+    <p:bg>
+      <p:bgPr>
+        <a:gradFill>
+          <a:gsLst>
+            <a:gs pos="0">
+              <a:schemeClr val="tx2">
+                <a:lumMod val="75000"/>
+              </a:schemeClr>
+            </a:gs>
+            <a:gs pos="17000">
+              <a:schemeClr val="tx2">
+                <a:lumMod val="60000"/>
+                <a:lumOff val="40000"/>
+              </a:schemeClr>
+            </a:gs>
+            <a:gs pos="47000">
+              <a:schemeClr val="tx2">
+                <a:lumMod val="40000"/>
+                <a:lumOff val="60000"/>
+              </a:schemeClr>
+            </a:gs>
+          </a:gsLst>
+          <a:lin ang="5400000" scaled="0"/>
+        </a:gradFill>
+        <a:effectLst/>
+      </p:bgPr>
+    </p:bg>
+    <p:spTree>
+      <p:nvGrpSpPr>
+        <p:cNvPr id="1" name=""/>
+        <p:cNvGrpSpPr/>
+        <p:nvPr/>
+      </p:nvGrpSpPr>
+      <p:grpSpPr>
+        <a:xfrm>
+          <a:off x="0" y="0"/>
+          <a:ext cx="0" cy="0"/>
+          <a:chOff x="0" y="0"/>
+          <a:chExt cx="0" cy="0"/>
+        </a:xfrm>
+      </p:grpSpPr>
+      <p:sp>
+        <p:nvSpPr>
+          <p:cNvPr id="2" name="Titel 1"/>
+          <p:cNvSpPr>
+            <a:spLocks noGrp="1"/>
+          </p:cNvSpPr>
+          <p:nvPr>
+            <p:ph type="title"/>
+          </p:nvPr>
+        </p:nvSpPr>
+        <p:spPr>
+          <a:effectLst>
+            <a:outerShdw blurRad="50800" dist="38100" dir="5400000" algn="t" rotWithShape="0">
+              <a:prstClr val="black">
+                <a:alpha val="40000"/>
+              </a:prstClr>
+            </a:outerShdw>
+          </a:effectLst>
+        </p:spPr>
+        <p:txBody>
+          <a:bodyPr/>
+          <a:lstStyle/>
+          <a:p>
+            <a:pPr algn="l"/>
+            <a:r>
+              <a:rPr lang="de-CH" b="1" dirty="0" smtClean="0">
+                <a:solidFill>
+                  <a:schemeClr val="bg1"/>
+                </a:solidFill>
+              </a:rPr>
+              <a:t>Server Side Script</a:t>
+            </a:r>
+            <a:endParaRPr lang="de-CH" b="1" dirty="0">
+              <a:solidFill>
+                <a:schemeClr val="bg1"/>
+              </a:solidFill>
+            </a:endParaRPr>
+          </a:p>
+        </p:txBody>
+      </p:sp>
+      <p:sp>
+        <p:nvSpPr>
+          <p:cNvPr id="3" name="Inhaltsplatzhalter 2"/>
+          <p:cNvSpPr>
+            <a:spLocks noGrp="1"/>
+          </p:cNvSpPr>
+          <p:nvPr>
+            <p:ph idx="1"/>
+          </p:nvPr>
+        </p:nvSpPr>
+        <p:spPr>
+          <a:xfrm>
+            <a:off x="457200" y="1600200"/>
+            <a:ext cx="8435280" cy="4525963"/>
+          </a:xfrm>
+        </p:spPr>
+        <p:txBody>
+          <a:bodyPr>
+            <a:normAutofit lnSpcReduction="10000"/>
+          </a:bodyPr>
+          <a:lstStyle/>
+          <a:p>
+            <a:pPr marL="0" indent="0">
+              <a:buNone/>
+            </a:pPr>
+            <a:endParaRPr lang="de-CH" dirty="0" smtClean="0"/>
+          </a:p>
+          <a:p>
+            <a:pPr marL="0" indent="0">
+              <a:buNone/>
+            </a:pPr>
+            <a:r>
+              <a:rPr lang="en-US" dirty="0" err="1"/>
+              <a:t>io</a:t>
+            </a:r>
+            <a:r>
+              <a:rPr lang="en-US" dirty="0" err="1" smtClean="0"/>
+              <a:t>.</a:t>
+            </a:r>
+            <a:r>
+              <a:rPr lang="en-US" dirty="0" err="1"/>
+              <a:t>on</a:t>
+            </a:r>
+            <a:r>
+              <a:rPr lang="en-US" dirty="0" smtClean="0"/>
+              <a:t>(</a:t>
+            </a:r>
+            <a:r>
+              <a:rPr lang="en-US" b="1" dirty="0"/>
+              <a:t>'connection'</a:t>
+            </a:r>
+            <a:r>
+              <a:rPr lang="en-US" dirty="0" smtClean="0"/>
+              <a:t>, </a:t>
+            </a:r>
+            <a:r>
+              <a:rPr lang="en-US" b="1" dirty="0"/>
+              <a:t>function</a:t>
+            </a:r>
+            <a:r>
+              <a:rPr lang="en-US" dirty="0" smtClean="0"/>
+              <a:t>(socket){</a:t>
+            </a:r>
+            <a:br>
+              <a:rPr lang="en-US" dirty="0" smtClean="0"/>
+            </a:br>
+            <a:r>
+              <a:rPr lang="en-US" dirty="0" smtClean="0"/>
+              <a:t>    </a:t>
+            </a:r>
+            <a:r>
+              <a:rPr lang="en-US" i="1" dirty="0"/>
+              <a:t>// create a new user</a:t>
+            </a:r>
+            <a:br>
+              <a:rPr lang="en-US" i="1" dirty="0"/>
+            </a:br>
+            <a:r>
+              <a:rPr lang="en-US" i="1" dirty="0"/>
+              <a:t>    </a:t>
+            </a:r>
+            <a:r>
+              <a:rPr lang="en-US" dirty="0" err="1"/>
+              <a:t>var</a:t>
+            </a:r>
+            <a:r>
+              <a:rPr lang="en-US" b="1" dirty="0"/>
+              <a:t> user</a:t>
+            </a:r>
+            <a:r>
+              <a:rPr lang="en-US" dirty="0"/>
+              <a:t> </a:t>
+            </a:r>
+            <a:r>
+              <a:rPr lang="en-US" dirty="0" smtClean="0"/>
+              <a:t>= {</a:t>
+            </a:r>
+            <a:br>
+              <a:rPr lang="en-US" dirty="0" smtClean="0"/>
+            </a:br>
+            <a:r>
+              <a:rPr lang="en-US" dirty="0" smtClean="0"/>
+              <a:t>        </a:t>
+            </a:r>
+            <a:r>
+              <a:rPr lang="en-US" b="1" dirty="0"/>
+              <a:t>id</a:t>
+            </a:r>
+            <a:r>
+              <a:rPr lang="en-US" dirty="0" smtClean="0"/>
+              <a:t>: socket.</a:t>
+            </a:r>
+            <a:r>
+              <a:rPr lang="en-US" dirty="0"/>
+              <a:t>id</a:t>
+            </a:r>
+            <a:r>
+              <a:rPr lang="en-US" dirty="0" smtClean="0"/>
+              <a:t>, </a:t>
+            </a:r>
+            <a:r>
+              <a:rPr lang="en-US" i="1" dirty="0"/>
+              <a:t/>
+            </a:r>
+            <a:br>
+              <a:rPr lang="en-US" i="1" dirty="0"/>
+            </a:br>
+            <a:r>
+              <a:rPr lang="en-US" i="1" dirty="0"/>
+              <a:t>        </a:t>
+            </a:r>
+            <a:r>
+              <a:rPr lang="en-US" b="1" dirty="0"/>
+              <a:t>name</a:t>
+            </a:r>
+            <a:r>
+              <a:rPr lang="en-US" dirty="0" smtClean="0"/>
+              <a:t>: </a:t>
+            </a:r>
+            <a:r>
+              <a:rPr lang="en-US" dirty="0"/>
+              <a:t>null</a:t>
+            </a:r>
+            <a:r>
+              <a:rPr lang="en-US" dirty="0" smtClean="0"/>
+              <a:t>,    </a:t>
+            </a:r>
+            <a:r>
+              <a:rPr lang="en-US" i="1" dirty="0"/>
+              <a:t/>
+            </a:r>
+            <a:br>
+              <a:rPr lang="en-US" i="1" dirty="0"/>
+            </a:br>
+            <a:r>
+              <a:rPr lang="en-US" i="1" dirty="0"/>
+              <a:t>        </a:t>
+            </a:r>
+            <a:r>
+              <a:rPr lang="en-US" b="1" dirty="0"/>
+              <a:t>opponent</a:t>
+            </a:r>
+            <a:r>
+              <a:rPr lang="en-US" dirty="0" smtClean="0"/>
+              <a:t>: null</a:t>
+            </a:r>
+            <a:r>
+              <a:rPr lang="en-US" i="1" dirty="0"/>
+              <a:t/>
+            </a:r>
+            <a:br>
+              <a:rPr lang="en-US" i="1" dirty="0"/>
+            </a:br>
+            <a:r>
+              <a:rPr lang="en-US" i="1" dirty="0"/>
+              <a:t>    </a:t>
+            </a:r>
+            <a:r>
+              <a:rPr lang="en-US" dirty="0" smtClean="0"/>
+              <a:t>};</a:t>
+            </a:r>
+            <a:br>
+              <a:rPr lang="en-US" dirty="0" smtClean="0"/>
+            </a:br>
+            <a:r>
+              <a:rPr lang="en-US" dirty="0" smtClean="0"/>
+              <a:t>    </a:t>
+            </a:r>
+            <a:r>
+              <a:rPr lang="en-US" dirty="0"/>
+              <a:t>io</a:t>
+            </a:r>
+            <a:r>
+              <a:rPr lang="en-US" dirty="0" smtClean="0"/>
+              <a:t>.</a:t>
+            </a:r>
+            <a:r>
+              <a:rPr lang="en-US" dirty="0"/>
+              <a:t>to</a:t>
+            </a:r>
+            <a:r>
+              <a:rPr lang="en-US" dirty="0" smtClean="0"/>
+              <a:t>(socket.</a:t>
+            </a:r>
+            <a:r>
+              <a:rPr lang="en-US" dirty="0"/>
+              <a:t>id</a:t>
+            </a:r>
+            <a:r>
+              <a:rPr lang="en-US" dirty="0" smtClean="0"/>
+              <a:t>).</a:t>
+            </a:r>
+            <a:r>
+              <a:rPr lang="en-US" dirty="0"/>
+              <a:t>emit</a:t>
+            </a:r>
+            <a:r>
+              <a:rPr lang="en-US" dirty="0" smtClean="0"/>
+              <a:t>(</a:t>
+            </a:r>
+            <a:r>
+              <a:rPr lang="en-US" b="1" dirty="0"/>
+              <a:t>"connected"</a:t>
+            </a:r>
+            <a:r>
+              <a:rPr lang="en-US" dirty="0" smtClean="0"/>
+              <a:t>, </a:t>
+            </a:r>
+            <a:r>
+              <a:rPr lang="en-US" dirty="0"/>
+              <a:t>user</a:t>
+            </a:r>
+            <a:r>
+              <a:rPr lang="en-US" dirty="0" smtClean="0"/>
+              <a:t>);</a:t>
+            </a:r>
+            <a:endParaRPr lang="de-CH" dirty="0"/>
+          </a:p>
+        </p:txBody>
+      </p:sp>
+      <p:pic>
+        <p:nvPicPr>
+          <p:cNvPr id="4" name="Picture 2" descr="C:\Users\grrd\Documents\HTML5\Reversi\build\images\logo.png"/>
+          <p:cNvPicPr>
+            <a:picLocks noChangeAspect="1" noChangeArrowheads="1"/>
+          </p:cNvPicPr>
+          <p:nvPr/>
+        </p:nvPicPr>
+        <p:blipFill>
+          <a:blip r:embed="rId2" cstate="print">
+            <a:extLst>
+              <a:ext uri="{28A0092B-C50C-407E-A947-70E740481C1C}">
+                <a14:useLocalDpi xmlns:a14="http://schemas.microsoft.com/office/drawing/2010/main" val="0"/>
+              </a:ext>
+            </a:extLst>
+          </a:blip>
+          <a:srcRect/>
+          <a:stretch>
+            <a:fillRect/>
+          </a:stretch>
+        </p:blipFill>
+        <p:spPr bwMode="auto">
+          <a:xfrm>
+            <a:off x="6186550" y="548680"/>
+            <a:ext cx="2611490" cy="576064"/>
+          </a:xfrm>
+          <a:prstGeom prst="rect">
+            <a:avLst/>
+          </a:prstGeom>
+          <a:noFill/>
+          <a:effectLst>
+            <a:outerShdw blurRad="50800" dist="38100" dir="2700000" algn="tl" rotWithShape="0">
+              <a:prstClr val="black">
+                <a:alpha val="40000"/>
+              </a:prstClr>
+            </a:outerShdw>
+          </a:effectLst>
+          <a:extLst>
+            <a:ext uri="{909E8E84-426E-40DD-AFC4-6F175D3DCCD1}">
+              <a14:hiddenFill xmlns:a14="http://schemas.microsoft.com/office/drawing/2010/main">
+                <a:solidFill>
+                  <a:srgbClr val="FFFFFF"/>
+                </a:solidFill>
+              </a14:hiddenFill>
+            </a:ext>
+          </a:extLst>
+        </p:spPr>
+      </p:pic>
+    </p:spTree>
+    <p:extLst>
+      <p:ext uri="{BB962C8B-B14F-4D97-AF65-F5344CB8AC3E}">
+        <p14:creationId xmlns:p14="http://schemas.microsoft.com/office/powerpoint/2010/main" val="338842572"/>
+      </p:ext>
+    </p:extLst>
+  </p:cSld>
+  <p:clrMapOvr>
+    <a:masterClrMapping/>
+  </p:clrMapOvr>
+  <p:timing>
+    <p:tnLst>
+      <p:par>
+        <p:cTn id="1" dur="indefinite" restart="never" nodeType="tmRoot"/>
+      </p:par>
+    </p:tnLst>
+  </p:timing>
+</p:sld>
+</file>
+
+<file path=ppt/slides/slide16.xml><?xml version="1.0" encoding="utf-8"?>
+<p:sld xmlns:a="http://schemas.openxmlformats.org/drawingml/2006/main" xmlns:r="http://schemas.openxmlformats.org/officeDocument/2006/relationships" xmlns:p="http://schemas.openxmlformats.org/presentationml/2006/main">
+  <p:cSld>
+    <p:bg>
+      <p:bgPr>
+        <a:gradFill>
+          <a:gsLst>
+            <a:gs pos="0">
+              <a:schemeClr val="tx2">
+                <a:lumMod val="75000"/>
+              </a:schemeClr>
+            </a:gs>
+            <a:gs pos="17000">
+              <a:schemeClr val="tx2">
+                <a:lumMod val="60000"/>
+                <a:lumOff val="40000"/>
+              </a:schemeClr>
+            </a:gs>
+            <a:gs pos="47000">
+              <a:schemeClr val="tx2">
+                <a:lumMod val="40000"/>
+                <a:lumOff val="60000"/>
+              </a:schemeClr>
+            </a:gs>
+          </a:gsLst>
+          <a:lin ang="5400000" scaled="0"/>
+        </a:gradFill>
+        <a:effectLst/>
+      </p:bgPr>
+    </p:bg>
+    <p:spTree>
+      <p:nvGrpSpPr>
+        <p:cNvPr id="1" name=""/>
+        <p:cNvGrpSpPr/>
+        <p:nvPr/>
+      </p:nvGrpSpPr>
+      <p:grpSpPr>
+        <a:xfrm>
+          <a:off x="0" y="0"/>
+          <a:ext cx="0" cy="0"/>
+          <a:chOff x="0" y="0"/>
+          <a:chExt cx="0" cy="0"/>
+        </a:xfrm>
+      </p:grpSpPr>
+      <p:sp>
+        <p:nvSpPr>
+          <p:cNvPr id="2" name="Titel 1"/>
+          <p:cNvSpPr>
+            <a:spLocks noGrp="1"/>
+          </p:cNvSpPr>
+          <p:nvPr>
+            <p:ph type="title"/>
+          </p:nvPr>
+        </p:nvSpPr>
+        <p:spPr>
+          <a:effectLst>
+            <a:outerShdw blurRad="50800" dist="38100" dir="5400000" algn="t" rotWithShape="0">
+              <a:prstClr val="black">
+                <a:alpha val="40000"/>
+              </a:prstClr>
+            </a:outerShdw>
+          </a:effectLst>
+        </p:spPr>
+        <p:txBody>
+          <a:bodyPr/>
+          <a:lstStyle/>
+          <a:p>
+            <a:pPr algn="l"/>
+            <a:r>
+              <a:rPr lang="de-CH" b="1" dirty="0" smtClean="0">
+                <a:solidFill>
+                  <a:schemeClr val="bg1"/>
+                </a:solidFill>
+              </a:rPr>
+              <a:t>Client Event</a:t>
+            </a:r>
+            <a:endParaRPr lang="de-CH" b="1" dirty="0">
+              <a:solidFill>
+                <a:schemeClr val="bg1"/>
+              </a:solidFill>
+            </a:endParaRPr>
+          </a:p>
+        </p:txBody>
+      </p:sp>
+      <p:sp>
+        <p:nvSpPr>
+          <p:cNvPr id="3" name="Inhaltsplatzhalter 2"/>
+          <p:cNvSpPr>
+            <a:spLocks noGrp="1"/>
+          </p:cNvSpPr>
+          <p:nvPr>
+            <p:ph idx="1"/>
+          </p:nvPr>
+        </p:nvSpPr>
+        <p:spPr>
+          <a:xfrm>
+            <a:off x="457200" y="1600200"/>
+            <a:ext cx="8435280" cy="4525963"/>
+          </a:xfrm>
+        </p:spPr>
+        <p:txBody>
+          <a:bodyPr>
+            <a:normAutofit/>
+          </a:bodyPr>
+          <a:lstStyle/>
+          <a:p>
+            <a:pPr marL="0" indent="0">
+              <a:buNone/>
+            </a:pPr>
+            <a:endParaRPr lang="de-CH" b="1" dirty="0" smtClean="0"/>
+          </a:p>
+          <a:p>
+            <a:pPr marL="0" indent="0">
+              <a:buNone/>
+            </a:pPr>
+            <a:endParaRPr lang="de-CH" dirty="0" smtClean="0"/>
+          </a:p>
+          <a:p>
+            <a:pPr marL="0" indent="0">
+              <a:buNone/>
+            </a:pPr>
+            <a:r>
+              <a:rPr lang="en-US" b="1" dirty="0" err="1" smtClean="0"/>
+              <a:t>socket</a:t>
+            </a:r>
+            <a:r>
+              <a:rPr lang="en-US" dirty="0" err="1" smtClean="0"/>
+              <a:t>.on</a:t>
+            </a:r>
+            <a:r>
+              <a:rPr lang="en-US" dirty="0" smtClean="0"/>
+              <a:t>(</a:t>
+            </a:r>
+            <a:r>
+              <a:rPr lang="en-US" b="1" dirty="0"/>
+              <a:t>'connected'</a:t>
+            </a:r>
+            <a:r>
+              <a:rPr lang="en-US" dirty="0" smtClean="0"/>
+              <a:t>, </a:t>
+            </a:r>
+            <a:r>
+              <a:rPr lang="en-US" b="1" dirty="0"/>
+              <a:t>function </a:t>
+            </a:r>
+            <a:r>
+              <a:rPr lang="en-US" dirty="0" smtClean="0"/>
+              <a:t>(data) {</a:t>
+            </a:r>
+            <a:br>
+              <a:rPr lang="en-US" dirty="0" smtClean="0"/>
+            </a:br>
+            <a:r>
+              <a:rPr lang="en-US" dirty="0" smtClean="0"/>
+              <a:t>    </a:t>
+            </a:r>
+            <a:r>
+              <a:rPr lang="en-US" b="1" dirty="0"/>
+              <a:t>console</a:t>
+            </a:r>
+            <a:r>
+              <a:rPr lang="en-US" dirty="0" smtClean="0"/>
+              <a:t>.</a:t>
+            </a:r>
+            <a:r>
+              <a:rPr lang="en-US" dirty="0"/>
+              <a:t>info</a:t>
+            </a:r>
+            <a:r>
+              <a:rPr lang="en-US" dirty="0" smtClean="0"/>
+              <a:t>(</a:t>
+            </a:r>
+            <a:r>
+              <a:rPr lang="en-US" b="1" dirty="0"/>
+              <a:t>"successfully connected </a:t>
+            </a:r>
+            <a:r>
+              <a:rPr lang="en-US" b="1" dirty="0" smtClean="0"/>
+              <a:t>"</a:t>
+            </a:r>
+            <a:r>
+              <a:rPr lang="en-US" dirty="0" smtClean="0"/>
+              <a:t>);</a:t>
+            </a:r>
+            <a:br>
+              <a:rPr lang="en-US" dirty="0" smtClean="0"/>
+            </a:br>
+            <a:r>
+              <a:rPr lang="en-US" dirty="0" smtClean="0"/>
+              <a:t>});</a:t>
+            </a:r>
+            <a:endParaRPr lang="de-CH" dirty="0"/>
+          </a:p>
+        </p:txBody>
+      </p:sp>
+      <p:pic>
+        <p:nvPicPr>
+          <p:cNvPr id="4" name="Picture 2" descr="C:\Users\grrd\Documents\HTML5\Reversi\build\images\logo.png"/>
+          <p:cNvPicPr>
+            <a:picLocks noChangeAspect="1" noChangeArrowheads="1"/>
+          </p:cNvPicPr>
+          <p:nvPr/>
+        </p:nvPicPr>
+        <p:blipFill>
+          <a:blip r:embed="rId2" cstate="print">
+            <a:extLst>
+              <a:ext uri="{28A0092B-C50C-407E-A947-70E740481C1C}">
+                <a14:useLocalDpi xmlns:a14="http://schemas.microsoft.com/office/drawing/2010/main" val="0"/>
+              </a:ext>
+            </a:extLst>
+          </a:blip>
+          <a:srcRect/>
+          <a:stretch>
+            <a:fillRect/>
+          </a:stretch>
+        </p:blipFill>
+        <p:spPr bwMode="auto">
+          <a:xfrm>
+            <a:off x="6186550" y="548680"/>
+            <a:ext cx="2611490" cy="576064"/>
+          </a:xfrm>
+          <a:prstGeom prst="rect">
+            <a:avLst/>
+          </a:prstGeom>
+          <a:noFill/>
+          <a:effectLst>
+            <a:outerShdw blurRad="50800" dist="38100" dir="2700000" algn="tl" rotWithShape="0">
+              <a:prstClr val="black">
+                <a:alpha val="40000"/>
+              </a:prstClr>
+            </a:outerShdw>
+          </a:effectLst>
+          <a:extLst>
+            <a:ext uri="{909E8E84-426E-40DD-AFC4-6F175D3DCCD1}">
+              <a14:hiddenFill xmlns:a14="http://schemas.microsoft.com/office/drawing/2010/main">
+                <a:solidFill>
+                  <a:srgbClr val="FFFFFF"/>
+                </a:solidFill>
+              </a14:hiddenFill>
+            </a:ext>
+          </a:extLst>
+        </p:spPr>
+      </p:pic>
+    </p:spTree>
+    <p:extLst>
+      <p:ext uri="{BB962C8B-B14F-4D97-AF65-F5344CB8AC3E}">
+        <p14:creationId xmlns:p14="http://schemas.microsoft.com/office/powerpoint/2010/main" val="873424141"/>
+      </p:ext>
+    </p:extLst>
+  </p:cSld>
+  <p:clrMapOvr>
+    <a:masterClrMapping/>
+  </p:clrMapOvr>
+  <p:timing>
+    <p:tnLst>
+      <p:par>
+        <p:cTn id="1" dur="indefinite" restart="never" nodeType="tmRoot"/>
+      </p:par>
+    </p:tnLst>
+  </p:timing>
+</p:sld>
+</file>
+
+<file path=ppt/slides/slide17.xml><?xml version="1.0" encoding="utf-8"?>
+<p:sld xmlns:a="http://schemas.openxmlformats.org/drawingml/2006/main" xmlns:r="http://schemas.openxmlformats.org/officeDocument/2006/relationships" xmlns:p="http://schemas.openxmlformats.org/presentationml/2006/main">
+  <p:cSld>
+    <p:bg>
+      <p:bgPr>
+        <a:gradFill>
+          <a:gsLst>
+            <a:gs pos="0">
+              <a:schemeClr val="tx2">
+                <a:lumMod val="75000"/>
+              </a:schemeClr>
+            </a:gs>
+            <a:gs pos="17000">
+              <a:schemeClr val="tx2">
+                <a:lumMod val="60000"/>
+                <a:lumOff val="40000"/>
+              </a:schemeClr>
+            </a:gs>
+            <a:gs pos="47000">
+              <a:schemeClr val="tx2">
+                <a:lumMod val="40000"/>
+                <a:lumOff val="60000"/>
+              </a:schemeClr>
+            </a:gs>
+          </a:gsLst>
+          <a:lin ang="5400000" scaled="0"/>
+        </a:gradFill>
+        <a:effectLst/>
+      </p:bgPr>
+    </p:bg>
+    <p:spTree>
+      <p:nvGrpSpPr>
+        <p:cNvPr id="1" name=""/>
+        <p:cNvGrpSpPr/>
+        <p:nvPr/>
+      </p:nvGrpSpPr>
+      <p:grpSpPr>
+        <a:xfrm>
+          <a:off x="0" y="0"/>
+          <a:ext cx="0" cy="0"/>
+          <a:chOff x="0" y="0"/>
+          <a:chExt cx="0" cy="0"/>
+        </a:xfrm>
+      </p:grpSpPr>
+      <p:sp>
+        <p:nvSpPr>
+          <p:cNvPr id="2" name="Titel 1"/>
+          <p:cNvSpPr>
+            <a:spLocks noGrp="1"/>
+          </p:cNvSpPr>
+          <p:nvPr>
+            <p:ph type="title"/>
+          </p:nvPr>
+        </p:nvSpPr>
+        <p:spPr>
+          <a:effectLst>
+            <a:outerShdw blurRad="50800" dist="38100" dir="5400000" algn="t" rotWithShape="0">
+              <a:prstClr val="black">
+                <a:alpha val="40000"/>
+              </a:prstClr>
+            </a:outerShdw>
+          </a:effectLst>
+        </p:spPr>
+        <p:txBody>
+          <a:bodyPr/>
+          <a:lstStyle/>
+          <a:p>
+            <a:pPr algn="l"/>
+            <a:r>
+              <a:rPr lang="de-CH" b="1" dirty="0" smtClean="0">
+                <a:solidFill>
+                  <a:schemeClr val="bg1"/>
+                </a:solidFill>
+              </a:rPr>
+              <a:t>Online Spielzug</a:t>
+            </a:r>
+            <a:endParaRPr lang="de-CH" b="1" dirty="0">
+              <a:solidFill>
+                <a:schemeClr val="bg1"/>
+              </a:solidFill>
+            </a:endParaRPr>
+          </a:p>
+        </p:txBody>
+      </p:sp>
+      <p:sp>
+        <p:nvSpPr>
+          <p:cNvPr id="3" name="Inhaltsplatzhalter 2"/>
+          <p:cNvSpPr>
+            <a:spLocks noGrp="1"/>
+          </p:cNvSpPr>
+          <p:nvPr>
+            <p:ph idx="1"/>
+          </p:nvPr>
+        </p:nvSpPr>
+        <p:spPr>
+          <a:xfrm>
+            <a:off x="457200" y="1600200"/>
+            <a:ext cx="8435280" cy="4925144"/>
+          </a:xfrm>
+        </p:spPr>
+        <p:txBody>
+          <a:bodyPr>
+            <a:normAutofit fontScale="85000" lnSpcReduction="10000"/>
+          </a:bodyPr>
+          <a:lstStyle/>
+          <a:p>
+            <a:pPr marL="0" indent="0">
+              <a:buNone/>
+            </a:pPr>
+            <a:r>
+              <a:rPr lang="de-CH" dirty="0" err="1" smtClean="0"/>
+              <a:t>play</a:t>
+            </a:r>
+            <a:r>
+              <a:rPr lang="de-CH" dirty="0" smtClean="0"/>
+              <a:t> = </a:t>
+            </a:r>
+            <a:r>
+              <a:rPr lang="de-CH" b="1" dirty="0" err="1"/>
+              <a:t>function</a:t>
+            </a:r>
+            <a:r>
+              <a:rPr lang="de-CH" b="1" dirty="0"/>
+              <a:t> </a:t>
+            </a:r>
+            <a:r>
+              <a:rPr lang="de-CH" dirty="0" smtClean="0"/>
+              <a:t>(</a:t>
+            </a:r>
+            <a:r>
+              <a:rPr lang="de-CH" dirty="0" err="1" smtClean="0"/>
+              <a:t>row</a:t>
+            </a:r>
+            <a:r>
+              <a:rPr lang="de-CH" dirty="0" smtClean="0"/>
+              <a:t>, </a:t>
+            </a:r>
+            <a:r>
+              <a:rPr lang="de-CH" dirty="0" err="1" smtClean="0"/>
+              <a:t>col</a:t>
+            </a:r>
+            <a:r>
+              <a:rPr lang="de-CH" dirty="0" smtClean="0"/>
+              <a:t>) {</a:t>
+            </a:r>
+            <a:br>
+              <a:rPr lang="de-CH" dirty="0" smtClean="0"/>
+            </a:br>
+            <a:r>
+              <a:rPr lang="de-CH" dirty="0" smtClean="0"/>
+              <a:t>    </a:t>
+            </a:r>
+            <a:r>
+              <a:rPr lang="de-CH" b="1" dirty="0" err="1" smtClean="0"/>
+              <a:t>socket</a:t>
+            </a:r>
+            <a:r>
+              <a:rPr lang="de-CH" dirty="0" err="1" smtClean="0"/>
+              <a:t>.emit</a:t>
+            </a:r>
+            <a:r>
+              <a:rPr lang="de-CH" dirty="0" smtClean="0"/>
+              <a:t>(</a:t>
+            </a:r>
+            <a:r>
+              <a:rPr lang="de-CH" b="1" dirty="0"/>
+              <a:t>'</a:t>
+            </a:r>
+            <a:r>
+              <a:rPr lang="de-CH" b="1" dirty="0" err="1"/>
+              <a:t>play</a:t>
+            </a:r>
+            <a:r>
+              <a:rPr lang="de-CH" b="1" dirty="0"/>
+              <a:t>'</a:t>
+            </a:r>
+            <a:r>
+              <a:rPr lang="de-CH" dirty="0" smtClean="0"/>
+              <a:t>, {</a:t>
+            </a:r>
+            <a:r>
+              <a:rPr lang="de-CH" b="1" dirty="0" err="1"/>
+              <a:t>to</a:t>
+            </a:r>
+            <a:r>
+              <a:rPr lang="de-CH" dirty="0" smtClean="0"/>
+              <a:t>: </a:t>
+            </a:r>
+            <a:r>
+              <a:rPr lang="de-CH" dirty="0" err="1" smtClean="0"/>
+              <a:t>user.opponent</a:t>
+            </a:r>
+            <a:r>
+              <a:rPr lang="de-CH" dirty="0" smtClean="0"/>
+              <a:t>, </a:t>
+            </a:r>
+            <a:br>
+              <a:rPr lang="de-CH" dirty="0" smtClean="0"/>
+            </a:br>
+            <a:r>
+              <a:rPr lang="de-CH" dirty="0" smtClean="0"/>
+              <a:t>    </a:t>
+            </a:r>
+            <a:r>
+              <a:rPr lang="de-CH" b="1" dirty="0" err="1" smtClean="0"/>
+              <a:t>row</a:t>
+            </a:r>
+            <a:r>
+              <a:rPr lang="de-CH" dirty="0" smtClean="0"/>
+              <a:t>: </a:t>
+            </a:r>
+            <a:r>
+              <a:rPr lang="de-CH" dirty="0" err="1" smtClean="0"/>
+              <a:t>row</a:t>
+            </a:r>
+            <a:r>
+              <a:rPr lang="de-CH" dirty="0" smtClean="0"/>
+              <a:t>, </a:t>
+            </a:r>
+            <a:r>
+              <a:rPr lang="de-CH" b="1" dirty="0" err="1"/>
+              <a:t>col</a:t>
+            </a:r>
+            <a:r>
+              <a:rPr lang="de-CH" dirty="0" smtClean="0"/>
+              <a:t>: </a:t>
+            </a:r>
+            <a:r>
+              <a:rPr lang="de-CH" dirty="0" err="1" smtClean="0"/>
+              <a:t>col</a:t>
+            </a:r>
+            <a:r>
+              <a:rPr lang="de-CH" dirty="0" smtClean="0"/>
+              <a:t>});</a:t>
+            </a:r>
+            <a:br>
+              <a:rPr lang="de-CH" dirty="0" smtClean="0"/>
+            </a:br>
+            <a:r>
+              <a:rPr lang="de-CH" dirty="0" smtClean="0"/>
+              <a:t>};</a:t>
+            </a:r>
+          </a:p>
+          <a:p>
+            <a:pPr marL="0" indent="0">
+              <a:buNone/>
+            </a:pPr>
+            <a:endParaRPr lang="de-CH" dirty="0" smtClean="0"/>
+          </a:p>
+          <a:p>
+            <a:pPr marL="0" indent="0">
+              <a:buNone/>
+            </a:pPr>
+            <a:r>
+              <a:rPr lang="en-US" dirty="0" err="1" smtClean="0"/>
+              <a:t>socket.</a:t>
+            </a:r>
+            <a:r>
+              <a:rPr lang="en-US" dirty="0" err="1"/>
+              <a:t>on</a:t>
+            </a:r>
+            <a:r>
+              <a:rPr lang="en-US" dirty="0" smtClean="0"/>
+              <a:t>(</a:t>
+            </a:r>
+            <a:r>
+              <a:rPr lang="en-US" b="1" dirty="0"/>
+              <a:t>"play"</a:t>
+            </a:r>
+            <a:r>
+              <a:rPr lang="en-US" dirty="0" smtClean="0"/>
+              <a:t>, </a:t>
+            </a:r>
+            <a:r>
+              <a:rPr lang="en-US" b="1" dirty="0"/>
+              <a:t>function </a:t>
+            </a:r>
+            <a:r>
+              <a:rPr lang="en-US" dirty="0" smtClean="0"/>
+              <a:t>(data) {</a:t>
+            </a:r>
+            <a:r>
+              <a:rPr lang="en-US" i="1" dirty="0"/>
+              <a:t/>
+            </a:r>
+            <a:br>
+              <a:rPr lang="en-US" i="1" dirty="0"/>
+            </a:br>
+            <a:r>
+              <a:rPr lang="en-US" i="1" dirty="0"/>
+              <a:t>    </a:t>
+            </a:r>
+            <a:r>
+              <a:rPr lang="en-US" dirty="0"/>
+              <a:t>io</a:t>
+            </a:r>
+            <a:r>
+              <a:rPr lang="en-US" dirty="0" smtClean="0"/>
+              <a:t>.</a:t>
+            </a:r>
+            <a:r>
+              <a:rPr lang="en-US" dirty="0"/>
+              <a:t>to</a:t>
+            </a:r>
+            <a:r>
+              <a:rPr lang="en-US" dirty="0" smtClean="0"/>
+              <a:t>(data.</a:t>
+            </a:r>
+            <a:r>
+              <a:rPr lang="en-US" dirty="0"/>
+              <a:t>to</a:t>
+            </a:r>
+            <a:r>
+              <a:rPr lang="en-US" dirty="0" smtClean="0"/>
+              <a:t>).</a:t>
+            </a:r>
+            <a:r>
+              <a:rPr lang="en-US" dirty="0"/>
+              <a:t>emit</a:t>
+            </a:r>
+            <a:r>
+              <a:rPr lang="en-US" dirty="0" smtClean="0"/>
+              <a:t>(</a:t>
+            </a:r>
+            <a:r>
+              <a:rPr lang="en-US" b="1" dirty="0"/>
+              <a:t>"play"</a:t>
+            </a:r>
+            <a:r>
+              <a:rPr lang="en-US" dirty="0" smtClean="0"/>
+              <a:t>, data);</a:t>
+            </a:r>
+            <a:br>
+              <a:rPr lang="en-US" dirty="0" smtClean="0"/>
+            </a:br>
+            <a:r>
+              <a:rPr lang="en-US" dirty="0" smtClean="0"/>
+              <a:t>});</a:t>
+            </a:r>
+          </a:p>
+          <a:p>
+            <a:pPr marL="0" indent="0">
+              <a:buNone/>
+            </a:pPr>
+            <a:endParaRPr lang="en-US" dirty="0" smtClean="0"/>
+          </a:p>
+          <a:p>
+            <a:pPr marL="0" indent="0">
+              <a:buNone/>
+            </a:pPr>
+            <a:r>
+              <a:rPr lang="de-CH" dirty="0" err="1"/>
+              <a:t>self</a:t>
+            </a:r>
+            <a:r>
+              <a:rPr lang="de-CH" dirty="0" err="1" smtClean="0"/>
+              <a:t>.</a:t>
+            </a:r>
+            <a:r>
+              <a:rPr lang="de-CH" b="1" dirty="0" err="1"/>
+              <a:t>socket</a:t>
+            </a:r>
+            <a:r>
+              <a:rPr lang="de-CH" dirty="0" err="1" smtClean="0"/>
+              <a:t>.</a:t>
+            </a:r>
+            <a:r>
+              <a:rPr lang="de-CH" dirty="0" err="1"/>
+              <a:t>on</a:t>
+            </a:r>
+            <a:r>
+              <a:rPr lang="de-CH" dirty="0" smtClean="0"/>
+              <a:t>(</a:t>
+            </a:r>
+            <a:r>
+              <a:rPr lang="de-CH" b="1" dirty="0"/>
+              <a:t>'</a:t>
+            </a:r>
+            <a:r>
+              <a:rPr lang="de-CH" b="1" dirty="0" err="1"/>
+              <a:t>play</a:t>
+            </a:r>
+            <a:r>
+              <a:rPr lang="de-CH" b="1" dirty="0"/>
+              <a:t>'</a:t>
+            </a:r>
+            <a:r>
+              <a:rPr lang="de-CH" dirty="0" smtClean="0"/>
+              <a:t>, </a:t>
+            </a:r>
+            <a:r>
+              <a:rPr lang="de-CH" b="1" dirty="0" err="1"/>
+              <a:t>function</a:t>
+            </a:r>
+            <a:r>
+              <a:rPr lang="de-CH" b="1" dirty="0"/>
+              <a:t> </a:t>
+            </a:r>
+            <a:r>
+              <a:rPr lang="de-CH" dirty="0" smtClean="0"/>
+              <a:t>(</a:t>
+            </a:r>
+            <a:r>
+              <a:rPr lang="de-CH" dirty="0" err="1" smtClean="0"/>
+              <a:t>data</a:t>
+            </a:r>
+            <a:r>
+              <a:rPr lang="de-CH" dirty="0" smtClean="0"/>
+              <a:t>) {</a:t>
+            </a:r>
+            <a:br>
+              <a:rPr lang="de-CH" dirty="0" smtClean="0"/>
+            </a:br>
+            <a:r>
+              <a:rPr lang="de-CH" dirty="0" smtClean="0"/>
+              <a:t>     </a:t>
+            </a:r>
+            <a:r>
+              <a:rPr lang="de-CH" b="1" dirty="0" smtClean="0"/>
+              <a:t>console</a:t>
+            </a:r>
+            <a:r>
+              <a:rPr lang="de-CH" dirty="0" smtClean="0"/>
+              <a:t>.info(</a:t>
+            </a:r>
+            <a:r>
+              <a:rPr lang="de-CH" b="1" dirty="0" smtClean="0"/>
+              <a:t>"</a:t>
+            </a:r>
+            <a:r>
+              <a:rPr lang="de-CH" b="1" dirty="0" err="1" smtClean="0"/>
+              <a:t>opponent</a:t>
+            </a:r>
+            <a:r>
+              <a:rPr lang="de-CH" b="1" dirty="0" smtClean="0"/>
+              <a:t> </a:t>
+            </a:r>
+            <a:r>
+              <a:rPr lang="de-CH" b="1" dirty="0" err="1"/>
+              <a:t>played</a:t>
+            </a:r>
+            <a:r>
+              <a:rPr lang="de-CH" b="1" dirty="0"/>
+              <a:t> in </a:t>
+            </a:r>
+            <a:r>
+              <a:rPr lang="de-CH" b="1" dirty="0" err="1"/>
+              <a:t>row</a:t>
+            </a:r>
+            <a:r>
+              <a:rPr lang="de-CH" b="1" dirty="0"/>
+              <a:t> " </a:t>
+            </a:r>
+            <a:r>
+              <a:rPr lang="de-CH" dirty="0" smtClean="0"/>
+              <a:t>+ </a:t>
+            </a:r>
+            <a:r>
+              <a:rPr lang="de-CH" dirty="0" err="1" smtClean="0"/>
+              <a:t>data.</a:t>
+            </a:r>
+            <a:r>
+              <a:rPr lang="de-CH" b="1" dirty="0" err="1"/>
+              <a:t>row</a:t>
+            </a:r>
+            <a:r>
+              <a:rPr lang="de-CH" dirty="0" smtClean="0"/>
+              <a:t>);</a:t>
+            </a:r>
+            <a:br>
+              <a:rPr lang="de-CH" dirty="0" smtClean="0"/>
+            </a:br>
+            <a:r>
+              <a:rPr lang="de-CH" dirty="0" smtClean="0"/>
+              <a:t>}</a:t>
+            </a:r>
+            <a:endParaRPr lang="de-CH" dirty="0"/>
+          </a:p>
+        </p:txBody>
+      </p:sp>
+      <p:pic>
+        <p:nvPicPr>
+          <p:cNvPr id="4" name="Picture 2" descr="C:\Users\grrd\Documents\HTML5\Reversi\build\images\logo.png"/>
+          <p:cNvPicPr>
+            <a:picLocks noChangeAspect="1" noChangeArrowheads="1"/>
+          </p:cNvPicPr>
+          <p:nvPr/>
+        </p:nvPicPr>
+        <p:blipFill>
+          <a:blip r:embed="rId2" cstate="print">
+            <a:extLst>
+              <a:ext uri="{28A0092B-C50C-407E-A947-70E740481C1C}">
+                <a14:useLocalDpi xmlns:a14="http://schemas.microsoft.com/office/drawing/2010/main" val="0"/>
+              </a:ext>
+            </a:extLst>
+          </a:blip>
+          <a:srcRect/>
+          <a:stretch>
+            <a:fillRect/>
+          </a:stretch>
+        </p:blipFill>
+        <p:spPr bwMode="auto">
+          <a:xfrm>
+            <a:off x="6186550" y="548680"/>
+            <a:ext cx="2611490" cy="576064"/>
+          </a:xfrm>
+          <a:prstGeom prst="rect">
+            <a:avLst/>
+          </a:prstGeom>
+          <a:noFill/>
+          <a:effectLst>
+            <a:outerShdw blurRad="50800" dist="38100" dir="2700000" algn="tl" rotWithShape="0">
+              <a:prstClr val="black">
+                <a:alpha val="40000"/>
+              </a:prstClr>
+            </a:outerShdw>
+          </a:effectLst>
+          <a:extLst>
+            <a:ext uri="{909E8E84-426E-40DD-AFC4-6F175D3DCCD1}">
+              <a14:hiddenFill xmlns:a14="http://schemas.microsoft.com/office/drawing/2010/main">
+                <a:solidFill>
+                  <a:srgbClr val="FFFFFF"/>
+                </a:solidFill>
+              </a14:hiddenFill>
+            </a:ext>
+          </a:extLst>
+        </p:spPr>
+      </p:pic>
+    </p:spTree>
+    <p:extLst>
+      <p:ext uri="{BB962C8B-B14F-4D97-AF65-F5344CB8AC3E}">
+        <p14:creationId xmlns:p14="http://schemas.microsoft.com/office/powerpoint/2010/main" val="3775130774"/>
+      </p:ext>
+    </p:extLst>
+  </p:cSld>
+  <p:clrMapOvr>
+    <a:masterClrMapping/>
+  </p:clrMapOvr>
+  <p:timing>
+    <p:tnLst>
+      <p:par>
+        <p:cTn id="1" dur="indefinite" restart="never" nodeType="tmRoot"/>
+      </p:par>
+    </p:tnLst>
+  </p:timing>
+</p:sld>
+</file>
+
+<file path=ppt/slides/slide18.xml><?xml version="1.0" encoding="utf-8"?>
+<p:sld xmlns:a="http://schemas.openxmlformats.org/drawingml/2006/main" xmlns:r="http://schemas.openxmlformats.org/officeDocument/2006/relationships" xmlns:p="http://schemas.openxmlformats.org/presentationml/2006/main">
+  <p:cSld>
+    <p:bg>
+      <p:bgPr>
+        <a:gradFill>
+          <a:gsLst>
+            <a:gs pos="0">
+              <a:schemeClr val="tx2">
+                <a:lumMod val="75000"/>
+              </a:schemeClr>
+            </a:gs>
+            <a:gs pos="17000">
+              <a:schemeClr val="tx2">
+                <a:lumMod val="60000"/>
+                <a:lumOff val="40000"/>
+              </a:schemeClr>
+            </a:gs>
+            <a:gs pos="47000">
+              <a:schemeClr val="tx2">
+                <a:lumMod val="40000"/>
+                <a:lumOff val="60000"/>
+              </a:schemeClr>
+            </a:gs>
+          </a:gsLst>
+          <a:lin ang="5400000" scaled="0"/>
+        </a:gradFill>
+        <a:effectLst/>
+      </p:bgPr>
+    </p:bg>
+    <p:spTree>
+      <p:nvGrpSpPr>
+        <p:cNvPr id="1" name=""/>
+        <p:cNvGrpSpPr/>
+        <p:nvPr/>
+      </p:nvGrpSpPr>
+      <p:grpSpPr>
+        <a:xfrm>
+          <a:off x="0" y="0"/>
+          <a:ext cx="0" cy="0"/>
+          <a:chOff x="0" y="0"/>
+          <a:chExt cx="0" cy="0"/>
+        </a:xfrm>
+      </p:grpSpPr>
+      <p:sp>
+        <p:nvSpPr>
+          <p:cNvPr id="2" name="Titel 1"/>
+          <p:cNvSpPr>
+            <a:spLocks noGrp="1"/>
+          </p:cNvSpPr>
+          <p:nvPr>
+            <p:ph type="title"/>
+          </p:nvPr>
+        </p:nvSpPr>
+        <p:spPr>
+          <a:effectLst>
+            <a:outerShdw blurRad="50800" dist="38100" dir="5400000" algn="t" rotWithShape="0">
+              <a:prstClr val="black">
+                <a:alpha val="40000"/>
+              </a:prstClr>
+            </a:outerShdw>
+          </a:effectLst>
+        </p:spPr>
+        <p:txBody>
           <a:bodyPr/>
           <a:lstStyle/>
           <a:p>
@@ -4249,7 +6698,7 @@
 </p:sld>
 </file>
 
-<file path=ppt/slides/slide11.xml><?xml version="1.0" encoding="utf-8"?>
+<file path=ppt/slides/slide19.xml><?xml version="1.0" encoding="utf-8"?>
 <p:sld xmlns:a="http://schemas.openxmlformats.org/drawingml/2006/main" xmlns:r="http://schemas.openxmlformats.org/officeDocument/2006/relationships" xmlns:p="http://schemas.openxmlformats.org/presentationml/2006/main">
   <p:cSld>
     <p:bg>
@@ -4420,7 +6869,7 @@
 </p:sld>
 </file>
 
-<file path=ppt/slides/slide12.xml><?xml version="1.0" encoding="utf-8"?>
+<file path=ppt/slides/slide2.xml><?xml version="1.0" encoding="utf-8"?>
 <p:sld xmlns:a="http://schemas.openxmlformats.org/drawingml/2006/main" xmlns:r="http://schemas.openxmlformats.org/officeDocument/2006/relationships" xmlns:p="http://schemas.openxmlformats.org/presentationml/2006/main">
   <p:cSld>
     <p:bg>
@@ -4494,6 +6943,272 @@
                   <a:schemeClr val="bg1"/>
                 </a:solidFill>
               </a:rPr>
+              <a:t>Reversi</a:t>
+            </a:r>
+            <a:r>
+              <a:rPr lang="de-CH" b="1" dirty="0" smtClean="0">
+                <a:solidFill>
+                  <a:schemeClr val="bg1"/>
+                </a:solidFill>
+              </a:rPr>
+              <a:t> Web App</a:t>
+            </a:r>
+            <a:endParaRPr lang="de-CH" b="1" dirty="0">
+              <a:solidFill>
+                <a:schemeClr val="bg1"/>
+              </a:solidFill>
+            </a:endParaRPr>
+          </a:p>
+        </p:txBody>
+      </p:sp>
+      <p:sp>
+        <p:nvSpPr>
+          <p:cNvPr id="3" name="Inhaltsplatzhalter 2"/>
+          <p:cNvSpPr>
+            <a:spLocks noGrp="1"/>
+          </p:cNvSpPr>
+          <p:nvPr>
+            <p:ph idx="1"/>
+          </p:nvPr>
+        </p:nvSpPr>
+        <p:spPr>
+          <a:xfrm>
+            <a:off x="457200" y="1600200"/>
+            <a:ext cx="8435280" cy="4525963"/>
+          </a:xfrm>
+        </p:spPr>
+        <p:txBody>
+          <a:bodyPr/>
+          <a:lstStyle/>
+          <a:p>
+            <a:pPr marL="0" indent="0">
+              <a:buNone/>
+            </a:pPr>
+            <a:r>
+              <a:rPr lang="de-CH" dirty="0" smtClean="0"/>
+              <a:t>Umsetzung des Spiels </a:t>
+            </a:r>
+            <a:r>
+              <a:rPr lang="de-CH" dirty="0" err="1" smtClean="0"/>
+              <a:t>Reversi</a:t>
+            </a:r>
+            <a:r>
+              <a:rPr lang="de-CH" dirty="0" smtClean="0"/>
+              <a:t> als HTML5 </a:t>
+            </a:r>
+            <a:r>
+              <a:rPr lang="de-CH" dirty="0" err="1" smtClean="0"/>
+              <a:t>WebApp</a:t>
+            </a:r>
+            <a:r>
+              <a:rPr lang="de-CH" dirty="0" smtClean="0"/>
+              <a:t> </a:t>
+            </a:r>
+          </a:p>
+          <a:p>
+            <a:r>
+              <a:rPr lang="de-CH" dirty="0" smtClean="0"/>
+              <a:t>3 Spielmodi:</a:t>
+            </a:r>
+          </a:p>
+          <a:p>
+            <a:pPr lvl="1">
+              <a:buFont typeface="Arial" panose="020B0604020202020204" pitchFamily="34" charset="0"/>
+              <a:buChar char="•"/>
+            </a:pPr>
+            <a:r>
+              <a:rPr lang="de-CH" dirty="0" smtClean="0"/>
+              <a:t>Lokal 2 Spieler</a:t>
+            </a:r>
+          </a:p>
+          <a:p>
+            <a:pPr lvl="1">
+              <a:buFont typeface="Arial" panose="020B0604020202020204" pitchFamily="34" charset="0"/>
+              <a:buChar char="•"/>
+            </a:pPr>
+            <a:r>
+              <a:rPr lang="de-CH" dirty="0" smtClean="0"/>
+              <a:t>Lokal Spieler vs. Computer</a:t>
+            </a:r>
+          </a:p>
+          <a:p>
+            <a:pPr lvl="1">
+              <a:buFont typeface="Arial" panose="020B0604020202020204" pitchFamily="34" charset="0"/>
+              <a:buChar char="•"/>
+            </a:pPr>
+            <a:r>
+              <a:rPr lang="de-CH" dirty="0" smtClean="0"/>
+              <a:t>Online</a:t>
+            </a:r>
+          </a:p>
+          <a:p>
+            <a:pPr lvl="1">
+              <a:buFont typeface="Arial" panose="020B0604020202020204" pitchFamily="34" charset="0"/>
+              <a:buChar char="•"/>
+            </a:pPr>
+            <a:r>
+              <a:rPr lang="de-CH" dirty="0" smtClean="0"/>
+              <a:t>Ab Grösse Smartphone</a:t>
+            </a:r>
+            <a:endParaRPr lang="de-CH" dirty="0" smtClean="0"/>
+          </a:p>
+          <a:p>
+            <a:r>
+              <a:rPr lang="de-CH" dirty="0" smtClean="0"/>
+              <a:t>Statistiken / Rangliste</a:t>
+            </a:r>
+          </a:p>
+          <a:p>
+            <a:r>
+              <a:rPr lang="de-CH" dirty="0" smtClean="0"/>
+              <a:t>Div. Einstellungen (Darstellung, Avatars, …)</a:t>
+            </a:r>
+            <a:endParaRPr lang="de-CH" dirty="0"/>
+          </a:p>
+        </p:txBody>
+      </p:sp>
+      <p:pic>
+        <p:nvPicPr>
+          <p:cNvPr id="4" name="Picture 2" descr="C:\Users\grrd\Documents\HTML5\Reversi\build\images\logo.png"/>
+          <p:cNvPicPr>
+            <a:picLocks noChangeAspect="1" noChangeArrowheads="1"/>
+          </p:cNvPicPr>
+          <p:nvPr/>
+        </p:nvPicPr>
+        <p:blipFill>
+          <a:blip r:embed="rId2" cstate="print">
+            <a:extLst>
+              <a:ext uri="{28A0092B-C50C-407E-A947-70E740481C1C}">
+                <a14:useLocalDpi xmlns:a14="http://schemas.microsoft.com/office/drawing/2010/main" val="0"/>
+              </a:ext>
+            </a:extLst>
+          </a:blip>
+          <a:srcRect/>
+          <a:stretch>
+            <a:fillRect/>
+          </a:stretch>
+        </p:blipFill>
+        <p:spPr bwMode="auto">
+          <a:xfrm>
+            <a:off x="6186550" y="548680"/>
+            <a:ext cx="2611490" cy="576064"/>
+          </a:xfrm>
+          <a:prstGeom prst="rect">
+            <a:avLst/>
+          </a:prstGeom>
+          <a:noFill/>
+          <a:effectLst>
+            <a:outerShdw blurRad="50800" dist="38100" dir="2700000" algn="tl" rotWithShape="0">
+              <a:prstClr val="black">
+                <a:alpha val="40000"/>
+              </a:prstClr>
+            </a:outerShdw>
+          </a:effectLst>
+          <a:extLst>
+            <a:ext uri="{909E8E84-426E-40DD-AFC4-6F175D3DCCD1}">
+              <a14:hiddenFill xmlns:a14="http://schemas.microsoft.com/office/drawing/2010/main">
+                <a:solidFill>
+                  <a:srgbClr val="FFFFFF"/>
+                </a:solidFill>
+              </a14:hiddenFill>
+            </a:ext>
+          </a:extLst>
+        </p:spPr>
+      </p:pic>
+    </p:spTree>
+    <p:extLst>
+      <p:ext uri="{BB962C8B-B14F-4D97-AF65-F5344CB8AC3E}">
+        <p14:creationId xmlns:p14="http://schemas.microsoft.com/office/powerpoint/2010/main" val="3194576165"/>
+      </p:ext>
+    </p:extLst>
+  </p:cSld>
+  <p:clrMapOvr>
+    <a:masterClrMapping/>
+  </p:clrMapOvr>
+  <p:timing>
+    <p:tnLst>
+      <p:par>
+        <p:cTn id="1" dur="indefinite" restart="never" nodeType="tmRoot"/>
+      </p:par>
+    </p:tnLst>
+  </p:timing>
+</p:sld>
+</file>
+
+<file path=ppt/slides/slide20.xml><?xml version="1.0" encoding="utf-8"?>
+<p:sld xmlns:a="http://schemas.openxmlformats.org/drawingml/2006/main" xmlns:r="http://schemas.openxmlformats.org/officeDocument/2006/relationships" xmlns:p="http://schemas.openxmlformats.org/presentationml/2006/main">
+  <p:cSld>
+    <p:bg>
+      <p:bgPr>
+        <a:gradFill>
+          <a:gsLst>
+            <a:gs pos="0">
+              <a:schemeClr val="tx2">
+                <a:lumMod val="75000"/>
+              </a:schemeClr>
+            </a:gs>
+            <a:gs pos="17000">
+              <a:schemeClr val="tx2">
+                <a:lumMod val="60000"/>
+                <a:lumOff val="40000"/>
+              </a:schemeClr>
+            </a:gs>
+            <a:gs pos="47000">
+              <a:schemeClr val="tx2">
+                <a:lumMod val="40000"/>
+                <a:lumOff val="60000"/>
+              </a:schemeClr>
+            </a:gs>
+          </a:gsLst>
+          <a:lin ang="5400000" scaled="0"/>
+        </a:gradFill>
+        <a:effectLst/>
+      </p:bgPr>
+    </p:bg>
+    <p:spTree>
+      <p:nvGrpSpPr>
+        <p:cNvPr id="1" name=""/>
+        <p:cNvGrpSpPr/>
+        <p:nvPr/>
+      </p:nvGrpSpPr>
+      <p:grpSpPr>
+        <a:xfrm>
+          <a:off x="0" y="0"/>
+          <a:ext cx="0" cy="0"/>
+          <a:chOff x="0" y="0"/>
+          <a:chExt cx="0" cy="0"/>
+        </a:xfrm>
+      </p:grpSpPr>
+      <p:sp>
+        <p:nvSpPr>
+          <p:cNvPr id="2" name="Titel 1"/>
+          <p:cNvSpPr>
+            <a:spLocks noGrp="1"/>
+          </p:cNvSpPr>
+          <p:nvPr>
+            <p:ph type="title"/>
+          </p:nvPr>
+        </p:nvSpPr>
+        <p:spPr>
+          <a:effectLst>
+            <a:outerShdw blurRad="50800" dist="38100" dir="5400000" algn="t" rotWithShape="0">
+              <a:prstClr val="black">
+                <a:alpha val="40000"/>
+              </a:prstClr>
+            </a:outerShdw>
+          </a:effectLst>
+        </p:spPr>
+        <p:txBody>
+          <a:bodyPr/>
+          <a:lstStyle/>
+          <a:p>
+            <a:pPr algn="l"/>
+            <a:r>
+              <a:rPr lang="de-CH" b="1" dirty="0" err="1" smtClean="0">
+                <a:solidFill>
+                  <a:schemeClr val="bg1"/>
+                </a:solidFill>
+              </a:rPr>
               <a:t>let’s</a:t>
             </a:r>
             <a:r>
@@ -4555,7 +7270,6 @@
               <a:rPr lang="de-CH" dirty="0"/>
               <a:t>http://grrd01.github.io/Reversi/</a:t>
             </a:r>
-            <a:endParaRPr lang="de-CH" dirty="0"/>
           </a:p>
         </p:txBody>
       </p:sp>
@@ -4668,261 +7382,6 @@
 </p:sld>
 </file>
 
-<file path=ppt/slides/slide2.xml><?xml version="1.0" encoding="utf-8"?>
-<p:sld xmlns:a="http://schemas.openxmlformats.org/drawingml/2006/main" xmlns:r="http://schemas.openxmlformats.org/officeDocument/2006/relationships" xmlns:p="http://schemas.openxmlformats.org/presentationml/2006/main">
-  <p:cSld>
-    <p:bg>
-      <p:bgPr>
-        <a:gradFill>
-          <a:gsLst>
-            <a:gs pos="0">
-              <a:schemeClr val="tx2">
-                <a:lumMod val="75000"/>
-              </a:schemeClr>
-            </a:gs>
-            <a:gs pos="17000">
-              <a:schemeClr val="tx2">
-                <a:lumMod val="60000"/>
-                <a:lumOff val="40000"/>
-              </a:schemeClr>
-            </a:gs>
-            <a:gs pos="47000">
-              <a:schemeClr val="tx2">
-                <a:lumMod val="40000"/>
-                <a:lumOff val="60000"/>
-              </a:schemeClr>
-            </a:gs>
-          </a:gsLst>
-          <a:lin ang="5400000" scaled="0"/>
-        </a:gradFill>
-        <a:effectLst/>
-      </p:bgPr>
-    </p:bg>
-    <p:spTree>
-      <p:nvGrpSpPr>
-        <p:cNvPr id="1" name=""/>
-        <p:cNvGrpSpPr/>
-        <p:nvPr/>
-      </p:nvGrpSpPr>
-      <p:grpSpPr>
-        <a:xfrm>
-          <a:off x="0" y="0"/>
-          <a:ext cx="0" cy="0"/>
-          <a:chOff x="0" y="0"/>
-          <a:chExt cx="0" cy="0"/>
-        </a:xfrm>
-      </p:grpSpPr>
-      <p:sp>
-        <p:nvSpPr>
-          <p:cNvPr id="2" name="Titel 1"/>
-          <p:cNvSpPr>
-            <a:spLocks noGrp="1"/>
-          </p:cNvSpPr>
-          <p:nvPr>
-            <p:ph type="title"/>
-          </p:nvPr>
-        </p:nvSpPr>
-        <p:spPr>
-          <a:effectLst>
-            <a:outerShdw blurRad="50800" dist="38100" dir="5400000" algn="t" rotWithShape="0">
-              <a:prstClr val="black">
-                <a:alpha val="40000"/>
-              </a:prstClr>
-            </a:outerShdw>
-          </a:effectLst>
-        </p:spPr>
-        <p:txBody>
-          <a:bodyPr/>
-          <a:lstStyle/>
-          <a:p>
-            <a:pPr algn="l"/>
-            <a:r>
-              <a:rPr lang="de-CH" b="1" dirty="0" err="1" smtClean="0">
-                <a:solidFill>
-                  <a:schemeClr val="bg1"/>
-                </a:solidFill>
-              </a:rPr>
-              <a:t>Reversi</a:t>
-            </a:r>
-            <a:r>
-              <a:rPr lang="de-CH" b="1" dirty="0" smtClean="0">
-                <a:solidFill>
-                  <a:schemeClr val="bg1"/>
-                </a:solidFill>
-              </a:rPr>
-              <a:t> Web App</a:t>
-            </a:r>
-            <a:endParaRPr lang="de-CH" b="1" dirty="0">
-              <a:solidFill>
-                <a:schemeClr val="bg1"/>
-              </a:solidFill>
-            </a:endParaRPr>
-          </a:p>
-        </p:txBody>
-      </p:sp>
-      <p:sp>
-        <p:nvSpPr>
-          <p:cNvPr id="3" name="Inhaltsplatzhalter 2"/>
-          <p:cNvSpPr>
-            <a:spLocks noGrp="1"/>
-          </p:cNvSpPr>
-          <p:nvPr>
-            <p:ph idx="1"/>
-          </p:nvPr>
-        </p:nvSpPr>
-        <p:spPr>
-          <a:xfrm>
-            <a:off x="457200" y="1600200"/>
-            <a:ext cx="8435280" cy="4525963"/>
-          </a:xfrm>
-        </p:spPr>
-        <p:txBody>
-          <a:bodyPr/>
-          <a:lstStyle/>
-          <a:p>
-            <a:pPr marL="0" indent="0">
-              <a:buNone/>
-            </a:pPr>
-            <a:r>
-              <a:rPr lang="de-CH" dirty="0" smtClean="0"/>
-              <a:t>Umsetzung des Spiels </a:t>
-            </a:r>
-            <a:r>
-              <a:rPr lang="de-CH" dirty="0" err="1" smtClean="0"/>
-              <a:t>Reversi</a:t>
-            </a:r>
-            <a:r>
-              <a:rPr lang="de-CH" dirty="0" smtClean="0"/>
-              <a:t> als HTML5 </a:t>
-            </a:r>
-            <a:r>
-              <a:rPr lang="de-CH" dirty="0" err="1" smtClean="0"/>
-              <a:t>WebApp</a:t>
-            </a:r>
-            <a:r>
-              <a:rPr lang="de-CH" dirty="0" smtClean="0"/>
-              <a:t> </a:t>
-            </a:r>
-          </a:p>
-          <a:p>
-            <a:r>
-              <a:rPr lang="de-CH" dirty="0" smtClean="0"/>
-              <a:t>3 Spielmodi:</a:t>
-            </a:r>
-          </a:p>
-          <a:p>
-            <a:pPr lvl="1">
-              <a:buFont typeface="Arial" panose="020B0604020202020204" pitchFamily="34" charset="0"/>
-              <a:buChar char="•"/>
-            </a:pPr>
-            <a:r>
-              <a:rPr lang="de-CH" dirty="0" smtClean="0"/>
-              <a:t>Lokal 2 Spieler</a:t>
-            </a:r>
-          </a:p>
-          <a:p>
-            <a:pPr lvl="1">
-              <a:buFont typeface="Arial" panose="020B0604020202020204" pitchFamily="34" charset="0"/>
-              <a:buChar char="•"/>
-            </a:pPr>
-            <a:r>
-              <a:rPr lang="de-CH" dirty="0" smtClean="0"/>
-              <a:t>Lokal Spieler vs. Computer</a:t>
-            </a:r>
-          </a:p>
-          <a:p>
-            <a:pPr lvl="1">
-              <a:buFont typeface="Arial" panose="020B0604020202020204" pitchFamily="34" charset="0"/>
-              <a:buChar char="•"/>
-            </a:pPr>
-            <a:r>
-              <a:rPr lang="de-CH" dirty="0" smtClean="0"/>
-              <a:t>Online</a:t>
-            </a:r>
-          </a:p>
-          <a:p>
-            <a:r>
-              <a:rPr lang="de-CH" dirty="0" smtClean="0"/>
-              <a:t>Statistiken / Rangliste</a:t>
-            </a:r>
-          </a:p>
-          <a:p>
-            <a:r>
-              <a:rPr lang="de-CH" dirty="0" smtClean="0"/>
-              <a:t>Div. Einstellungen (Darstellung, Avatars, …)</a:t>
-            </a:r>
-            <a:endParaRPr lang="de-CH" dirty="0"/>
-          </a:p>
-        </p:txBody>
-      </p:sp>
-      <p:pic>
-        <p:nvPicPr>
-          <p:cNvPr id="4" name="Picture 2" descr="C:\Users\grrd\Documents\HTML5\Reversi\build\images\logo.png"/>
-          <p:cNvPicPr>
-            <a:picLocks noChangeAspect="1" noChangeArrowheads="1"/>
-          </p:cNvPicPr>
-          <p:nvPr/>
-        </p:nvPicPr>
-        <p:blipFill>
-          <a:blip r:embed="rId2" cstate="print">
-            <a:extLst>
-              <a:ext uri="{28A0092B-C50C-407E-A947-70E740481C1C}">
-                <a14:useLocalDpi xmlns:a14="http://schemas.microsoft.com/office/drawing/2010/main" val="0"/>
-              </a:ext>
-            </a:extLst>
-          </a:blip>
-          <a:srcRect/>
-          <a:stretch>
-            <a:fillRect/>
-          </a:stretch>
-        </p:blipFill>
-        <p:spPr bwMode="auto">
-          <a:xfrm>
-            <a:off x="6186550" y="548680"/>
-            <a:ext cx="2611490" cy="576064"/>
-          </a:xfrm>
-          <a:prstGeom prst="rect">
-            <a:avLst/>
-          </a:prstGeom>
-          <a:noFill/>
-          <a:effectLst>
-            <a:outerShdw blurRad="50800" dist="38100" dir="2700000" algn="tl" rotWithShape="0">
-              <a:prstClr val="black">
-                <a:alpha val="40000"/>
-              </a:prstClr>
-            </a:outerShdw>
-          </a:effectLst>
-          <a:extLst>
-            <a:ext uri="{909E8E84-426E-40DD-AFC4-6F175D3DCCD1}">
-              <a14:hiddenFill xmlns:a14="http://schemas.microsoft.com/office/drawing/2010/main">
-                <a:solidFill>
-                  <a:srgbClr val="FFFFFF"/>
-                </a:solidFill>
-              </a14:hiddenFill>
-            </a:ext>
-          </a:extLst>
-        </p:spPr>
-      </p:pic>
-    </p:spTree>
-    <p:extLst>
-      <p:ext uri="{BB962C8B-B14F-4D97-AF65-F5344CB8AC3E}">
-        <p14:creationId xmlns:p14="http://schemas.microsoft.com/office/powerpoint/2010/main" val="3194576165"/>
-      </p:ext>
-    </p:extLst>
-  </p:cSld>
-  <p:clrMapOvr>
-    <a:masterClrMapping/>
-  </p:clrMapOvr>
-  <p:timing>
-    <p:tnLst>
-      <p:par>
-        <p:cTn id="1" dur="indefinite" restart="never" nodeType="tmRoot"/>
-      </p:par>
-    </p:tnLst>
-  </p:timing>
-</p:sld>
-</file>
-
 <file path=ppt/slides/slide3.xml><?xml version="1.0" encoding="utf-8"?>
 <p:sld xmlns:a="http://schemas.openxmlformats.org/drawingml/2006/main" xmlns:r="http://schemas.openxmlformats.org/officeDocument/2006/relationships" xmlns:p="http://schemas.openxmlformats.org/presentationml/2006/main">
   <p:cSld>
@@ -4991,6 +7450,14 @@
           <a:lstStyle/>
           <a:p>
             <a:pPr algn="l"/>
+            <a:r>
+              <a:rPr lang="de-CH" b="1" dirty="0" smtClean="0">
+                <a:solidFill>
+                  <a:schemeClr val="bg1"/>
+                </a:solidFill>
+              </a:rPr>
+              <a:t>Projektaufteilung</a:t>
+            </a:r>
             <a:endParaRPr lang="de-CH" b="1" dirty="0">
               <a:solidFill>
                 <a:schemeClr val="bg1"/>
@@ -5018,6 +7485,111 @@
         <p:txBody>
           <a:bodyPr/>
           <a:lstStyle/>
+          <a:p>
+            <a:pPr marL="0" indent="0">
+              <a:buNone/>
+            </a:pPr>
+            <a:r>
+              <a:rPr lang="de-DE" altLang="de-DE" dirty="0" smtClean="0"/>
+              <a:t>Die Aufgaben wurden grob in drei Bereiche geteilt</a:t>
+            </a:r>
+            <a:endParaRPr lang="de-DE" altLang="de-DE" dirty="0"/>
+          </a:p>
+          <a:p>
+            <a:pPr marL="0" indent="0">
+              <a:buNone/>
+            </a:pPr>
+            <a:endParaRPr lang="de-CH" dirty="0" smtClean="0"/>
+          </a:p>
+          <a:p>
+            <a:pPr lvl="1">
+              <a:buFont typeface="Arial" panose="020B0604020202020204" pitchFamily="34" charset="0"/>
+              <a:buChar char="•"/>
+            </a:pPr>
+            <a:r>
+              <a:rPr lang="de-CH" dirty="0"/>
+              <a:t>GUI				</a:t>
+            </a:r>
+            <a:r>
+              <a:rPr lang="de-CH" dirty="0" smtClean="0"/>
+              <a:t>(Jenzer Ulrich)</a:t>
+            </a:r>
+          </a:p>
+          <a:p>
+            <a:pPr lvl="1">
+              <a:buFont typeface="Arial" panose="020B0604020202020204" pitchFamily="34" charset="0"/>
+              <a:buChar char="•"/>
+            </a:pPr>
+            <a:endParaRPr lang="de-CH" dirty="0"/>
+          </a:p>
+          <a:p>
+            <a:pPr lvl="1">
+              <a:buFont typeface="Arial" panose="020B0604020202020204" pitchFamily="34" charset="0"/>
+              <a:buChar char="•"/>
+            </a:pPr>
+            <a:r>
+              <a:rPr lang="de-CH" dirty="0" smtClean="0"/>
+              <a:t>Server			</a:t>
+            </a:r>
+            <a:r>
+              <a:rPr lang="de-CH" dirty="0"/>
+              <a:t>	</a:t>
+            </a:r>
+            <a:r>
+              <a:rPr lang="de-CH" dirty="0" smtClean="0"/>
+              <a:t>(</a:t>
+            </a:r>
+            <a:r>
+              <a:rPr lang="de-CH" dirty="0" err="1" smtClean="0"/>
+              <a:t>Tyedmers</a:t>
+            </a:r>
+            <a:r>
+              <a:rPr lang="de-CH" dirty="0" smtClean="0"/>
+              <a:t> Gérard)</a:t>
+            </a:r>
+          </a:p>
+          <a:p>
+            <a:pPr lvl="1">
+              <a:buFont typeface="Arial" panose="020B0604020202020204" pitchFamily="34" charset="0"/>
+              <a:buChar char="•"/>
+            </a:pPr>
+            <a:endParaRPr lang="de-CH" dirty="0" smtClean="0"/>
+          </a:p>
+          <a:p>
+            <a:pPr lvl="1">
+              <a:buFont typeface="Arial" panose="020B0604020202020204" pitchFamily="34" charset="0"/>
+              <a:buChar char="•"/>
+            </a:pPr>
+            <a:r>
+              <a:rPr lang="de-CH" dirty="0" smtClean="0"/>
+              <a:t>Logik und Infrastruktur</a:t>
+            </a:r>
+            <a:r>
+              <a:rPr lang="de-CH" dirty="0"/>
+              <a:t>	</a:t>
+            </a:r>
+            <a:r>
+              <a:rPr lang="de-CH" dirty="0" smtClean="0"/>
+              <a:t>(Nguyen </a:t>
+            </a:r>
+            <a:r>
+              <a:rPr lang="de-CH" dirty="0" err="1"/>
+              <a:t>Khoa</a:t>
+            </a:r>
+            <a:r>
+              <a:rPr lang="de-CH" dirty="0"/>
+              <a:t> </a:t>
+            </a:r>
+            <a:r>
+              <a:rPr lang="de-CH" dirty="0" err="1" smtClean="0"/>
+              <a:t>Thien</a:t>
+            </a:r>
+            <a:r>
+              <a:rPr lang="de-CH" dirty="0" smtClean="0"/>
+              <a:t>)</a:t>
+            </a:r>
+            <a:endParaRPr lang="de-CH" dirty="0"/>
+          </a:p>
           <a:p>
             <a:pPr marL="0" indent="0">
               <a:buNone/>
@@ -5163,12 +7735,12 @@
           <a:p>
             <a:pPr algn="l"/>
             <a:r>
-              <a:rPr lang="de-CH" b="1" dirty="0" smtClean="0">
+              <a:rPr lang="de-CH" b="1" dirty="0">
                 <a:solidFill>
                   <a:schemeClr val="bg1"/>
                 </a:solidFill>
               </a:rPr>
-              <a:t>Online Modus</a:t>
+              <a:t>Projektstart</a:t>
             </a:r>
             <a:endParaRPr lang="de-CH" b="1" dirty="0">
               <a:solidFill>
@@ -5201,60 +7773,642 @@
             <a:pPr marL="0" indent="0">
               <a:buNone/>
             </a:pPr>
+            <a:r>
+              <a:rPr lang="de-DE" altLang="de-DE" dirty="0"/>
+              <a:t>Erarbeitung der ersten Layout Vorstellungen</a:t>
+            </a:r>
+          </a:p>
+          <a:p>
+            <a:pPr marL="0" indent="0">
+              <a:buNone/>
+            </a:pPr>
+            <a:endParaRPr lang="de-CH" dirty="0"/>
+          </a:p>
+        </p:txBody>
+      </p:sp>
+      <p:pic>
+        <p:nvPicPr>
+          <p:cNvPr id="4" name="Picture 2" descr="C:\Users\grrd\Documents\HTML5\Reversi\build\images\logo.png"/>
+          <p:cNvPicPr>
+            <a:picLocks noChangeAspect="1" noChangeArrowheads="1"/>
+          </p:cNvPicPr>
+          <p:nvPr/>
+        </p:nvPicPr>
+        <p:blipFill>
+          <a:blip r:embed="rId2" cstate="print">
+            <a:extLst>
+              <a:ext uri="{28A0092B-C50C-407E-A947-70E740481C1C}">
+                <a14:useLocalDpi xmlns:a14="http://schemas.microsoft.com/office/drawing/2010/main" val="0"/>
+              </a:ext>
+            </a:extLst>
+          </a:blip>
+          <a:srcRect/>
+          <a:stretch>
+            <a:fillRect/>
+          </a:stretch>
+        </p:blipFill>
+        <p:spPr bwMode="auto">
+          <a:xfrm>
+            <a:off x="6186550" y="548680"/>
+            <a:ext cx="2611490" cy="576064"/>
+          </a:xfrm>
+          <a:prstGeom prst="rect">
+            <a:avLst/>
+          </a:prstGeom>
+          <a:noFill/>
+          <a:effectLst>
+            <a:outerShdw blurRad="50800" dist="38100" dir="2700000" algn="tl" rotWithShape="0">
+              <a:prstClr val="black">
+                <a:alpha val="40000"/>
+              </a:prstClr>
+            </a:outerShdw>
+          </a:effectLst>
+          <a:extLst>
+            <a:ext uri="{909E8E84-426E-40DD-AFC4-6F175D3DCCD1}">
+              <a14:hiddenFill xmlns:a14="http://schemas.microsoft.com/office/drawing/2010/main">
+                <a:solidFill>
+                  <a:srgbClr val="FFFFFF"/>
+                </a:solidFill>
+              </a14:hiddenFill>
+            </a:ext>
+          </a:extLst>
+        </p:spPr>
+      </p:pic>
+      <p:pic>
+        <p:nvPicPr>
+          <p:cNvPr id="5" name="Grafik 4"/>
+          <p:cNvPicPr>
+            <a:picLocks noChangeAspect="1"/>
+          </p:cNvPicPr>
+          <p:nvPr/>
+        </p:nvPicPr>
+        <p:blipFill>
+          <a:blip r:embed="rId3" cstate="print">
+            <a:extLst>
+              <a:ext uri="{28A0092B-C50C-407E-A947-70E740481C1C}">
+                <a14:useLocalDpi xmlns:a14="http://schemas.microsoft.com/office/drawing/2010/main" val="0"/>
+              </a:ext>
+            </a:extLst>
+          </a:blip>
+          <a:stretch>
+            <a:fillRect/>
+          </a:stretch>
+        </p:blipFill>
+        <p:spPr>
+          <a:xfrm>
+            <a:off x="1331640" y="2266950"/>
+            <a:ext cx="2641600" cy="4185920"/>
+          </a:xfrm>
+          <a:prstGeom prst="rect">
+            <a:avLst/>
+          </a:prstGeom>
+        </p:spPr>
+      </p:pic>
+      <p:pic>
+        <p:nvPicPr>
+          <p:cNvPr id="6" name="Grafik 5"/>
+          <p:cNvPicPr>
+            <a:picLocks noChangeAspect="1"/>
+          </p:cNvPicPr>
+          <p:nvPr/>
+        </p:nvPicPr>
+        <p:blipFill>
+          <a:blip r:embed="rId4" cstate="print">
+            <a:extLst>
+              <a:ext uri="{28A0092B-C50C-407E-A947-70E740481C1C}">
+                <a14:useLocalDpi xmlns:a14="http://schemas.microsoft.com/office/drawing/2010/main" val="0"/>
+              </a:ext>
+            </a:extLst>
+          </a:blip>
+          <a:stretch>
+            <a:fillRect/>
+          </a:stretch>
+        </p:blipFill>
+        <p:spPr>
+          <a:xfrm>
+            <a:off x="4499992" y="2266950"/>
+            <a:ext cx="2898540" cy="4176000"/>
+          </a:xfrm>
+          <a:prstGeom prst="rect">
+            <a:avLst/>
+          </a:prstGeom>
+        </p:spPr>
+      </p:pic>
+    </p:spTree>
+    <p:extLst>
+      <p:ext uri="{BB962C8B-B14F-4D97-AF65-F5344CB8AC3E}">
+        <p14:creationId xmlns:p14="http://schemas.microsoft.com/office/powerpoint/2010/main" val="1204167363"/>
+      </p:ext>
+    </p:extLst>
+  </p:cSld>
+  <p:clrMapOvr>
+    <a:masterClrMapping/>
+  </p:clrMapOvr>
+  <p:timing>
+    <p:tnLst>
+      <p:par>
+        <p:cTn id="1" dur="indefinite" restart="never" nodeType="tmRoot"/>
+      </p:par>
+    </p:tnLst>
+  </p:timing>
+</p:sld>
+</file>
+
+<file path=ppt/slides/slide5.xml><?xml version="1.0" encoding="utf-8"?>
+<p:sld xmlns:a="http://schemas.openxmlformats.org/drawingml/2006/main" xmlns:r="http://schemas.openxmlformats.org/officeDocument/2006/relationships" xmlns:p="http://schemas.openxmlformats.org/presentationml/2006/main">
+  <p:cSld>
+    <p:bg>
+      <p:bgPr>
+        <a:gradFill>
+          <a:gsLst>
+            <a:gs pos="0">
+              <a:schemeClr val="tx2">
+                <a:lumMod val="75000"/>
+              </a:schemeClr>
+            </a:gs>
+            <a:gs pos="17000">
+              <a:schemeClr val="tx2">
+                <a:lumMod val="60000"/>
+                <a:lumOff val="40000"/>
+              </a:schemeClr>
+            </a:gs>
+            <a:gs pos="47000">
+              <a:schemeClr val="tx2">
+                <a:lumMod val="40000"/>
+                <a:lumOff val="60000"/>
+              </a:schemeClr>
+            </a:gs>
+          </a:gsLst>
+          <a:lin ang="5400000" scaled="0"/>
+        </a:gradFill>
+        <a:effectLst/>
+      </p:bgPr>
+    </p:bg>
+    <p:spTree>
+      <p:nvGrpSpPr>
+        <p:cNvPr id="1" name=""/>
+        <p:cNvGrpSpPr/>
+        <p:nvPr/>
+      </p:nvGrpSpPr>
+      <p:grpSpPr>
+        <a:xfrm>
+          <a:off x="0" y="0"/>
+          <a:ext cx="0" cy="0"/>
+          <a:chOff x="0" y="0"/>
+          <a:chExt cx="0" cy="0"/>
+        </a:xfrm>
+      </p:grpSpPr>
+      <p:sp>
+        <p:nvSpPr>
+          <p:cNvPr id="2" name="Titel 1"/>
+          <p:cNvSpPr>
+            <a:spLocks noGrp="1"/>
+          </p:cNvSpPr>
+          <p:nvPr>
+            <p:ph type="title"/>
+          </p:nvPr>
+        </p:nvSpPr>
+        <p:spPr>
+          <a:effectLst>
+            <a:outerShdw blurRad="50800" dist="38100" dir="5400000" algn="t" rotWithShape="0">
+              <a:prstClr val="black">
+                <a:alpha val="40000"/>
+              </a:prstClr>
+            </a:outerShdw>
+          </a:effectLst>
+        </p:spPr>
+        <p:txBody>
+          <a:bodyPr/>
+          <a:lstStyle/>
+          <a:p>
+            <a:pPr algn="l"/>
+            <a:r>
+              <a:rPr lang="de-CH" b="1" dirty="0">
+                <a:solidFill>
+                  <a:schemeClr val="bg1"/>
+                </a:solidFill>
+              </a:rPr>
+              <a:t>Idee </a:t>
+            </a:r>
+            <a:r>
+              <a:rPr lang="de-CH" b="1" dirty="0" smtClean="0">
+                <a:solidFill>
+                  <a:schemeClr val="bg1"/>
+                </a:solidFill>
+              </a:rPr>
+              <a:t>CSS</a:t>
+            </a:r>
+            <a:endParaRPr lang="de-CH" b="1" dirty="0">
+              <a:solidFill>
+                <a:schemeClr val="bg1"/>
+              </a:solidFill>
+            </a:endParaRPr>
+          </a:p>
+        </p:txBody>
+      </p:sp>
+      <p:sp>
+        <p:nvSpPr>
+          <p:cNvPr id="3" name="Inhaltsplatzhalter 2"/>
+          <p:cNvSpPr>
+            <a:spLocks noGrp="1"/>
+          </p:cNvSpPr>
+          <p:nvPr>
+            <p:ph idx="1"/>
+          </p:nvPr>
+        </p:nvSpPr>
+        <p:spPr>
+          <a:xfrm>
+            <a:off x="457200" y="1600200"/>
+            <a:ext cx="8435280" cy="4525963"/>
+          </a:xfrm>
+        </p:spPr>
+        <p:txBody>
+          <a:bodyPr>
+            <a:normAutofit lnSpcReduction="10000"/>
+          </a:bodyPr>
+          <a:lstStyle/>
+          <a:p>
+            <a:pPr marL="0" indent="0">
+              <a:buNone/>
+            </a:pPr>
+            <a:r>
+              <a:rPr lang="de-CH" altLang="de-DE" dirty="0" smtClean="0"/>
+              <a:t>Alle Bildschirmgrössen </a:t>
+            </a:r>
+            <a:r>
+              <a:rPr lang="de-CH" altLang="de-DE" dirty="0"/>
+              <a:t>über CSS anpassen (z.B. Bootstrap</a:t>
+            </a:r>
+            <a:r>
+              <a:rPr lang="de-CH" altLang="de-DE" dirty="0" smtClean="0"/>
+              <a:t>).</a:t>
+            </a:r>
+          </a:p>
+          <a:p>
+            <a:pPr lvl="1">
+              <a:buFont typeface="Arial" panose="020B0604020202020204" pitchFamily="34" charset="0"/>
+              <a:buChar char="•"/>
+            </a:pPr>
+            <a:r>
+              <a:rPr lang="de-CH" dirty="0"/>
+              <a:t>Das funktioniert </a:t>
+            </a:r>
+            <a:r>
+              <a:rPr lang="de-CH" dirty="0" smtClean="0"/>
+              <a:t>gut</a:t>
+            </a:r>
+            <a:endParaRPr lang="de-CH" dirty="0"/>
+          </a:p>
+          <a:p>
+            <a:pPr lvl="1">
+              <a:buFont typeface="Arial" panose="020B0604020202020204" pitchFamily="34" charset="0"/>
+              <a:buChar char="•"/>
+            </a:pPr>
+            <a:r>
+              <a:rPr lang="de-CH" dirty="0"/>
+              <a:t>Wird aber bei feinen Grössenunterschieden zu </a:t>
+            </a:r>
+            <a:r>
+              <a:rPr lang="de-CH" dirty="0" smtClean="0"/>
+              <a:t>grossem </a:t>
+            </a:r>
+            <a:r>
+              <a:rPr lang="de-CH" dirty="0"/>
+              <a:t>Aufwand und zu </a:t>
+            </a:r>
+            <a:r>
+              <a:rPr lang="de-CH" dirty="0" smtClean="0"/>
+              <a:t>nicht wartbaren CSS Daten</a:t>
+            </a:r>
+          </a:p>
+          <a:p>
+            <a:pPr lvl="1">
+              <a:buFont typeface="Arial" panose="020B0604020202020204" pitchFamily="34" charset="0"/>
+              <a:buChar char="•"/>
+            </a:pPr>
+            <a:r>
+              <a:rPr lang="de-CH" dirty="0"/>
+              <a:t>Wir haben uns danach zur </a:t>
+            </a:r>
+            <a:r>
+              <a:rPr lang="de-CH" dirty="0" smtClean="0"/>
+              <a:t>Grössenmanipulation </a:t>
+            </a:r>
+            <a:r>
+              <a:rPr lang="de-CH" dirty="0"/>
+              <a:t>mit </a:t>
+            </a:r>
+            <a:r>
+              <a:rPr lang="de-CH" dirty="0" err="1"/>
+              <a:t>jquery</a:t>
+            </a:r>
+            <a:r>
+              <a:rPr lang="de-CH" dirty="0"/>
+              <a:t> </a:t>
+            </a:r>
+            <a:r>
+              <a:rPr lang="de-CH" dirty="0" smtClean="0"/>
+              <a:t>entschieden</a:t>
+            </a:r>
+          </a:p>
+          <a:p>
+            <a:pPr lvl="1">
+              <a:buFont typeface="Arial" panose="020B0604020202020204" pitchFamily="34" charset="0"/>
+              <a:buChar char="•"/>
+            </a:pPr>
+            <a:r>
+              <a:rPr lang="de-CH" dirty="0"/>
+              <a:t>Maximal Grössen, Farben, Ausrichtungen, usw. </a:t>
+            </a:r>
+            <a:r>
+              <a:rPr lang="de-CH" dirty="0" smtClean="0"/>
+              <a:t>sind </a:t>
+            </a:r>
+            <a:r>
+              <a:rPr lang="de-CH" dirty="0"/>
+              <a:t>in der CSS Datei enthalten</a:t>
+            </a:r>
+            <a:endParaRPr lang="de-CH" dirty="0"/>
+          </a:p>
+        </p:txBody>
+      </p:sp>
+      <p:pic>
+        <p:nvPicPr>
+          <p:cNvPr id="4" name="Picture 2" descr="C:\Users\grrd\Documents\HTML5\Reversi\build\images\logo.png"/>
+          <p:cNvPicPr>
+            <a:picLocks noChangeAspect="1" noChangeArrowheads="1"/>
+          </p:cNvPicPr>
+          <p:nvPr/>
+        </p:nvPicPr>
+        <p:blipFill>
+          <a:blip r:embed="rId2" cstate="print">
+            <a:extLst>
+              <a:ext uri="{28A0092B-C50C-407E-A947-70E740481C1C}">
+                <a14:useLocalDpi xmlns:a14="http://schemas.microsoft.com/office/drawing/2010/main" val="0"/>
+              </a:ext>
+            </a:extLst>
+          </a:blip>
+          <a:srcRect/>
+          <a:stretch>
+            <a:fillRect/>
+          </a:stretch>
+        </p:blipFill>
+        <p:spPr bwMode="auto">
+          <a:xfrm>
+            <a:off x="6186550" y="548680"/>
+            <a:ext cx="2611490" cy="576064"/>
+          </a:xfrm>
+          <a:prstGeom prst="rect">
+            <a:avLst/>
+          </a:prstGeom>
+          <a:noFill/>
+          <a:effectLst>
+            <a:outerShdw blurRad="50800" dist="38100" dir="2700000" algn="tl" rotWithShape="0">
+              <a:prstClr val="black">
+                <a:alpha val="40000"/>
+              </a:prstClr>
+            </a:outerShdw>
+          </a:effectLst>
+          <a:extLst>
+            <a:ext uri="{909E8E84-426E-40DD-AFC4-6F175D3DCCD1}">
+              <a14:hiddenFill xmlns:a14="http://schemas.microsoft.com/office/drawing/2010/main">
+                <a:solidFill>
+                  <a:srgbClr val="FFFFFF"/>
+                </a:solidFill>
+              </a14:hiddenFill>
+            </a:ext>
+          </a:extLst>
+        </p:spPr>
+      </p:pic>
+    </p:spTree>
+    <p:extLst>
+      <p:ext uri="{BB962C8B-B14F-4D97-AF65-F5344CB8AC3E}">
+        <p14:creationId xmlns:p14="http://schemas.microsoft.com/office/powerpoint/2010/main" val="1576481999"/>
+      </p:ext>
+    </p:extLst>
+  </p:cSld>
+  <p:clrMapOvr>
+    <a:masterClrMapping/>
+  </p:clrMapOvr>
+  <p:timing>
+    <p:tnLst>
+      <p:par>
+        <p:cTn id="1" dur="indefinite" restart="never" nodeType="tmRoot"/>
+      </p:par>
+    </p:tnLst>
+  </p:timing>
+</p:sld>
+</file>
+
+<file path=ppt/slides/slide6.xml><?xml version="1.0" encoding="utf-8"?>
+<p:sld xmlns:a="http://schemas.openxmlformats.org/drawingml/2006/main" xmlns:r="http://schemas.openxmlformats.org/officeDocument/2006/relationships" xmlns:p="http://schemas.openxmlformats.org/presentationml/2006/main">
+  <p:cSld>
+    <p:bg>
+      <p:bgPr>
+        <a:gradFill>
+          <a:gsLst>
+            <a:gs pos="0">
+              <a:schemeClr val="tx2">
+                <a:lumMod val="75000"/>
+              </a:schemeClr>
+            </a:gs>
+            <a:gs pos="17000">
+              <a:schemeClr val="tx2">
+                <a:lumMod val="60000"/>
+                <a:lumOff val="40000"/>
+              </a:schemeClr>
+            </a:gs>
+            <a:gs pos="47000">
+              <a:schemeClr val="tx2">
+                <a:lumMod val="40000"/>
+                <a:lumOff val="60000"/>
+              </a:schemeClr>
+            </a:gs>
+          </a:gsLst>
+          <a:lin ang="5400000" scaled="0"/>
+        </a:gradFill>
+        <a:effectLst/>
+      </p:bgPr>
+    </p:bg>
+    <p:spTree>
+      <p:nvGrpSpPr>
+        <p:cNvPr id="1" name=""/>
+        <p:cNvGrpSpPr/>
+        <p:nvPr/>
+      </p:nvGrpSpPr>
+      <p:grpSpPr>
+        <a:xfrm>
+          <a:off x="0" y="0"/>
+          <a:ext cx="0" cy="0"/>
+          <a:chOff x="0" y="0"/>
+          <a:chExt cx="0" cy="0"/>
+        </a:xfrm>
+      </p:grpSpPr>
+      <p:sp>
+        <p:nvSpPr>
+          <p:cNvPr id="2" name="Titel 1"/>
+          <p:cNvSpPr>
+            <a:spLocks noGrp="1"/>
+          </p:cNvSpPr>
+          <p:nvPr>
+            <p:ph type="title"/>
+          </p:nvPr>
+        </p:nvSpPr>
+        <p:spPr>
+          <a:effectLst>
+            <a:outerShdw blurRad="50800" dist="38100" dir="5400000" algn="t" rotWithShape="0">
+              <a:prstClr val="black">
+                <a:alpha val="40000"/>
+              </a:prstClr>
+            </a:outerShdw>
+          </a:effectLst>
+        </p:spPr>
+        <p:txBody>
+          <a:bodyPr/>
+          <a:lstStyle/>
+          <a:p>
+            <a:pPr algn="l"/>
+            <a:r>
+              <a:rPr lang="de-CH" b="1" dirty="0">
+                <a:solidFill>
+                  <a:schemeClr val="bg1"/>
+                </a:solidFill>
+              </a:rPr>
+              <a:t>Idee </a:t>
+            </a:r>
+            <a:r>
+              <a:rPr lang="de-CH" b="1" dirty="0" smtClean="0">
+                <a:solidFill>
+                  <a:schemeClr val="bg1"/>
+                </a:solidFill>
+              </a:rPr>
+              <a:t>Spielgrafik</a:t>
+            </a:r>
+            <a:endParaRPr lang="de-CH" b="1" dirty="0">
+              <a:solidFill>
+                <a:schemeClr val="bg1"/>
+              </a:solidFill>
+            </a:endParaRPr>
+          </a:p>
+        </p:txBody>
+      </p:sp>
+      <p:sp>
+        <p:nvSpPr>
+          <p:cNvPr id="3" name="Inhaltsplatzhalter 2"/>
+          <p:cNvSpPr>
+            <a:spLocks noGrp="1"/>
+          </p:cNvSpPr>
+          <p:nvPr>
+            <p:ph idx="1"/>
+          </p:nvPr>
+        </p:nvSpPr>
+        <p:spPr>
+          <a:xfrm>
+            <a:off x="457200" y="1600200"/>
+            <a:ext cx="8435280" cy="4525963"/>
+          </a:xfrm>
+        </p:spPr>
+        <p:txBody>
+          <a:bodyPr/>
+          <a:lstStyle/>
+          <a:p>
+            <a:pPr marL="0" indent="0">
+              <a:buNone/>
+            </a:pPr>
             <a:endParaRPr lang="de-CH" dirty="0" smtClean="0"/>
           </a:p>
           <a:p>
             <a:r>
-              <a:rPr lang="de-CH" dirty="0" smtClean="0"/>
-              <a:t>Server-Lösung </a:t>
-            </a:r>
-            <a:r>
-              <a:rPr lang="de-CH" dirty="0" smtClean="0"/>
-              <a:t>realisiert mit node.js / socket.io</a:t>
-            </a:r>
-          </a:p>
-          <a:p>
-            <a:r>
-              <a:rPr lang="de-CH" dirty="0" smtClean="0"/>
-              <a:t>Lokaler Server (node.js / </a:t>
-            </a:r>
-            <a:r>
-              <a:rPr lang="de-CH" dirty="0" err="1" smtClean="0"/>
-              <a:t>localhost</a:t>
-            </a:r>
-            <a:r>
-              <a:rPr lang="de-CH" dirty="0" smtClean="0"/>
-              <a:t> )</a:t>
-            </a:r>
-          </a:p>
-          <a:p>
-            <a:r>
-              <a:rPr lang="de-CH" dirty="0" smtClean="0"/>
-              <a:t>Externer Server (</a:t>
-            </a:r>
-            <a:r>
-              <a:rPr lang="de-CH" dirty="0" err="1" smtClean="0"/>
-              <a:t>OpenShift</a:t>
-            </a:r>
-            <a:r>
-              <a:rPr lang="de-CH" dirty="0" smtClean="0"/>
-              <a:t> </a:t>
-            </a:r>
-            <a:r>
-              <a:rPr lang="de-CH" dirty="0" err="1" smtClean="0"/>
-              <a:t>by</a:t>
-            </a:r>
-            <a:r>
-              <a:rPr lang="de-CH" dirty="0" smtClean="0"/>
-              <a:t> </a:t>
-            </a:r>
-            <a:r>
-              <a:rPr lang="de-CH" dirty="0" err="1" smtClean="0"/>
-              <a:t>Redhat</a:t>
-            </a:r>
-            <a:r>
-              <a:rPr lang="de-CH" dirty="0" smtClean="0"/>
-              <a:t>)</a:t>
+              <a:rPr lang="de-CH" dirty="0"/>
+              <a:t>Die </a:t>
+            </a:r>
+            <a:r>
+              <a:rPr lang="de-CH" dirty="0" smtClean="0"/>
+              <a:t>Grafik </a:t>
+            </a:r>
+            <a:r>
+              <a:rPr lang="de-CH" dirty="0"/>
+              <a:t>sollte ohne </a:t>
+            </a:r>
+            <a:r>
+              <a:rPr lang="de-CH" dirty="0" err="1"/>
+              <a:t>canvas</a:t>
+            </a:r>
+            <a:r>
+              <a:rPr lang="de-CH" dirty="0"/>
+              <a:t> Element </a:t>
+            </a:r>
+            <a:r>
+              <a:rPr lang="de-CH" dirty="0" smtClean="0"/>
+              <a:t>auskommen</a:t>
+            </a:r>
+            <a:endParaRPr lang="de-CH" dirty="0" smtClean="0"/>
+          </a:p>
+          <a:p>
+            <a:r>
+              <a:rPr lang="de-CH" dirty="0"/>
+              <a:t>Dafür mit Bildern (</a:t>
+            </a:r>
+            <a:r>
+              <a:rPr lang="de-CH" dirty="0" err="1"/>
+              <a:t>jpg,png</a:t>
+            </a:r>
+            <a:r>
+              <a:rPr lang="de-CH" dirty="0" smtClean="0"/>
+              <a:t>,...)</a:t>
+            </a:r>
+            <a:endParaRPr lang="de-CH" dirty="0" smtClean="0"/>
+          </a:p>
+          <a:p>
+            <a:r>
+              <a:rPr lang="de-CH" dirty="0" smtClean="0"/>
+              <a:t>Die Bilder, z.B. </a:t>
+            </a:r>
+            <a:r>
+              <a:rPr lang="de-CH" dirty="0"/>
+              <a:t>schwarzer </a:t>
+            </a:r>
+            <a:r>
+              <a:rPr lang="de-CH" dirty="0" smtClean="0"/>
+              <a:t>Stein, wird </a:t>
+            </a:r>
+            <a:r>
+              <a:rPr lang="de-CH" dirty="0"/>
+              <a:t>durch </a:t>
+            </a:r>
+            <a:r>
+              <a:rPr lang="de-CH" dirty="0" smtClean="0"/>
+              <a:t>das Attribut </a:t>
+            </a:r>
+            <a:r>
+              <a:rPr lang="de-CH" dirty="0"/>
+              <a:t>(CSS) </a:t>
+            </a:r>
+            <a:r>
+              <a:rPr lang="de-CH" dirty="0" smtClean="0"/>
+              <a:t>sichtbar </a:t>
+            </a:r>
+            <a:r>
+              <a:rPr lang="de-CH" dirty="0"/>
+              <a:t>und </a:t>
+            </a:r>
+            <a:r>
+              <a:rPr lang="de-CH" dirty="0" smtClean="0"/>
+              <a:t>unsichtbar, angezeigt oder eben nicht</a:t>
+            </a:r>
+          </a:p>
+          <a:p>
+            <a:r>
+              <a:rPr lang="de-CH" dirty="0"/>
+              <a:t>Animationen werden über </a:t>
+            </a:r>
+            <a:r>
+              <a:rPr lang="de-CH" dirty="0" err="1"/>
+              <a:t>jquery</a:t>
+            </a:r>
+            <a:r>
+              <a:rPr lang="de-CH" dirty="0"/>
+              <a:t> gemacht</a:t>
             </a:r>
             <a:endParaRPr lang="de-CH" dirty="0"/>
           </a:p>
@@ -5328,7 +8482,7 @@
 </p:sld>
 </file>
 
-<file path=ppt/slides/slide5.xml><?xml version="1.0" encoding="utf-8"?>
+<file path=ppt/slides/slide7.xml><?xml version="1.0" encoding="utf-8"?>
 <p:sld xmlns:a="http://schemas.openxmlformats.org/drawingml/2006/main" xmlns:r="http://schemas.openxmlformats.org/officeDocument/2006/relationships" xmlns:p="http://schemas.openxmlformats.org/presentationml/2006/main">
   <p:cSld>
     <p:bg>
@@ -5397,12 +8551,12 @@
           <a:p>
             <a:pPr algn="l"/>
             <a:r>
-              <a:rPr lang="de-CH" b="1" dirty="0" err="1" smtClean="0">
+              <a:rPr lang="de-CH" b="1" dirty="0">
                 <a:solidFill>
                   <a:schemeClr val="bg1"/>
                 </a:solidFill>
               </a:rPr>
-              <a:t>Oline</a:t>
+              <a:t>Offline </a:t>
             </a:r>
             <a:r>
               <a:rPr lang="de-CH" b="1" dirty="0" smtClean="0">
@@ -5410,200 +8564,7 @@
                   <a:schemeClr val="bg1"/>
                 </a:solidFill>
               </a:rPr>
-              <a:t> Kommunikation</a:t>
-            </a:r>
-            <a:endParaRPr lang="de-CH" b="1" dirty="0">
-              <a:solidFill>
-                <a:schemeClr val="bg1"/>
-              </a:solidFill>
-            </a:endParaRPr>
-          </a:p>
-        </p:txBody>
-      </p:sp>
-      <p:pic>
-        <p:nvPicPr>
-          <p:cNvPr id="4" name="Picture 2" descr="C:\Users\grrd\Documents\HTML5\Reversi\build\images\logo.png"/>
-          <p:cNvPicPr>
-            <a:picLocks noChangeAspect="1" noChangeArrowheads="1"/>
-          </p:cNvPicPr>
-          <p:nvPr/>
-        </p:nvPicPr>
-        <p:blipFill>
-          <a:blip r:embed="rId2" cstate="print">
-            <a:extLst>
-              <a:ext uri="{28A0092B-C50C-407E-A947-70E740481C1C}">
-                <a14:useLocalDpi xmlns:a14="http://schemas.microsoft.com/office/drawing/2010/main" val="0"/>
-              </a:ext>
-            </a:extLst>
-          </a:blip>
-          <a:srcRect/>
-          <a:stretch>
-            <a:fillRect/>
-          </a:stretch>
-        </p:blipFill>
-        <p:spPr bwMode="auto">
-          <a:xfrm>
-            <a:off x="6186550" y="548680"/>
-            <a:ext cx="2611490" cy="576064"/>
-          </a:xfrm>
-          <a:prstGeom prst="rect">
-            <a:avLst/>
-          </a:prstGeom>
-          <a:noFill/>
-          <a:effectLst>
-            <a:outerShdw blurRad="50800" dist="38100" dir="2700000" algn="tl" rotWithShape="0">
-              <a:prstClr val="black">
-                <a:alpha val="40000"/>
-              </a:prstClr>
-            </a:outerShdw>
-          </a:effectLst>
-          <a:extLst>
-            <a:ext uri="{909E8E84-426E-40DD-AFC4-6F175D3DCCD1}">
-              <a14:hiddenFill xmlns:a14="http://schemas.microsoft.com/office/drawing/2010/main">
-                <a:solidFill>
-                  <a:srgbClr val="FFFFFF"/>
-                </a:solidFill>
-              </a14:hiddenFill>
-            </a:ext>
-          </a:extLst>
-        </p:spPr>
-      </p:pic>
-      <p:pic>
-        <p:nvPicPr>
-          <p:cNvPr id="2050" name="Picture 2" descr="C:\Users\grrd\Documents\HTML5\Reversi\resources\reversi_dfd.png"/>
-          <p:cNvPicPr>
-            <a:picLocks noChangeAspect="1" noChangeArrowheads="1"/>
-          </p:cNvPicPr>
-          <p:nvPr/>
-        </p:nvPicPr>
-        <p:blipFill>
-          <a:blip r:embed="rId3">
-            <a:extLst>
-              <a:ext uri="{28A0092B-C50C-407E-A947-70E740481C1C}">
-                <a14:useLocalDpi xmlns:a14="http://schemas.microsoft.com/office/drawing/2010/main" val="0"/>
-              </a:ext>
-            </a:extLst>
-          </a:blip>
-          <a:srcRect/>
-          <a:stretch>
-            <a:fillRect/>
-          </a:stretch>
-        </p:blipFill>
-        <p:spPr bwMode="auto">
-          <a:xfrm>
-            <a:off x="179512" y="1353554"/>
-            <a:ext cx="8784976" cy="5387814"/>
-          </a:xfrm>
-          <a:prstGeom prst="rect">
-            <a:avLst/>
-          </a:prstGeom>
-          <a:noFill/>
-          <a:extLst>
-            <a:ext uri="{909E8E84-426E-40DD-AFC4-6F175D3DCCD1}">
-              <a14:hiddenFill xmlns:a14="http://schemas.microsoft.com/office/drawing/2010/main">
-                <a:solidFill>
-                  <a:srgbClr val="FFFFFF"/>
-                </a:solidFill>
-              </a14:hiddenFill>
-            </a:ext>
-          </a:extLst>
-        </p:spPr>
-      </p:pic>
-    </p:spTree>
-    <p:extLst>
-      <p:ext uri="{BB962C8B-B14F-4D97-AF65-F5344CB8AC3E}">
-        <p14:creationId xmlns:p14="http://schemas.microsoft.com/office/powerpoint/2010/main" val="55059288"/>
-      </p:ext>
-    </p:extLst>
-  </p:cSld>
-  <p:clrMapOvr>
-    <a:masterClrMapping/>
-  </p:clrMapOvr>
-  <p:timing>
-    <p:tnLst>
-      <p:par>
-        <p:cTn id="1" dur="indefinite" restart="never" nodeType="tmRoot"/>
-      </p:par>
-    </p:tnLst>
-  </p:timing>
-</p:sld>
-</file>
-
-<file path=ppt/slides/slide6.xml><?xml version="1.0" encoding="utf-8"?>
-<p:sld xmlns:a="http://schemas.openxmlformats.org/drawingml/2006/main" xmlns:r="http://schemas.openxmlformats.org/officeDocument/2006/relationships" xmlns:p="http://schemas.openxmlformats.org/presentationml/2006/main">
-  <p:cSld>
-    <p:bg>
-      <p:bgPr>
-        <a:gradFill>
-          <a:gsLst>
-            <a:gs pos="0">
-              <a:schemeClr val="tx2">
-                <a:lumMod val="75000"/>
-              </a:schemeClr>
-            </a:gs>
-            <a:gs pos="17000">
-              <a:schemeClr val="tx2">
-                <a:lumMod val="60000"/>
-                <a:lumOff val="40000"/>
-              </a:schemeClr>
-            </a:gs>
-            <a:gs pos="47000">
-              <a:schemeClr val="tx2">
-                <a:lumMod val="40000"/>
-                <a:lumOff val="60000"/>
-              </a:schemeClr>
-            </a:gs>
-          </a:gsLst>
-          <a:lin ang="5400000" scaled="0"/>
-        </a:gradFill>
-        <a:effectLst/>
-      </p:bgPr>
-    </p:bg>
-    <p:spTree>
-      <p:nvGrpSpPr>
-        <p:cNvPr id="1" name=""/>
-        <p:cNvGrpSpPr/>
-        <p:nvPr/>
-      </p:nvGrpSpPr>
-      <p:grpSpPr>
-        <a:xfrm>
-          <a:off x="0" y="0"/>
-          <a:ext cx="0" cy="0"/>
-          <a:chOff x="0" y="0"/>
-          <a:chExt cx="0" cy="0"/>
-        </a:xfrm>
-      </p:grpSpPr>
-      <p:sp>
-        <p:nvSpPr>
-          <p:cNvPr id="2" name="Titel 1"/>
-          <p:cNvSpPr>
-            <a:spLocks noGrp="1"/>
-          </p:cNvSpPr>
-          <p:nvPr>
-            <p:ph type="title"/>
-          </p:nvPr>
-        </p:nvSpPr>
-        <p:spPr>
-          <a:effectLst>
-            <a:outerShdw blurRad="50800" dist="38100" dir="5400000" algn="t" rotWithShape="0">
-              <a:prstClr val="black">
-                <a:alpha val="40000"/>
-              </a:prstClr>
-            </a:outerShdw>
-          </a:effectLst>
-        </p:spPr>
-        <p:txBody>
-          <a:bodyPr/>
-          <a:lstStyle/>
-          <a:p>
-            <a:pPr algn="l"/>
-            <a:r>
-              <a:rPr lang="de-CH" b="1" dirty="0" smtClean="0">
-                <a:solidFill>
-                  <a:schemeClr val="bg1"/>
-                </a:solidFill>
-              </a:rPr>
-              <a:t>Verbindungsaufbau</a:t>
+              <a:t>Spielmode</a:t>
             </a:r>
             <a:endParaRPr lang="de-CH" b="1" dirty="0">
               <a:solidFill>
@@ -5630,29 +8591,51 @@
           </a:xfrm>
         </p:spPr>
         <p:txBody>
-          <a:bodyPr/>
+          <a:bodyPr>
+            <a:normAutofit fontScale="92500" lnSpcReduction="20000"/>
+          </a:bodyPr>
           <a:lstStyle/>
           <a:p>
             <a:pPr marL="0" indent="0">
               <a:buNone/>
             </a:pPr>
-            <a:endParaRPr lang="de-CH" dirty="0" smtClean="0">
-              <a:effectLst/>
-            </a:endParaRPr>
-          </a:p>
-          <a:p>
-            <a:pPr marL="0" indent="0">
-              <a:buNone/>
-            </a:pPr>
-            <a:r>
-              <a:rPr lang="de-CH" dirty="0" smtClean="0">
-                <a:effectLst/>
-              </a:rPr>
-              <a:t>&lt;</a:t>
+            <a:endParaRPr lang="de-CH" dirty="0" smtClean="0"/>
+          </a:p>
+          <a:p>
+            <a:r>
+              <a:rPr lang="de-CH" dirty="0"/>
+              <a:t>Um einen </a:t>
+            </a:r>
+            <a:r>
+              <a:rPr lang="de-CH" dirty="0" smtClean="0"/>
+              <a:t>offline </a:t>
+            </a:r>
+            <a:r>
+              <a:rPr lang="de-CH" dirty="0"/>
+              <a:t>Spielmode zu gewähren, </a:t>
+            </a:r>
+            <a:r>
+              <a:rPr lang="de-CH" dirty="0" smtClean="0"/>
+              <a:t>muss alles direkt </a:t>
+            </a:r>
+            <a:r>
+              <a:rPr lang="de-CH" dirty="0"/>
+              <a:t>im Haupt HTML File geladen </a:t>
+            </a:r>
+            <a:r>
+              <a:rPr lang="de-CH" dirty="0" smtClean="0"/>
+              <a:t>werden</a:t>
+            </a:r>
+            <a:endParaRPr lang="de-CH" dirty="0" smtClean="0"/>
+          </a:p>
+          <a:p>
+            <a:r>
+              <a:rPr lang="de-CH" dirty="0"/>
+              <a:t>Ein nachladen wie bei </a:t>
             </a:r>
             <a:r>
               <a:rPr lang="de-CH" dirty="0" err="1"/>
-              <a:t>script</a:t>
+              <a:t>angularjs</a:t>
             </a:r>
             <a:r>
               <a:rPr lang="de-CH" dirty="0"/>
@@ -5660,153 +8643,75 @@
             </a:r>
             <a:r>
               <a:rPr lang="de-CH" dirty="0" err="1"/>
-              <a:t>src</a:t>
+              <a:t>ui</a:t>
             </a:r>
             <a:r>
               <a:rPr lang="de-CH" dirty="0"/>
-              <a:t>="</a:t>
+              <a:t>-router oder </a:t>
             </a:r>
             <a:r>
               <a:rPr lang="de-CH" dirty="0" err="1"/>
-              <a:t>js</a:t>
+              <a:t>ng-include</a:t>
             </a:r>
             <a:r>
               <a:rPr lang="de-CH" dirty="0"/>
-              <a:t>/</a:t>
-            </a:r>
-            <a:r>
-              <a:rPr lang="de-CH" dirty="0" err="1"/>
-              <a:t>vendor</a:t>
+              <a:t> akzeptieren nicht alle </a:t>
+            </a:r>
+            <a:r>
+              <a:rPr lang="de-CH" dirty="0" smtClean="0"/>
+              <a:t>Browser</a:t>
+            </a:r>
+          </a:p>
+          <a:p>
+            <a:r>
+              <a:rPr lang="de-CH" dirty="0" smtClean="0"/>
+              <a:t>Auch das </a:t>
             </a:r>
             <a:r>
               <a:rPr lang="de-CH" dirty="0"/>
-              <a:t>/</a:t>
-            </a:r>
-            <a:r>
-              <a:rPr lang="de-CH" b="1" dirty="0"/>
-              <a:t>socket.io.js</a:t>
+              <a:t>nachladen von Bildern ist nicht in jedem Browser </a:t>
+            </a:r>
+            <a:r>
+              <a:rPr lang="de-CH" dirty="0" smtClean="0"/>
+              <a:t>erlaubt</a:t>
+            </a:r>
+          </a:p>
+          <a:p>
+            <a:r>
+              <a:rPr lang="de-CH" dirty="0" smtClean="0"/>
+              <a:t>Die Lösung ist nun alles </a:t>
             </a:r>
             <a:r>
               <a:rPr lang="de-CH" dirty="0"/>
-              <a:t>"</a:t>
-            </a:r>
-            <a:r>
-              <a:rPr lang="de-CH" dirty="0" smtClean="0">
-                <a:effectLst/>
-              </a:rPr>
-              <a:t>&gt;&lt;/</a:t>
-            </a:r>
-            <a:r>
-              <a:rPr lang="de-CH" dirty="0" err="1"/>
-              <a:t>script</a:t>
-            </a:r>
-            <a:r>
-              <a:rPr lang="de-CH" dirty="0" smtClean="0">
-                <a:effectLst/>
-              </a:rPr>
-              <a:t>&gt;</a:t>
-            </a:r>
-            <a:endParaRPr lang="de-CH" dirty="0"/>
-          </a:p>
-          <a:p>
-            <a:pPr marL="0" indent="0">
-              <a:buNone/>
-            </a:pPr>
-            <a:endParaRPr lang="de-CH" dirty="0"/>
-          </a:p>
-          <a:p>
-            <a:pPr marL="0" indent="0">
-              <a:buNone/>
-            </a:pPr>
-            <a:r>
-              <a:rPr lang="de-CH" dirty="0" err="1" smtClean="0"/>
-              <a:t>connect</a:t>
-            </a:r>
-            <a:r>
-              <a:rPr lang="de-CH" dirty="0" smtClean="0"/>
-              <a:t> = </a:t>
-            </a:r>
-            <a:r>
-              <a:rPr lang="de-CH" b="1" dirty="0" err="1"/>
-              <a:t>function</a:t>
-            </a:r>
-            <a:r>
-              <a:rPr lang="de-CH" b="1" dirty="0"/>
-              <a:t> </a:t>
-            </a:r>
-            <a:r>
-              <a:rPr lang="de-CH" dirty="0" smtClean="0"/>
-              <a:t>() {</a:t>
-            </a:r>
-            <a:br>
-              <a:rPr lang="de-CH" dirty="0" smtClean="0"/>
-            </a:br>
-            <a:r>
-              <a:rPr lang="de-CH" dirty="0" smtClean="0"/>
-              <a:t>    </a:t>
-            </a:r>
-            <a:r>
-              <a:rPr lang="de-CH" b="1" dirty="0" smtClean="0"/>
-              <a:t>socket </a:t>
-            </a:r>
-            <a:r>
-              <a:rPr lang="de-CH" dirty="0" smtClean="0"/>
-              <a:t>= </a:t>
-            </a:r>
-            <a:r>
-              <a:rPr lang="de-CH" b="1" i="1" dirty="0" err="1"/>
-              <a:t>io</a:t>
-            </a:r>
-            <a:r>
-              <a:rPr lang="de-CH" b="1" dirty="0" err="1" smtClean="0"/>
-              <a:t>.</a:t>
-            </a:r>
-            <a:r>
-              <a:rPr lang="de-CH" b="1" dirty="0" err="1"/>
-              <a:t>connect</a:t>
-            </a:r>
-            <a:r>
-              <a:rPr lang="de-CH" dirty="0" smtClean="0"/>
-              <a:t>(</a:t>
+              <a:t>beim starten </a:t>
+            </a:r>
+            <a:r>
+              <a:rPr lang="de-CH" dirty="0" smtClean="0"/>
+              <a:t>laden und </a:t>
             </a:r>
             <a:r>
               <a:rPr lang="de-CH" dirty="0"/>
-              <a:t>'http://localhost:3000</a:t>
-            </a:r>
-            <a:r>
-              <a:rPr lang="de-CH" dirty="0" smtClean="0"/>
-              <a:t>',</a:t>
-            </a:r>
-            <a:br>
-              <a:rPr lang="de-CH" dirty="0" smtClean="0"/>
-            </a:br>
-            <a:r>
-              <a:rPr lang="de-CH" dirty="0" smtClean="0"/>
-              <a:t>    {</a:t>
+              <a:t>danach je nach </a:t>
+            </a:r>
+            <a:r>
+              <a:rPr lang="de-CH" dirty="0" smtClean="0"/>
+              <a:t>Seite und Status, die Ansichten sichtbar </a:t>
             </a:r>
             <a:r>
               <a:rPr lang="de-CH" dirty="0"/>
-              <a:t>'</a:t>
-            </a:r>
-            <a:r>
-              <a:rPr lang="de-CH" dirty="0" err="1"/>
-              <a:t>forceNew</a:t>
+              <a:t>oder </a:t>
+            </a:r>
+            <a:r>
+              <a:rPr lang="de-CH" dirty="0" smtClean="0"/>
+              <a:t>unsichtbar </a:t>
             </a:r>
             <a:r>
               <a:rPr lang="de-CH" dirty="0"/>
-              <a:t>'</a:t>
-            </a:r>
-            <a:r>
-              <a:rPr lang="de-CH" dirty="0" smtClean="0"/>
-              <a:t>: </a:t>
-            </a:r>
-            <a:r>
-              <a:rPr lang="de-CH" dirty="0" err="1"/>
-              <a:t>true</a:t>
-            </a:r>
-            <a:r>
-              <a:rPr lang="de-CH" dirty="0" smtClean="0"/>
-              <a:t>});</a:t>
+              <a:t>(CSS) </a:t>
+            </a:r>
+            <a:r>
+              <a:rPr lang="de-CH" dirty="0" smtClean="0"/>
+              <a:t>machen</a:t>
             </a:r>
             <a:endParaRPr lang="de-CH" dirty="0"/>
           </a:p>
@@ -5863,407 +8768,7 @@
     </p:spTree>
     <p:extLst>
       <p:ext uri="{BB962C8B-B14F-4D97-AF65-F5344CB8AC3E}">
-        <p14:creationId xmlns:p14="http://schemas.microsoft.com/office/powerpoint/2010/main" val="481605215"/>
-      </p:ext>
-    </p:extLst>
-  </p:cSld>
-  <p:clrMapOvr>
-    <a:masterClrMapping/>
-  </p:clrMapOvr>
-  <p:timing>
-    <p:tnLst>
-      <p:par>
-        <p:cTn id="1" dur="indefinite" restart="never" nodeType="tmRoot"/>
-      </p:par>
-    </p:tnLst>
-  </p:timing>
-</p:sld>
-</file>
-
-<file path=ppt/slides/slide7.xml><?xml version="1.0" encoding="utf-8"?>
-<p:sld xmlns:a="http://schemas.openxmlformats.org/drawingml/2006/main" xmlns:r="http://schemas.openxmlformats.org/officeDocument/2006/relationships" xmlns:p="http://schemas.openxmlformats.org/presentationml/2006/main">
-  <p:cSld>
-    <p:bg>
-      <p:bgPr>
-        <a:gradFill>
-          <a:gsLst>
-            <a:gs pos="0">
-              <a:schemeClr val="tx2">
-                <a:lumMod val="75000"/>
-              </a:schemeClr>
-            </a:gs>
-            <a:gs pos="17000">
-              <a:schemeClr val="tx2">
-                <a:lumMod val="60000"/>
-                <a:lumOff val="40000"/>
-              </a:schemeClr>
-            </a:gs>
-            <a:gs pos="47000">
-              <a:schemeClr val="tx2">
-                <a:lumMod val="40000"/>
-                <a:lumOff val="60000"/>
-              </a:schemeClr>
-            </a:gs>
-          </a:gsLst>
-          <a:lin ang="5400000" scaled="0"/>
-        </a:gradFill>
-        <a:effectLst/>
-      </p:bgPr>
-    </p:bg>
-    <p:spTree>
-      <p:nvGrpSpPr>
-        <p:cNvPr id="1" name=""/>
-        <p:cNvGrpSpPr/>
-        <p:nvPr/>
-      </p:nvGrpSpPr>
-      <p:grpSpPr>
-        <a:xfrm>
-          <a:off x="0" y="0"/>
-          <a:ext cx="0" cy="0"/>
-          <a:chOff x="0" y="0"/>
-          <a:chExt cx="0" cy="0"/>
-        </a:xfrm>
-      </p:grpSpPr>
-      <p:sp>
-        <p:nvSpPr>
-          <p:cNvPr id="2" name="Titel 1"/>
-          <p:cNvSpPr>
-            <a:spLocks noGrp="1"/>
-          </p:cNvSpPr>
-          <p:nvPr>
-            <p:ph type="title"/>
-          </p:nvPr>
-        </p:nvSpPr>
-        <p:spPr>
-          <a:effectLst>
-            <a:outerShdw blurRad="50800" dist="38100" dir="5400000" algn="t" rotWithShape="0">
-              <a:prstClr val="black">
-                <a:alpha val="40000"/>
-              </a:prstClr>
-            </a:outerShdw>
-          </a:effectLst>
-        </p:spPr>
-        <p:txBody>
-          <a:bodyPr/>
-          <a:lstStyle/>
-          <a:p>
-            <a:pPr algn="l"/>
-            <a:r>
-              <a:rPr lang="de-CH" b="1" dirty="0" smtClean="0">
-                <a:solidFill>
-                  <a:schemeClr val="bg1"/>
-                </a:solidFill>
-              </a:rPr>
-              <a:t>Server </a:t>
-            </a:r>
-            <a:r>
-              <a:rPr lang="de-CH" b="1" dirty="0" smtClean="0">
-                <a:solidFill>
-                  <a:schemeClr val="bg1"/>
-                </a:solidFill>
-              </a:rPr>
-              <a:t>Side Script</a:t>
-            </a:r>
-            <a:endParaRPr lang="de-CH" b="1" dirty="0">
-              <a:solidFill>
-                <a:schemeClr val="bg1"/>
-              </a:solidFill>
-            </a:endParaRPr>
-          </a:p>
-        </p:txBody>
-      </p:sp>
-      <p:sp>
-        <p:nvSpPr>
-          <p:cNvPr id="3" name="Inhaltsplatzhalter 2"/>
-          <p:cNvSpPr>
-            <a:spLocks noGrp="1"/>
-          </p:cNvSpPr>
-          <p:nvPr>
-            <p:ph idx="1"/>
-          </p:nvPr>
-        </p:nvSpPr>
-        <p:spPr>
-          <a:xfrm>
-            <a:off x="457200" y="1600200"/>
-            <a:ext cx="8435280" cy="4525963"/>
-          </a:xfrm>
-        </p:spPr>
-        <p:txBody>
-          <a:bodyPr>
-            <a:normAutofit lnSpcReduction="10000"/>
-          </a:bodyPr>
-          <a:lstStyle/>
-          <a:p>
-            <a:pPr marL="0" indent="0">
-              <a:buNone/>
-            </a:pPr>
-            <a:endParaRPr lang="de-CH" dirty="0" smtClean="0"/>
-          </a:p>
-          <a:p>
-            <a:pPr marL="0" indent="0">
-              <a:buNone/>
-            </a:pPr>
-            <a:r>
-              <a:rPr lang="en-US" dirty="0" err="1"/>
-              <a:t>io</a:t>
-            </a:r>
-            <a:r>
-              <a:rPr lang="en-US" dirty="0" err="1" smtClean="0"/>
-              <a:t>.</a:t>
-            </a:r>
-            <a:r>
-              <a:rPr lang="en-US" dirty="0" err="1"/>
-              <a:t>on</a:t>
-            </a:r>
-            <a:r>
-              <a:rPr lang="en-US" dirty="0" smtClean="0"/>
-              <a:t>(</a:t>
-            </a:r>
-            <a:r>
-              <a:rPr lang="en-US" b="1" dirty="0"/>
-              <a:t>'connection'</a:t>
-            </a:r>
-            <a:r>
-              <a:rPr lang="en-US" dirty="0" smtClean="0"/>
-              <a:t>, </a:t>
-            </a:r>
-            <a:r>
-              <a:rPr lang="en-US" b="1" dirty="0"/>
-              <a:t>function</a:t>
-            </a:r>
-            <a:r>
-              <a:rPr lang="en-US" dirty="0" smtClean="0"/>
-              <a:t>(socket){</a:t>
-            </a:r>
-            <a:br>
-              <a:rPr lang="en-US" dirty="0" smtClean="0"/>
-            </a:br>
-            <a:r>
-              <a:rPr lang="en-US" dirty="0" smtClean="0"/>
-              <a:t>    </a:t>
-            </a:r>
-            <a:r>
-              <a:rPr lang="en-US" i="1" dirty="0"/>
-              <a:t>// create a new user</a:t>
-            </a:r>
-            <a:br>
-              <a:rPr lang="en-US" i="1" dirty="0"/>
-            </a:br>
-            <a:r>
-              <a:rPr lang="en-US" i="1" dirty="0"/>
-              <a:t>    </a:t>
-            </a:r>
-            <a:r>
-              <a:rPr lang="en-US" dirty="0" err="1"/>
-              <a:t>var</a:t>
-            </a:r>
-            <a:r>
-              <a:rPr lang="en-US" b="1" dirty="0"/>
-              <a:t> user</a:t>
-            </a:r>
-            <a:r>
-              <a:rPr lang="en-US" dirty="0"/>
-              <a:t> </a:t>
-            </a:r>
-            <a:r>
-              <a:rPr lang="en-US" dirty="0" smtClean="0"/>
-              <a:t>= {</a:t>
-            </a:r>
-            <a:br>
-              <a:rPr lang="en-US" dirty="0" smtClean="0"/>
-            </a:br>
-            <a:r>
-              <a:rPr lang="en-US" dirty="0" smtClean="0"/>
-              <a:t>        </a:t>
-            </a:r>
-            <a:r>
-              <a:rPr lang="en-US" b="1" dirty="0"/>
-              <a:t>id</a:t>
-            </a:r>
-            <a:r>
-              <a:rPr lang="en-US" dirty="0" smtClean="0"/>
-              <a:t>: socket.</a:t>
-            </a:r>
-            <a:r>
-              <a:rPr lang="en-US" dirty="0"/>
-              <a:t>id</a:t>
-            </a:r>
-            <a:r>
-              <a:rPr lang="en-US" dirty="0" smtClean="0"/>
-              <a:t>, </a:t>
-            </a:r>
-            <a:r>
-              <a:rPr lang="en-US" i="1" dirty="0"/>
-              <a:t/>
-            </a:r>
-            <a:br>
-              <a:rPr lang="en-US" i="1" dirty="0"/>
-            </a:br>
-            <a:r>
-              <a:rPr lang="en-US" i="1" dirty="0"/>
-              <a:t>        </a:t>
-            </a:r>
-            <a:r>
-              <a:rPr lang="en-US" b="1" dirty="0"/>
-              <a:t>name</a:t>
-            </a:r>
-            <a:r>
-              <a:rPr lang="en-US" dirty="0" smtClean="0"/>
-              <a:t>: </a:t>
-            </a:r>
-            <a:r>
-              <a:rPr lang="en-US" dirty="0"/>
-              <a:t>null</a:t>
-            </a:r>
-            <a:r>
-              <a:rPr lang="en-US" dirty="0" smtClean="0"/>
-              <a:t>,    </a:t>
-            </a:r>
-            <a:r>
-              <a:rPr lang="en-US" i="1" dirty="0"/>
-              <a:t/>
-            </a:r>
-            <a:br>
-              <a:rPr lang="en-US" i="1" dirty="0"/>
-            </a:br>
-            <a:r>
-              <a:rPr lang="en-US" i="1" dirty="0"/>
-              <a:t>        </a:t>
-            </a:r>
-            <a:r>
-              <a:rPr lang="en-US" b="1" dirty="0"/>
-              <a:t>opponent</a:t>
-            </a:r>
-            <a:r>
-              <a:rPr lang="en-US" dirty="0" smtClean="0"/>
-              <a:t>: null</a:t>
-            </a:r>
-            <a:r>
-              <a:rPr lang="en-US" i="1" dirty="0"/>
-              <a:t/>
-            </a:r>
-            <a:br>
-              <a:rPr lang="en-US" i="1" dirty="0"/>
-            </a:br>
-            <a:r>
-              <a:rPr lang="en-US" i="1" dirty="0"/>
-              <a:t>    </a:t>
-            </a:r>
-            <a:r>
-              <a:rPr lang="en-US" dirty="0" smtClean="0"/>
-              <a:t>};</a:t>
-            </a:r>
-            <a:br>
-              <a:rPr lang="en-US" dirty="0" smtClean="0"/>
-            </a:br>
-            <a:r>
-              <a:rPr lang="en-US" dirty="0" smtClean="0"/>
-              <a:t>    </a:t>
-            </a:r>
-            <a:r>
-              <a:rPr lang="en-US" dirty="0"/>
-              <a:t>io</a:t>
-            </a:r>
-            <a:r>
-              <a:rPr lang="en-US" dirty="0" smtClean="0"/>
-              <a:t>.</a:t>
-            </a:r>
-            <a:r>
-              <a:rPr lang="en-US" dirty="0"/>
-              <a:t>to</a:t>
-            </a:r>
-            <a:r>
-              <a:rPr lang="en-US" dirty="0" smtClean="0"/>
-              <a:t>(socket.</a:t>
-            </a:r>
-            <a:r>
-              <a:rPr lang="en-US" dirty="0"/>
-              <a:t>id</a:t>
-            </a:r>
-            <a:r>
-              <a:rPr lang="en-US" dirty="0" smtClean="0"/>
-              <a:t>).</a:t>
-            </a:r>
-            <a:r>
-              <a:rPr lang="en-US" dirty="0"/>
-              <a:t>emit</a:t>
-            </a:r>
-            <a:r>
-              <a:rPr lang="en-US" dirty="0" smtClean="0"/>
-              <a:t>(</a:t>
-            </a:r>
-            <a:r>
-              <a:rPr lang="en-US" b="1" dirty="0"/>
-              <a:t>"connected"</a:t>
-            </a:r>
-            <a:r>
-              <a:rPr lang="en-US" dirty="0" smtClean="0"/>
-              <a:t>, </a:t>
-            </a:r>
-            <a:r>
-              <a:rPr lang="en-US" dirty="0"/>
-              <a:t>user</a:t>
-            </a:r>
-            <a:r>
-              <a:rPr lang="en-US" dirty="0" smtClean="0"/>
-              <a:t>);</a:t>
-            </a:r>
-            <a:endParaRPr lang="de-CH" dirty="0"/>
-          </a:p>
-        </p:txBody>
-      </p:sp>
-      <p:pic>
-        <p:nvPicPr>
-          <p:cNvPr id="4" name="Picture 2" descr="C:\Users\grrd\Documents\HTML5\Reversi\build\images\logo.png"/>
-          <p:cNvPicPr>
-            <a:picLocks noChangeAspect="1" noChangeArrowheads="1"/>
-          </p:cNvPicPr>
-          <p:nvPr/>
-        </p:nvPicPr>
-        <p:blipFill>
-          <a:blip r:embed="rId2" cstate="print">
-            <a:extLst>
-              <a:ext uri="{28A0092B-C50C-407E-A947-70E740481C1C}">
-                <a14:useLocalDpi xmlns:a14="http://schemas.microsoft.com/office/drawing/2010/main" val="0"/>
-              </a:ext>
-            </a:extLst>
-          </a:blip>
-          <a:srcRect/>
-          <a:stretch>
-            <a:fillRect/>
-          </a:stretch>
-        </p:blipFill>
-        <p:spPr bwMode="auto">
-          <a:xfrm>
-            <a:off x="6186550" y="548680"/>
-            <a:ext cx="2611490" cy="576064"/>
-          </a:xfrm>
-          <a:prstGeom prst="rect">
-            <a:avLst/>
-          </a:prstGeom>
-          <a:noFill/>
-          <a:effectLst>
-            <a:outerShdw blurRad="50800" dist="38100" dir="2700000" algn="tl" rotWithShape="0">
-              <a:prstClr val="black">
-                <a:alpha val="40000"/>
-              </a:prstClr>
-            </a:outerShdw>
-          </a:effectLst>
-          <a:extLst>
-            <a:ext uri="{909E8E84-426E-40DD-AFC4-6F175D3DCCD1}">
-              <a14:hiddenFill xmlns:a14="http://schemas.microsoft.com/office/drawing/2010/main">
-                <a:solidFill>
-                  <a:srgbClr val="FFFFFF"/>
-                </a:solidFill>
-              </a14:hiddenFill>
-            </a:ext>
-          </a:extLst>
-        </p:spPr>
-      </p:pic>
-    </p:spTree>
-    <p:extLst>
-      <p:ext uri="{BB962C8B-B14F-4D97-AF65-F5344CB8AC3E}">
-        <p14:creationId xmlns:p14="http://schemas.microsoft.com/office/powerpoint/2010/main" val="338842572"/>
+        <p14:creationId xmlns:p14="http://schemas.microsoft.com/office/powerpoint/2010/main" val="3550372615"/>
       </p:ext>
     </p:extLst>
   </p:cSld>
@@ -6344,17 +8849,19 @@
           </a:effectLst>
         </p:spPr>
         <p:txBody>
-          <a:bodyPr/>
+          <a:bodyPr>
+            <a:normAutofit/>
+          </a:bodyPr>
           <a:lstStyle/>
           <a:p>
             <a:pPr algn="l"/>
             <a:r>
-              <a:rPr lang="de-CH" b="1" dirty="0" smtClean="0">
+              <a:rPr lang="de-CH" b="1" dirty="0">
                 <a:solidFill>
                   <a:schemeClr val="bg1"/>
                 </a:solidFill>
               </a:rPr>
-              <a:t>Client Event</a:t>
+              <a:t>Client Architektur</a:t>
             </a:r>
             <a:endParaRPr lang="de-CH" b="1" dirty="0">
               <a:solidFill>
@@ -6382,96 +8889,117 @@
         </p:spPr>
         <p:txBody>
           <a:bodyPr>
-            <a:normAutofit/>
+            <a:normAutofit lnSpcReduction="10000"/>
           </a:bodyPr>
           <a:lstStyle/>
           <a:p>
-            <a:pPr marL="0" indent="0">
-              <a:buNone/>
+            <a:r>
+              <a:rPr lang="de-CH" dirty="0" smtClean="0"/>
+              <a:t>Die Client Architektur baut auf </a:t>
+            </a:r>
+            <a:r>
+              <a:rPr lang="de-CH" dirty="0" err="1" smtClean="0"/>
+              <a:t>angularjs</a:t>
+            </a:r>
+            <a:r>
+              <a:rPr lang="de-CH" dirty="0" smtClean="0"/>
+              <a:t> auf</a:t>
+            </a:r>
+            <a:endParaRPr lang="de-CH" dirty="0"/>
+          </a:p>
+          <a:p>
+            <a:pPr lvl="1">
+              <a:buFont typeface="Arial" panose="020B0604020202020204" pitchFamily="34" charset="0"/>
+              <a:buChar char="•"/>
             </a:pPr>
-            <a:endParaRPr lang="de-CH" b="1" dirty="0" smtClean="0"/>
-          </a:p>
-          <a:p>
-            <a:pPr marL="0" indent="0">
-              <a:buNone/>
+            <a:r>
+              <a:rPr lang="de-CH" dirty="0"/>
+              <a:t>Ein </a:t>
+            </a:r>
+            <a:r>
+              <a:rPr lang="de-CH" dirty="0" smtClean="0"/>
+              <a:t>Modul</a:t>
+            </a:r>
+          </a:p>
+          <a:p>
+            <a:pPr lvl="1">
+              <a:buFont typeface="Arial" panose="020B0604020202020204" pitchFamily="34" charset="0"/>
+              <a:buChar char="•"/>
             </a:pPr>
+            <a:r>
+              <a:rPr lang="de-CH" dirty="0"/>
+              <a:t>Ein </a:t>
+            </a:r>
+            <a:r>
+              <a:rPr lang="de-CH" dirty="0" smtClean="0"/>
+              <a:t>Controller</a:t>
+            </a:r>
+          </a:p>
+          <a:p>
+            <a:pPr lvl="1">
+              <a:buFont typeface="Arial" panose="020B0604020202020204" pitchFamily="34" charset="0"/>
+              <a:buChar char="•"/>
+            </a:pPr>
+            <a:r>
+              <a:rPr lang="de-CH" dirty="0"/>
+              <a:t>Viele </a:t>
+            </a:r>
+            <a:r>
+              <a:rPr lang="de-CH" dirty="0" smtClean="0"/>
+              <a:t>Services wie:</a:t>
+            </a:r>
+          </a:p>
+          <a:p>
+            <a:pPr lvl="2"/>
+            <a:r>
+              <a:rPr lang="de-CH" dirty="0" smtClean="0"/>
+              <a:t>Screen Service</a:t>
+            </a:r>
+          </a:p>
+          <a:p>
+            <a:pPr lvl="2"/>
+            <a:r>
+              <a:rPr lang="de-CH" dirty="0" smtClean="0"/>
+              <a:t>Setup Service</a:t>
+            </a:r>
+          </a:p>
+          <a:p>
+            <a:pPr lvl="2"/>
+            <a:r>
+              <a:rPr lang="de-CH" dirty="0" smtClean="0"/>
+              <a:t>Statistik </a:t>
+            </a:r>
+            <a:r>
+              <a:rPr lang="de-CH" dirty="0"/>
+              <a:t>Service</a:t>
+            </a:r>
+          </a:p>
+          <a:p>
+            <a:pPr lvl="2"/>
+            <a:r>
+              <a:rPr lang="de-CH" dirty="0" smtClean="0"/>
+              <a:t>State Service</a:t>
+            </a:r>
+          </a:p>
+          <a:p>
+            <a:pPr lvl="2"/>
+            <a:r>
+              <a:rPr lang="de-CH" dirty="0" smtClean="0"/>
+              <a:t>Online Service</a:t>
+            </a:r>
+            <a:endParaRPr lang="de-CH" dirty="0"/>
+          </a:p>
+          <a:p>
+            <a:pPr lvl="2"/>
+            <a:r>
+              <a:rPr lang="de-CH" dirty="0" smtClean="0"/>
+              <a:t>…….</a:t>
+            </a:r>
+            <a:endParaRPr lang="de-CH" dirty="0"/>
+          </a:p>
+          <a:p>
+            <a:pPr lvl="2"/>
             <a:endParaRPr lang="de-CH" dirty="0" smtClean="0"/>
-          </a:p>
-          <a:p>
-            <a:pPr marL="0" indent="0">
-              <a:buNone/>
-            </a:pPr>
-            <a:r>
-              <a:rPr lang="en-US" b="1" dirty="0" err="1" smtClean="0"/>
-              <a:t>socket</a:t>
-            </a:r>
-            <a:r>
-              <a:rPr lang="en-US" dirty="0" err="1" smtClean="0"/>
-              <a:t>.on</a:t>
-            </a:r>
-            <a:r>
-              <a:rPr lang="en-US" dirty="0" smtClean="0"/>
-              <a:t>(</a:t>
-            </a:r>
-            <a:r>
-              <a:rPr lang="en-US" b="1" dirty="0"/>
-              <a:t>'connected'</a:t>
-            </a:r>
-            <a:r>
-              <a:rPr lang="en-US" dirty="0" smtClean="0"/>
-              <a:t>, </a:t>
-            </a:r>
-            <a:r>
-              <a:rPr lang="en-US" b="1" dirty="0"/>
-              <a:t>function </a:t>
-            </a:r>
-            <a:r>
-              <a:rPr lang="en-US" dirty="0" smtClean="0"/>
-              <a:t>(data) {</a:t>
-            </a:r>
-            <a:br>
-              <a:rPr lang="en-US" dirty="0" smtClean="0"/>
-            </a:br>
-            <a:r>
-              <a:rPr lang="en-US" dirty="0" smtClean="0"/>
-              <a:t>    </a:t>
-            </a:r>
-            <a:r>
-              <a:rPr lang="en-US" b="1" dirty="0"/>
-              <a:t>console</a:t>
-            </a:r>
-            <a:r>
-              <a:rPr lang="en-US" dirty="0" smtClean="0"/>
-              <a:t>.</a:t>
-            </a:r>
-            <a:r>
-              <a:rPr lang="en-US" dirty="0"/>
-              <a:t>info</a:t>
-            </a:r>
-            <a:r>
-              <a:rPr lang="en-US" dirty="0" smtClean="0"/>
-              <a:t>(</a:t>
-            </a:r>
-            <a:r>
-              <a:rPr lang="en-US" b="1" dirty="0"/>
-              <a:t>"successfully connected </a:t>
-            </a:r>
-            <a:r>
-              <a:rPr lang="en-US" b="1" dirty="0" smtClean="0"/>
-              <a:t>"</a:t>
-            </a:r>
-            <a:r>
-              <a:rPr lang="en-US" dirty="0" smtClean="0"/>
-              <a:t>);</a:t>
-            </a:r>
-            <a:br>
-              <a:rPr lang="en-US" dirty="0" smtClean="0"/>
-            </a:br>
-            <a:r>
-              <a:rPr lang="en-US" dirty="0" smtClean="0"/>
-              <a:t>});</a:t>
-            </a:r>
-            <a:endParaRPr lang="de-CH" dirty="0"/>
           </a:p>
         </p:txBody>
       </p:sp>
@@ -6526,7 +9054,7 @@
     </p:spTree>
     <p:extLst>
       <p:ext uri="{BB962C8B-B14F-4D97-AF65-F5344CB8AC3E}">
-        <p14:creationId xmlns:p14="http://schemas.microsoft.com/office/powerpoint/2010/main" val="873424141"/>
+        <p14:creationId xmlns:p14="http://schemas.microsoft.com/office/powerpoint/2010/main" val="4160791981"/>
       </p:ext>
     </p:extLst>
   </p:cSld>
@@ -6607,17 +9135,42 @@
           </a:effectLst>
         </p:spPr>
         <p:txBody>
-          <a:bodyPr/>
+          <a:bodyPr>
+            <a:normAutofit fontScale="90000"/>
+          </a:bodyPr>
           <a:lstStyle/>
           <a:p>
             <a:pPr algn="l"/>
+            <a:r>
+              <a:rPr lang="de-CH" b="1" dirty="0">
+                <a:solidFill>
+                  <a:schemeClr val="bg1"/>
+                </a:solidFill>
+              </a:rPr>
+              <a:t>Client seitig </a:t>
+            </a:r>
             <a:r>
               <a:rPr lang="de-CH" b="1" dirty="0" smtClean="0">
                 <a:solidFill>
                   <a:schemeClr val="bg1"/>
                 </a:solidFill>
               </a:rPr>
-              <a:t>Online Spielzug</a:t>
+              <a:t>eingesetzte</a:t>
+            </a:r>
+            <a:br>
+              <a:rPr lang="de-CH" b="1" dirty="0" smtClean="0">
+                <a:solidFill>
+                  <a:schemeClr val="bg1"/>
+                </a:solidFill>
+              </a:rPr>
+            </a:br>
+            <a:r>
+              <a:rPr lang="de-CH" b="1" dirty="0" smtClean="0">
+                <a:solidFill>
+                  <a:schemeClr val="bg1"/>
+                </a:solidFill>
+              </a:rPr>
+              <a:t>Bibliotheken</a:t>
             </a:r>
             <a:endParaRPr lang="de-CH" b="1" dirty="0">
               <a:solidFill>
@@ -6640,386 +9193,103 @@
         <p:spPr>
           <a:xfrm>
             <a:off x="457200" y="1600200"/>
-            <a:ext cx="8435280" cy="4925144"/>
+            <a:ext cx="8435280" cy="4525963"/>
           </a:xfrm>
         </p:spPr>
         <p:txBody>
           <a:bodyPr>
-            <a:normAutofit fontScale="85000" lnSpcReduction="10000"/>
+            <a:normAutofit lnSpcReduction="10000"/>
           </a:bodyPr>
           <a:lstStyle/>
           <a:p>
-            <a:pPr marL="0" indent="0">
-              <a:buNone/>
+            <a:r>
+              <a:rPr lang="de-CH" dirty="0" smtClean="0"/>
+              <a:t>3 CSS:</a:t>
+            </a:r>
+            <a:endParaRPr lang="de-CH" dirty="0"/>
+          </a:p>
+          <a:p>
+            <a:pPr lvl="1">
+              <a:buFont typeface="Arial" panose="020B0604020202020204" pitchFamily="34" charset="0"/>
+              <a:buChar char="•"/>
             </a:pPr>
             <a:r>
+              <a:rPr lang="de-CH" dirty="0" smtClean="0"/>
+              <a:t>bootstrap.min.css</a:t>
+            </a:r>
+          </a:p>
+          <a:p>
+            <a:pPr lvl="1">
+              <a:buFont typeface="Arial" panose="020B0604020202020204" pitchFamily="34" charset="0"/>
+              <a:buChar char="•"/>
+            </a:pPr>
+            <a:r>
+              <a:rPr lang="de-CH" dirty="0" smtClean="0"/>
+              <a:t>normalize.css</a:t>
+            </a:r>
+          </a:p>
+          <a:p>
+            <a:pPr lvl="1">
+              <a:buFont typeface="Arial" panose="020B0604020202020204" pitchFamily="34" charset="0"/>
+              <a:buChar char="•"/>
+            </a:pPr>
+            <a:endParaRPr lang="de-CH" dirty="0"/>
+          </a:p>
+          <a:p>
+            <a:r>
+              <a:rPr lang="de-CH" dirty="0"/>
+              <a:t>3 </a:t>
+            </a:r>
+            <a:r>
               <a:rPr lang="de-CH" dirty="0" err="1" smtClean="0"/>
-              <a:t>play</a:t>
-            </a:r>
-            <a:r>
-              <a:rPr lang="de-CH" dirty="0" smtClean="0"/>
-              <a:t> = </a:t>
-            </a:r>
-            <a:r>
-              <a:rPr lang="de-CH" b="1" dirty="0" err="1"/>
-              <a:t>function</a:t>
-            </a:r>
-            <a:r>
-              <a:rPr lang="de-CH" b="1" dirty="0"/>
-              <a:t> </a:t>
-            </a:r>
-            <a:r>
-              <a:rPr lang="de-CH" dirty="0" smtClean="0"/>
-              <a:t>(</a:t>
-            </a:r>
-            <a:r>
-              <a:rPr lang="de-CH" dirty="0" err="1" smtClean="0"/>
-              <a:t>row</a:t>
-            </a:r>
-            <a:r>
-              <a:rPr lang="de-CH" dirty="0" smtClean="0"/>
-              <a:t>, </a:t>
-            </a:r>
-            <a:r>
-              <a:rPr lang="de-CH" dirty="0" err="1" smtClean="0"/>
-              <a:t>col</a:t>
-            </a:r>
-            <a:r>
-              <a:rPr lang="de-CH" dirty="0" smtClean="0"/>
-              <a:t>) {</a:t>
-            </a:r>
-            <a:br>
-              <a:rPr lang="de-CH" dirty="0" smtClean="0"/>
-            </a:br>
-            <a:r>
-              <a:rPr lang="de-CH" dirty="0" smtClean="0"/>
-              <a:t>    </a:t>
-            </a:r>
-            <a:r>
-              <a:rPr lang="de-CH" b="1" dirty="0" err="1" smtClean="0"/>
-              <a:t>socket</a:t>
-            </a:r>
-            <a:r>
-              <a:rPr lang="de-CH" dirty="0" err="1" smtClean="0"/>
-              <a:t>.emit</a:t>
-            </a:r>
-            <a:r>
-              <a:rPr lang="de-CH" dirty="0" smtClean="0"/>
-              <a:t>(</a:t>
-            </a:r>
-            <a:r>
-              <a:rPr lang="de-CH" b="1" dirty="0"/>
-              <a:t>'</a:t>
-            </a:r>
-            <a:r>
-              <a:rPr lang="de-CH" b="1" dirty="0" err="1"/>
-              <a:t>play</a:t>
-            </a:r>
-            <a:r>
-              <a:rPr lang="de-CH" b="1" dirty="0"/>
-              <a:t>'</a:t>
-            </a:r>
-            <a:r>
-              <a:rPr lang="de-CH" dirty="0" smtClean="0"/>
-              <a:t>, {</a:t>
-            </a:r>
-            <a:r>
-              <a:rPr lang="de-CH" b="1" dirty="0" err="1"/>
-              <a:t>to</a:t>
-            </a:r>
-            <a:r>
-              <a:rPr lang="de-CH" dirty="0" smtClean="0"/>
-              <a:t>: </a:t>
-            </a:r>
-            <a:r>
-              <a:rPr lang="de-CH" dirty="0" err="1" smtClean="0"/>
-              <a:t>user.opponent</a:t>
-            </a:r>
-            <a:r>
-              <a:rPr lang="de-CH" dirty="0" smtClean="0"/>
-              <a:t>, </a:t>
-            </a:r>
-            <a:br>
-              <a:rPr lang="de-CH" dirty="0" smtClean="0"/>
-            </a:br>
-            <a:r>
-              <a:rPr lang="de-CH" dirty="0" smtClean="0"/>
-              <a:t>    </a:t>
-            </a:r>
-            <a:r>
-              <a:rPr lang="de-CH" b="1" dirty="0" err="1" smtClean="0"/>
-              <a:t>row</a:t>
-            </a:r>
-            <a:r>
-              <a:rPr lang="de-CH" dirty="0" smtClean="0"/>
-              <a:t>: </a:t>
-            </a:r>
-            <a:r>
-              <a:rPr lang="de-CH" dirty="0" err="1" smtClean="0"/>
-              <a:t>row</a:t>
-            </a:r>
-            <a:r>
-              <a:rPr lang="de-CH" dirty="0" smtClean="0"/>
-              <a:t>, </a:t>
-            </a:r>
-            <a:r>
-              <a:rPr lang="de-CH" b="1" dirty="0" err="1"/>
-              <a:t>col</a:t>
-            </a:r>
-            <a:r>
-              <a:rPr lang="de-CH" dirty="0" smtClean="0"/>
-              <a:t>: </a:t>
-            </a:r>
-            <a:r>
-              <a:rPr lang="de-CH" dirty="0" err="1" smtClean="0"/>
-              <a:t>col</a:t>
-            </a:r>
-            <a:r>
-              <a:rPr lang="de-CH" dirty="0" smtClean="0"/>
-              <a:t>});</a:t>
-            </a:r>
-            <a:br>
-              <a:rPr lang="de-CH" dirty="0" smtClean="0"/>
-            </a:br>
-            <a:r>
-              <a:rPr lang="de-CH" dirty="0" smtClean="0"/>
-              <a:t>};</a:t>
-            </a:r>
-          </a:p>
-          <a:p>
-            <a:pPr marL="0" indent="0">
-              <a:buNone/>
+              <a:t>Javascript</a:t>
+            </a:r>
+            <a:r>
+              <a:rPr lang="de-CH" dirty="0" smtClean="0"/>
+              <a:t>:</a:t>
+            </a:r>
+            <a:endParaRPr lang="de-CH" dirty="0"/>
+          </a:p>
+          <a:p>
+            <a:pPr lvl="1">
+              <a:buFont typeface="Arial" panose="020B0604020202020204" pitchFamily="34" charset="0"/>
+              <a:buChar char="•"/>
             </a:pPr>
+            <a:r>
+              <a:rPr lang="de-CH" dirty="0"/>
+              <a:t>bootstrap.min.js</a:t>
+            </a:r>
             <a:endParaRPr lang="de-CH" dirty="0" smtClean="0"/>
           </a:p>
           <a:p>
-            <a:pPr marL="0" indent="0">
-              <a:buNone/>
+            <a:pPr lvl="1">
+              <a:buFont typeface="Arial" panose="020B0604020202020204" pitchFamily="34" charset="0"/>
+              <a:buChar char="•"/>
             </a:pPr>
             <a:r>
-              <a:rPr lang="en-US" dirty="0" err="1" smtClean="0"/>
-              <a:t>socket.</a:t>
-            </a:r>
-            <a:r>
-              <a:rPr lang="en-US" dirty="0" err="1"/>
-              <a:t>on</a:t>
-            </a:r>
-            <a:r>
-              <a:rPr lang="en-US" dirty="0" smtClean="0"/>
-              <a:t>(</a:t>
-            </a:r>
-            <a:r>
-              <a:rPr lang="en-US" b="1" dirty="0"/>
-              <a:t>"play"</a:t>
-            </a:r>
-            <a:r>
-              <a:rPr lang="en-US" dirty="0" smtClean="0"/>
-              <a:t>, </a:t>
-            </a:r>
-            <a:r>
-              <a:rPr lang="en-US" b="1" dirty="0"/>
-              <a:t>function </a:t>
-            </a:r>
-            <a:r>
-              <a:rPr lang="en-US" dirty="0" smtClean="0"/>
-              <a:t>(data) {</a:t>
-            </a:r>
-            <a:r>
-              <a:rPr lang="en-US" i="1" dirty="0"/>
-              <a:t/>
-            </a:r>
-            <a:br>
-              <a:rPr lang="en-US" i="1" dirty="0"/>
-            </a:br>
-            <a:r>
-              <a:rPr lang="en-US" i="1" dirty="0"/>
-              <a:t>    </a:t>
-            </a:r>
-            <a:r>
-              <a:rPr lang="en-US" dirty="0"/>
-              <a:t>io</a:t>
-            </a:r>
-            <a:r>
-              <a:rPr lang="en-US" dirty="0" smtClean="0"/>
-              <a:t>.</a:t>
-            </a:r>
-            <a:r>
-              <a:rPr lang="en-US" dirty="0"/>
-              <a:t>to</a:t>
-            </a:r>
-            <a:r>
-              <a:rPr lang="en-US" dirty="0" smtClean="0"/>
-              <a:t>(data.</a:t>
-            </a:r>
-            <a:r>
-              <a:rPr lang="en-US" dirty="0"/>
-              <a:t>to</a:t>
-            </a:r>
-            <a:r>
-              <a:rPr lang="en-US" dirty="0" smtClean="0"/>
-              <a:t>).</a:t>
-            </a:r>
-            <a:r>
-              <a:rPr lang="en-US" dirty="0"/>
-              <a:t>emit</a:t>
-            </a:r>
-            <a:r>
-              <a:rPr lang="en-US" dirty="0" smtClean="0"/>
-              <a:t>(</a:t>
-            </a:r>
-            <a:r>
-              <a:rPr lang="en-US" b="1" dirty="0"/>
-              <a:t>"play"</a:t>
-            </a:r>
-            <a:r>
-              <a:rPr lang="en-US" dirty="0" smtClean="0"/>
-              <a:t>, data);</a:t>
-            </a:r>
-            <a:br>
-              <a:rPr lang="en-US" dirty="0" smtClean="0"/>
-            </a:br>
-            <a:r>
-              <a:rPr lang="en-US" dirty="0" smtClean="0"/>
-              <a:t>});</a:t>
-            </a:r>
-          </a:p>
-          <a:p>
-            <a:pPr marL="0" indent="0">
-              <a:buNone/>
+              <a:rPr lang="de-CH" dirty="0" smtClean="0"/>
+              <a:t>angular.min.js</a:t>
+            </a:r>
+          </a:p>
+          <a:p>
+            <a:pPr lvl="1">
+              <a:buFont typeface="Arial" panose="020B0604020202020204" pitchFamily="34" charset="0"/>
+              <a:buChar char="•"/>
             </a:pPr>
-            <a:endParaRPr lang="en-US" dirty="0" smtClean="0"/>
-          </a:p>
-          <a:p>
-            <a:pPr marL="0" indent="0">
-              <a:buNone/>
+            <a:r>
+              <a:rPr lang="de-CH" dirty="0" smtClean="0"/>
+              <a:t>jquery-2.1.4.min.js</a:t>
+            </a:r>
+          </a:p>
+          <a:p>
+            <a:pPr lvl="1">
+              <a:buFont typeface="Arial" panose="020B0604020202020204" pitchFamily="34" charset="0"/>
+              <a:buChar char="•"/>
             </a:pPr>
             <a:r>
-              <a:rPr lang="de-CH" dirty="0" err="1"/>
-              <a:t>self</a:t>
-            </a:r>
-            <a:r>
-              <a:rPr lang="de-CH" dirty="0" err="1" smtClean="0"/>
-              <a:t>.</a:t>
-            </a:r>
-            <a:r>
-              <a:rPr lang="de-CH" b="1" dirty="0" err="1"/>
-              <a:t>socket</a:t>
-            </a:r>
-            <a:r>
-              <a:rPr lang="de-CH" dirty="0" err="1" smtClean="0"/>
-              <a:t>.</a:t>
-            </a:r>
-            <a:r>
-              <a:rPr lang="de-CH" dirty="0" err="1"/>
-              <a:t>on</a:t>
-            </a:r>
-            <a:r>
-              <a:rPr lang="de-CH" dirty="0" smtClean="0"/>
-              <a:t>(</a:t>
-            </a:r>
-            <a:r>
-              <a:rPr lang="de-CH" b="1" dirty="0"/>
-              <a:t>'</a:t>
-            </a:r>
-            <a:r>
-              <a:rPr lang="de-CH" b="1" dirty="0" err="1"/>
-              <a:t>play</a:t>
-            </a:r>
-            <a:r>
-              <a:rPr lang="de-CH" b="1" dirty="0"/>
-              <a:t>'</a:t>
-            </a:r>
-            <a:r>
-              <a:rPr lang="de-CH" dirty="0" smtClean="0"/>
-              <a:t>, </a:t>
-            </a:r>
-            <a:r>
-              <a:rPr lang="de-CH" b="1" dirty="0" err="1"/>
-              <a:t>function</a:t>
-            </a:r>
-            <a:r>
-              <a:rPr lang="de-CH" b="1" dirty="0"/>
-              <a:t> </a:t>
-            </a:r>
-            <a:r>
-              <a:rPr lang="de-CH" dirty="0" smtClean="0"/>
-              <a:t>(</a:t>
-            </a:r>
-            <a:r>
-              <a:rPr lang="de-CH" dirty="0" err="1" smtClean="0"/>
-              <a:t>data</a:t>
-            </a:r>
-            <a:r>
-              <a:rPr lang="de-CH" dirty="0" smtClean="0"/>
-              <a:t>) {</a:t>
-            </a:r>
-            <a:br>
-              <a:rPr lang="de-CH" dirty="0" smtClean="0"/>
-            </a:br>
-            <a:r>
-              <a:rPr lang="de-CH" dirty="0" smtClean="0"/>
-              <a:t>     </a:t>
-            </a:r>
-            <a:r>
-              <a:rPr lang="de-CH" b="1" dirty="0" smtClean="0"/>
-              <a:t>console</a:t>
-            </a:r>
-            <a:r>
-              <a:rPr lang="de-CH" dirty="0" smtClean="0"/>
-              <a:t>.info(</a:t>
-            </a:r>
-            <a:r>
-              <a:rPr lang="de-CH" b="1" dirty="0" smtClean="0"/>
-              <a:t>"</a:t>
-            </a:r>
-            <a:r>
-              <a:rPr lang="de-CH" b="1" dirty="0" err="1" smtClean="0"/>
-              <a:t>opponent</a:t>
-            </a:r>
-            <a:r>
-              <a:rPr lang="de-CH" b="1" dirty="0" smtClean="0"/>
-              <a:t> </a:t>
-            </a:r>
-            <a:r>
-              <a:rPr lang="de-CH" b="1" dirty="0" err="1"/>
-              <a:t>played</a:t>
-            </a:r>
-            <a:r>
-              <a:rPr lang="de-CH" b="1" dirty="0"/>
-              <a:t> in </a:t>
-            </a:r>
-            <a:r>
-              <a:rPr lang="de-CH" b="1" dirty="0" err="1"/>
-              <a:t>row</a:t>
-            </a:r>
-            <a:r>
-              <a:rPr lang="de-CH" b="1" dirty="0"/>
-              <a:t> " </a:t>
-            </a:r>
-            <a:r>
-              <a:rPr lang="de-CH" dirty="0" smtClean="0"/>
-              <a:t>+ </a:t>
-            </a:r>
-            <a:r>
-              <a:rPr lang="de-CH" dirty="0" err="1" smtClean="0"/>
-              <a:t>data.</a:t>
-            </a:r>
-            <a:r>
-              <a:rPr lang="de-CH" b="1" dirty="0" err="1"/>
-              <a:t>row</a:t>
-            </a:r>
-            <a:r>
-              <a:rPr lang="de-CH" dirty="0" smtClean="0"/>
-              <a:t>);</a:t>
-            </a:r>
-            <a:br>
-              <a:rPr lang="de-CH" dirty="0" smtClean="0"/>
-            </a:br>
-            <a:r>
-              <a:rPr lang="de-CH" dirty="0" smtClean="0"/>
-              <a:t>}</a:t>
-            </a:r>
-            <a:endParaRPr lang="de-CH" dirty="0"/>
+              <a:rPr lang="de-CH" dirty="0"/>
+              <a:t>socket.io.js</a:t>
+            </a:r>
           </a:p>
         </p:txBody>
       </p:sp>
@@ -7074,7 +9344,7 @@
     </p:spTree>
     <p:extLst>
       <p:ext uri="{BB962C8B-B14F-4D97-AF65-F5344CB8AC3E}">
-        <p14:creationId xmlns:p14="http://schemas.microsoft.com/office/powerpoint/2010/main" val="3775130774"/>
+        <p14:creationId xmlns:p14="http://schemas.microsoft.com/office/powerpoint/2010/main" val="1182737558"/>
       </p:ext>
     </p:extLst>
   </p:cSld>

--- a/resources/reversi_praesentation.pptx
+++ b/resources/reversi_praesentation.pptx
@@ -24,7 +24,8 @@
     <p:sldId id="263" r:id="rId18"/>
     <p:sldId id="262" r:id="rId19"/>
     <p:sldId id="266" r:id="rId20"/>
-    <p:sldId id="261" r:id="rId21"/>
+    <p:sldId id="278" r:id="rId21"/>
+    <p:sldId id="261" r:id="rId22"/>
   </p:sldIdLst>
   <p:sldSz cx="9144000" cy="6858000" type="screen4x3"/>
   <p:notesSz cx="6858000" cy="9144000"/>
@@ -123,6 +124,22 @@
       </a:defRPr>
     </a:lvl9pPr>
   </p:defaultTextStyle>
+  <p:extLst>
+    <p:ext uri="{EFAFB233-063F-42B5-8137-9DF3F51BA10A}">
+      <p15:sldGuideLst xmlns:p15="http://schemas.microsoft.com/office/powerpoint/2012/main">
+        <p15:guide id="1" orient="horz" pos="2160">
+          <p15:clr>
+            <a:srgbClr val="A4A3A4"/>
+          </p15:clr>
+        </p15:guide>
+        <p15:guide id="2" pos="2880">
+          <p15:clr>
+            <a:srgbClr val="A4A3A4"/>
+          </p15:clr>
+        </p15:guide>
+      </p15:sldGuideLst>
+    </p:ext>
+  </p:extLst>
 </p:presentation>
 </file>
 
@@ -6766,38 +6783,19 @@
           <a:lstStyle/>
           <a:p>
             <a:pPr algn="l"/>
+            <a:r>
+              <a:rPr lang="de-CH" b="1" dirty="0" smtClean="0">
+                <a:solidFill>
+                  <a:schemeClr val="bg1"/>
+                </a:solidFill>
+              </a:rPr>
+              <a:t>Ordner-Struktur</a:t>
+            </a:r>
             <a:endParaRPr lang="de-CH" b="1" dirty="0">
               <a:solidFill>
                 <a:schemeClr val="bg1"/>
               </a:solidFill>
             </a:endParaRPr>
-          </a:p>
-        </p:txBody>
-      </p:sp>
-      <p:sp>
-        <p:nvSpPr>
-          <p:cNvPr id="3" name="Inhaltsplatzhalter 2"/>
-          <p:cNvSpPr>
-            <a:spLocks noGrp="1"/>
-          </p:cNvSpPr>
-          <p:nvPr>
-            <p:ph idx="1"/>
-          </p:nvPr>
-        </p:nvSpPr>
-        <p:spPr>
-          <a:xfrm>
-            <a:off x="457200" y="1600200"/>
-            <a:ext cx="8435280" cy="4525963"/>
-          </a:xfrm>
-        </p:spPr>
-        <p:txBody>
-          <a:bodyPr/>
-          <a:lstStyle/>
-          <a:p>
-            <a:pPr marL="0" indent="0">
-              <a:buNone/>
-            </a:pPr>
-            <a:endParaRPr lang="de-CH" dirty="0"/>
           </a:p>
         </p:txBody>
       </p:sp>
@@ -6849,6 +6847,96 @@
           </a:extLst>
         </p:spPr>
       </p:pic>
+      <p:pic>
+        <p:nvPicPr>
+          <p:cNvPr id="5" name="Inhaltsplatzhalter 4"/>
+          <p:cNvPicPr>
+            <a:picLocks noGrp="1"/>
+          </p:cNvPicPr>
+          <p:nvPr>
+            <p:ph idx="1"/>
+          </p:nvPr>
+        </p:nvPicPr>
+        <p:blipFill>
+          <a:blip r:embed="rId3"/>
+          <a:stretch>
+            <a:fillRect/>
+          </a:stretch>
+        </p:blipFill>
+        <p:spPr>
+          <a:xfrm>
+            <a:off x="971600" y="2060848"/>
+            <a:ext cx="1581371" cy="2286319"/>
+          </a:xfrm>
+          <a:prstGeom prst="rect">
+            <a:avLst/>
+          </a:prstGeom>
+        </p:spPr>
+      </p:pic>
+      <p:pic>
+        <p:nvPicPr>
+          <p:cNvPr id="7" name="Grafik 6"/>
+          <p:cNvPicPr>
+            <a:picLocks noChangeAspect="1"/>
+          </p:cNvPicPr>
+          <p:nvPr/>
+        </p:nvPicPr>
+        <p:blipFill>
+          <a:blip r:embed="rId4"/>
+          <a:stretch>
+            <a:fillRect/>
+          </a:stretch>
+        </p:blipFill>
+        <p:spPr>
+          <a:xfrm>
+            <a:off x="4067944" y="2436648"/>
+            <a:ext cx="4547996" cy="3821038"/>
+          </a:xfrm>
+          <a:prstGeom prst="rect">
+            <a:avLst/>
+          </a:prstGeom>
+        </p:spPr>
+      </p:pic>
+      <p:sp>
+        <p:nvSpPr>
+          <p:cNvPr id="10" name="Pfeil nach rechts 9"/>
+          <p:cNvSpPr/>
+          <p:nvPr/>
+        </p:nvSpPr>
+        <p:spPr>
+          <a:xfrm>
+            <a:off x="2517357" y="4149080"/>
+            <a:ext cx="1584176" cy="144016"/>
+          </a:xfrm>
+          <a:prstGeom prst="rightArrow">
+            <a:avLst/>
+          </a:prstGeom>
+        </p:spPr>
+        <p:style>
+          <a:lnRef idx="2">
+            <a:schemeClr val="accent5">
+              <a:shade val="50000"/>
+            </a:schemeClr>
+          </a:lnRef>
+          <a:fillRef idx="1">
+            <a:schemeClr val="accent5"/>
+          </a:fillRef>
+          <a:effectRef idx="0">
+            <a:schemeClr val="accent5"/>
+          </a:effectRef>
+          <a:fontRef idx="minor">
+            <a:schemeClr val="lt1"/>
+          </a:fontRef>
+        </p:style>
+        <p:txBody>
+          <a:bodyPr rtlCol="0" anchor="ctr"/>
+          <a:lstStyle/>
+          <a:p>
+            <a:pPr algn="ctr"/>
+            <a:endParaRPr lang="de-CH"/>
+          </a:p>
+        </p:txBody>
+      </p:sp>
     </p:spTree>
     <p:extLst>
       <p:ext uri="{BB962C8B-B14F-4D97-AF65-F5344CB8AC3E}">
@@ -6862,9 +6950,107 @@
   <p:timing>
     <p:tnLst>
       <p:par>
-        <p:cTn id="1" dur="indefinite" restart="never" nodeType="tmRoot"/>
+        <p:cTn id="1" dur="indefinite" restart="never" nodeType="tmRoot">
+          <p:childTnLst>
+            <p:seq concurrent="1" nextAc="seek">
+              <p:cTn id="2" dur="indefinite" nodeType="mainSeq">
+                <p:childTnLst>
+                  <p:par>
+                    <p:cTn id="3" fill="hold">
+                      <p:stCondLst>
+                        <p:cond delay="indefinite"/>
+                      </p:stCondLst>
+                      <p:childTnLst>
+                        <p:par>
+                          <p:cTn id="4" fill="hold">
+                            <p:stCondLst>
+                              <p:cond delay="0"/>
+                            </p:stCondLst>
+                            <p:childTnLst>
+                              <p:par>
+                                <p:cTn id="5" presetID="1" presetClass="entr" presetSubtype="0" fill="hold" grpId="0" nodeType="clickEffect">
+                                  <p:stCondLst>
+                                    <p:cond delay="0"/>
+                                  </p:stCondLst>
+                                  <p:childTnLst>
+                                    <p:set>
+                                      <p:cBhvr>
+                                        <p:cTn id="6" dur="1" fill="hold">
+                                          <p:stCondLst>
+                                            <p:cond delay="0"/>
+                                          </p:stCondLst>
+                                        </p:cTn>
+                                        <p:tgtEl>
+                                          <p:spTgt spid="10"/>
+                                        </p:tgtEl>
+                                        <p:attrNameLst>
+                                          <p:attrName>style.visibility</p:attrName>
+                                        </p:attrNameLst>
+                                      </p:cBhvr>
+                                      <p:to>
+                                        <p:strVal val="visible"/>
+                                      </p:to>
+                                    </p:set>
+                                  </p:childTnLst>
+                                </p:cTn>
+                              </p:par>
+                              <p:par>
+                                <p:cTn id="7" presetID="1" presetClass="entr" presetSubtype="0" fill="hold" nodeType="withEffect">
+                                  <p:stCondLst>
+                                    <p:cond delay="0"/>
+                                  </p:stCondLst>
+                                  <p:childTnLst>
+                                    <p:set>
+                                      <p:cBhvr>
+                                        <p:cTn id="8" dur="1" fill="hold">
+                                          <p:stCondLst>
+                                            <p:cond delay="0"/>
+                                          </p:stCondLst>
+                                        </p:cTn>
+                                        <p:tgtEl>
+                                          <p:spTgt spid="7"/>
+                                        </p:tgtEl>
+                                        <p:attrNameLst>
+                                          <p:attrName>style.visibility</p:attrName>
+                                        </p:attrNameLst>
+                                      </p:cBhvr>
+                                      <p:to>
+                                        <p:strVal val="visible"/>
+                                      </p:to>
+                                    </p:set>
+                                  </p:childTnLst>
+                                </p:cTn>
+                              </p:par>
+                            </p:childTnLst>
+                          </p:cTn>
+                        </p:par>
+                      </p:childTnLst>
+                    </p:cTn>
+                  </p:par>
+                </p:childTnLst>
+              </p:cTn>
+              <p:prevCondLst>
+                <p:cond evt="onPrev" delay="0">
+                  <p:tgtEl>
+                    <p:sldTgt/>
+                  </p:tgtEl>
+                </p:cond>
+              </p:prevCondLst>
+              <p:nextCondLst>
+                <p:cond evt="onNext" delay="0">
+                  <p:tgtEl>
+                    <p:sldTgt/>
+                  </p:tgtEl>
+                </p:cond>
+              </p:nextCondLst>
+            </p:seq>
+          </p:childTnLst>
+        </p:cTn>
       </p:par>
     </p:tnLst>
+    <p:bldLst>
+      <p:bldP spid="10" grpId="0" animBg="1"/>
+    </p:bldLst>
   </p:timing>
 </p:sld>
 </file>
@@ -7050,7 +7236,6 @@
               <a:rPr lang="de-CH" dirty="0" smtClean="0"/>
               <a:t>Ab Grösse Smartphone</a:t>
             </a:r>
-            <a:endParaRPr lang="de-CH" dirty="0" smtClean="0"/>
           </a:p>
           <a:p>
             <a:r>
@@ -7136,6 +7321,537 @@
 </file>
 
 <file path=ppt/slides/slide20.xml><?xml version="1.0" encoding="utf-8"?>
+<p:sld xmlns:a="http://schemas.openxmlformats.org/drawingml/2006/main" xmlns:r="http://schemas.openxmlformats.org/officeDocument/2006/relationships" xmlns:p="http://schemas.openxmlformats.org/presentationml/2006/main">
+  <p:cSld>
+    <p:bg>
+      <p:bgPr>
+        <a:gradFill>
+          <a:gsLst>
+            <a:gs pos="0">
+              <a:schemeClr val="tx2">
+                <a:lumMod val="75000"/>
+              </a:schemeClr>
+            </a:gs>
+            <a:gs pos="17000">
+              <a:schemeClr val="tx2">
+                <a:lumMod val="60000"/>
+                <a:lumOff val="40000"/>
+              </a:schemeClr>
+            </a:gs>
+            <a:gs pos="47000">
+              <a:schemeClr val="tx2">
+                <a:lumMod val="40000"/>
+                <a:lumOff val="60000"/>
+              </a:schemeClr>
+            </a:gs>
+          </a:gsLst>
+          <a:lin ang="5400000" scaled="0"/>
+        </a:gradFill>
+        <a:effectLst/>
+      </p:bgPr>
+    </p:bg>
+    <p:spTree>
+      <p:nvGrpSpPr>
+        <p:cNvPr id="1" name=""/>
+        <p:cNvGrpSpPr/>
+        <p:nvPr/>
+      </p:nvGrpSpPr>
+      <p:grpSpPr>
+        <a:xfrm>
+          <a:off x="0" y="0"/>
+          <a:ext cx="0" cy="0"/>
+          <a:chOff x="0" y="0"/>
+          <a:chExt cx="0" cy="0"/>
+        </a:xfrm>
+      </p:grpSpPr>
+      <p:sp>
+        <p:nvSpPr>
+          <p:cNvPr id="2" name="Titel 1"/>
+          <p:cNvSpPr>
+            <a:spLocks noGrp="1"/>
+          </p:cNvSpPr>
+          <p:nvPr>
+            <p:ph type="title"/>
+          </p:nvPr>
+        </p:nvSpPr>
+        <p:spPr>
+          <a:effectLst>
+            <a:outerShdw blurRad="50800" dist="38100" dir="5400000" algn="t" rotWithShape="0">
+              <a:prstClr val="black">
+                <a:alpha val="40000"/>
+              </a:prstClr>
+            </a:outerShdw>
+          </a:effectLst>
+        </p:spPr>
+        <p:txBody>
+          <a:bodyPr/>
+          <a:lstStyle/>
+          <a:p>
+            <a:pPr algn="l"/>
+            <a:r>
+              <a:rPr lang="de-CH" b="1" dirty="0" err="1" smtClean="0">
+                <a:solidFill>
+                  <a:schemeClr val="bg1"/>
+                </a:solidFill>
+              </a:rPr>
+              <a:t>Build</a:t>
+            </a:r>
+            <a:r>
+              <a:rPr lang="de-CH" b="1" dirty="0" smtClean="0">
+                <a:solidFill>
+                  <a:schemeClr val="bg1"/>
+                </a:solidFill>
+              </a:rPr>
+              <a:t>-Prozess</a:t>
+            </a:r>
+            <a:endParaRPr lang="de-CH" b="1" dirty="0">
+              <a:solidFill>
+                <a:schemeClr val="bg1"/>
+              </a:solidFill>
+            </a:endParaRPr>
+          </a:p>
+        </p:txBody>
+      </p:sp>
+      <p:pic>
+        <p:nvPicPr>
+          <p:cNvPr id="4" name="Picture 2" descr="C:\Users\grrd\Documents\HTML5\Reversi\build\images\logo.png"/>
+          <p:cNvPicPr>
+            <a:picLocks noChangeAspect="1" noChangeArrowheads="1"/>
+          </p:cNvPicPr>
+          <p:nvPr/>
+        </p:nvPicPr>
+        <p:blipFill>
+          <a:blip r:embed="rId2" cstate="print">
+            <a:extLst>
+              <a:ext uri="{28A0092B-C50C-407E-A947-70E740481C1C}">
+                <a14:useLocalDpi xmlns:a14="http://schemas.microsoft.com/office/drawing/2010/main" val="0"/>
+              </a:ext>
+            </a:extLst>
+          </a:blip>
+          <a:srcRect/>
+          <a:stretch>
+            <a:fillRect/>
+          </a:stretch>
+        </p:blipFill>
+        <p:spPr bwMode="auto">
+          <a:xfrm>
+            <a:off x="6186550" y="548680"/>
+            <a:ext cx="2611490" cy="576064"/>
+          </a:xfrm>
+          <a:prstGeom prst="rect">
+            <a:avLst/>
+          </a:prstGeom>
+          <a:noFill/>
+          <a:effectLst>
+            <a:outerShdw blurRad="50800" dist="38100" dir="2700000" algn="tl" rotWithShape="0">
+              <a:prstClr val="black">
+                <a:alpha val="40000"/>
+              </a:prstClr>
+            </a:outerShdw>
+          </a:effectLst>
+          <a:extLst>
+            <a:ext uri="{909E8E84-426E-40DD-AFC4-6F175D3DCCD1}">
+              <a14:hiddenFill xmlns:a14="http://schemas.microsoft.com/office/drawing/2010/main">
+                <a:solidFill>
+                  <a:srgbClr val="FFFFFF"/>
+                </a:solidFill>
+              </a14:hiddenFill>
+            </a:ext>
+          </a:extLst>
+        </p:spPr>
+      </p:pic>
+      <p:pic>
+        <p:nvPicPr>
+          <p:cNvPr id="6" name="Inhaltsplatzhalter 5"/>
+          <p:cNvPicPr>
+            <a:picLocks noGrp="1" noChangeAspect="1"/>
+          </p:cNvPicPr>
+          <p:nvPr>
+            <p:ph idx="1"/>
+          </p:nvPr>
+        </p:nvPicPr>
+        <p:blipFill>
+          <a:blip r:embed="rId3"/>
+          <a:stretch>
+            <a:fillRect/>
+          </a:stretch>
+        </p:blipFill>
+        <p:spPr>
+          <a:xfrm>
+            <a:off x="539552" y="1844824"/>
+            <a:ext cx="2505425" cy="4182059"/>
+          </a:xfrm>
+          <a:prstGeom prst="rect">
+            <a:avLst/>
+          </a:prstGeom>
+        </p:spPr>
+      </p:pic>
+      <p:sp>
+        <p:nvSpPr>
+          <p:cNvPr id="10" name="Pfeil nach rechts 9"/>
+          <p:cNvSpPr/>
+          <p:nvPr/>
+        </p:nvSpPr>
+        <p:spPr>
+          <a:xfrm>
+            <a:off x="3127139" y="2912954"/>
+            <a:ext cx="1228837" cy="228014"/>
+          </a:xfrm>
+          <a:prstGeom prst="rightArrow">
+            <a:avLst/>
+          </a:prstGeom>
+        </p:spPr>
+        <p:style>
+          <a:lnRef idx="2">
+            <a:schemeClr val="accent5">
+              <a:shade val="50000"/>
+            </a:schemeClr>
+          </a:lnRef>
+          <a:fillRef idx="1">
+            <a:schemeClr val="accent5"/>
+          </a:fillRef>
+          <a:effectRef idx="0">
+            <a:schemeClr val="accent5"/>
+          </a:effectRef>
+          <a:fontRef idx="minor">
+            <a:schemeClr val="lt1"/>
+          </a:fontRef>
+        </p:style>
+        <p:txBody>
+          <a:bodyPr rtlCol="0" anchor="ctr"/>
+          <a:lstStyle/>
+          <a:p>
+            <a:pPr algn="ctr"/>
+            <a:endParaRPr lang="de-CH"/>
+          </a:p>
+        </p:txBody>
+      </p:sp>
+      <p:pic>
+        <p:nvPicPr>
+          <p:cNvPr id="9" name="Grafik 8"/>
+          <p:cNvPicPr/>
+          <p:nvPr/>
+        </p:nvPicPr>
+        <p:blipFill rotWithShape="1">
+          <a:blip r:embed="rId4"/>
+          <a:srcRect l="3" r="22995"/>
+          <a:stretch/>
+        </p:blipFill>
+        <p:spPr>
+          <a:xfrm>
+            <a:off x="4547787" y="1824435"/>
+            <a:ext cx="2412000" cy="2088232"/>
+          </a:xfrm>
+          <a:prstGeom prst="rect">
+            <a:avLst/>
+          </a:prstGeom>
+        </p:spPr>
+      </p:pic>
+      <p:pic>
+        <p:nvPicPr>
+          <p:cNvPr id="8" name="Grafik 7"/>
+          <p:cNvPicPr>
+            <a:picLocks noChangeAspect="1"/>
+          </p:cNvPicPr>
+          <p:nvPr/>
+        </p:nvPicPr>
+        <p:blipFill>
+          <a:blip r:embed="rId5"/>
+          <a:stretch>
+            <a:fillRect/>
+          </a:stretch>
+        </p:blipFill>
+        <p:spPr>
+          <a:xfrm>
+            <a:off x="5580112" y="4581128"/>
+            <a:ext cx="1708890" cy="2205019"/>
+          </a:xfrm>
+          <a:prstGeom prst="rect">
+            <a:avLst/>
+          </a:prstGeom>
+        </p:spPr>
+      </p:pic>
+      <p:sp>
+        <p:nvSpPr>
+          <p:cNvPr id="12" name="Pfeil nach unten 11"/>
+          <p:cNvSpPr/>
+          <p:nvPr/>
+        </p:nvSpPr>
+        <p:spPr>
+          <a:xfrm>
+            <a:off x="6186550" y="4027453"/>
+            <a:ext cx="360040" cy="459277"/>
+          </a:xfrm>
+          <a:prstGeom prst="downArrow">
+            <a:avLst/>
+          </a:prstGeom>
+        </p:spPr>
+        <p:style>
+          <a:lnRef idx="2">
+            <a:schemeClr val="accent1">
+              <a:shade val="50000"/>
+            </a:schemeClr>
+          </a:lnRef>
+          <a:fillRef idx="1">
+            <a:schemeClr val="accent1"/>
+          </a:fillRef>
+          <a:effectRef idx="0">
+            <a:schemeClr val="accent1"/>
+          </a:effectRef>
+          <a:fontRef idx="minor">
+            <a:schemeClr val="lt1"/>
+          </a:fontRef>
+        </p:style>
+        <p:txBody>
+          <a:bodyPr rtlCol="0" anchor="ctr"/>
+          <a:lstStyle/>
+          <a:p>
+            <a:pPr algn="ctr"/>
+            <a:endParaRPr lang="de-CH"/>
+          </a:p>
+        </p:txBody>
+      </p:sp>
+      <p:pic>
+        <p:nvPicPr>
+          <p:cNvPr id="14" name="Grafik 13"/>
+          <p:cNvPicPr/>
+          <p:nvPr/>
+        </p:nvPicPr>
+        <p:blipFill>
+          <a:blip r:embed="rId6"/>
+          <a:stretch>
+            <a:fillRect/>
+          </a:stretch>
+        </p:blipFill>
+        <p:spPr>
+          <a:xfrm>
+            <a:off x="6224222" y="2008079"/>
+            <a:ext cx="2238375" cy="1809750"/>
+          </a:xfrm>
+          <a:prstGeom prst="rect">
+            <a:avLst/>
+          </a:prstGeom>
+        </p:spPr>
+      </p:pic>
+    </p:spTree>
+    <p:extLst>
+      <p:ext uri="{BB962C8B-B14F-4D97-AF65-F5344CB8AC3E}">
+        <p14:creationId xmlns:p14="http://schemas.microsoft.com/office/powerpoint/2010/main" val="760889107"/>
+      </p:ext>
+    </p:extLst>
+  </p:cSld>
+  <p:clrMapOvr>
+    <a:masterClrMapping/>
+  </p:clrMapOvr>
+  <p:timing>
+    <p:tnLst>
+      <p:par>
+        <p:cTn id="1" dur="indefinite" restart="never" nodeType="tmRoot">
+          <p:childTnLst>
+            <p:seq concurrent="1" nextAc="seek">
+              <p:cTn id="2" dur="indefinite" nodeType="mainSeq">
+                <p:childTnLst>
+                  <p:par>
+                    <p:cTn id="3" fill="hold">
+                      <p:stCondLst>
+                        <p:cond delay="indefinite"/>
+                      </p:stCondLst>
+                      <p:childTnLst>
+                        <p:par>
+                          <p:cTn id="4" fill="hold">
+                            <p:stCondLst>
+                              <p:cond delay="0"/>
+                            </p:stCondLst>
+                            <p:childTnLst>
+                              <p:par>
+                                <p:cTn id="5" presetID="1" presetClass="entr" presetSubtype="0" fill="hold" grpId="0" nodeType="clickEffect">
+                                  <p:stCondLst>
+                                    <p:cond delay="0"/>
+                                  </p:stCondLst>
+                                  <p:childTnLst>
+                                    <p:set>
+                                      <p:cBhvr>
+                                        <p:cTn id="6" dur="1" fill="hold">
+                                          <p:stCondLst>
+                                            <p:cond delay="0"/>
+                                          </p:stCondLst>
+                                        </p:cTn>
+                                        <p:tgtEl>
+                                          <p:spTgt spid="10"/>
+                                        </p:tgtEl>
+                                        <p:attrNameLst>
+                                          <p:attrName>style.visibility</p:attrName>
+                                        </p:attrNameLst>
+                                      </p:cBhvr>
+                                      <p:to>
+                                        <p:strVal val="visible"/>
+                                      </p:to>
+                                    </p:set>
+                                  </p:childTnLst>
+                                </p:cTn>
+                              </p:par>
+                              <p:par>
+                                <p:cTn id="7" presetID="1" presetClass="entr" presetSubtype="0" fill="hold" nodeType="withEffect">
+                                  <p:stCondLst>
+                                    <p:cond delay="0"/>
+                                  </p:stCondLst>
+                                  <p:childTnLst>
+                                    <p:set>
+                                      <p:cBhvr>
+                                        <p:cTn id="8" dur="1" fill="hold">
+                                          <p:stCondLst>
+                                            <p:cond delay="0"/>
+                                          </p:stCondLst>
+                                        </p:cTn>
+                                        <p:tgtEl>
+                                          <p:spTgt spid="9"/>
+                                        </p:tgtEl>
+                                        <p:attrNameLst>
+                                          <p:attrName>style.visibility</p:attrName>
+                                        </p:attrNameLst>
+                                      </p:cBhvr>
+                                      <p:to>
+                                        <p:strVal val="visible"/>
+                                      </p:to>
+                                    </p:set>
+                                  </p:childTnLst>
+                                </p:cTn>
+                              </p:par>
+                              <p:par>
+                                <p:cTn id="9" presetID="1" presetClass="entr" presetSubtype="0" fill="hold" nodeType="withEffect">
+                                  <p:stCondLst>
+                                    <p:cond delay="0"/>
+                                  </p:stCondLst>
+                                  <p:childTnLst>
+                                    <p:set>
+                                      <p:cBhvr>
+                                        <p:cTn id="10" dur="1" fill="hold">
+                                          <p:stCondLst>
+                                            <p:cond delay="0"/>
+                                          </p:stCondLst>
+                                        </p:cTn>
+                                        <p:tgtEl>
+                                          <p:spTgt spid="14"/>
+                                        </p:tgtEl>
+                                        <p:attrNameLst>
+                                          <p:attrName>style.visibility</p:attrName>
+                                        </p:attrNameLst>
+                                      </p:cBhvr>
+                                      <p:to>
+                                        <p:strVal val="visible"/>
+                                      </p:to>
+                                    </p:set>
+                                  </p:childTnLst>
+                                </p:cTn>
+                              </p:par>
+                            </p:childTnLst>
+                          </p:cTn>
+                        </p:par>
+                      </p:childTnLst>
+                    </p:cTn>
+                  </p:par>
+                  <p:par>
+                    <p:cTn id="11" fill="hold">
+                      <p:stCondLst>
+                        <p:cond delay="indefinite"/>
+                      </p:stCondLst>
+                      <p:childTnLst>
+                        <p:par>
+                          <p:cTn id="12" fill="hold">
+                            <p:stCondLst>
+                              <p:cond delay="0"/>
+                            </p:stCondLst>
+                            <p:childTnLst>
+                              <p:par>
+                                <p:cTn id="13" presetID="1" presetClass="entr" presetSubtype="0" fill="hold" grpId="0" nodeType="clickEffect">
+                                  <p:stCondLst>
+                                    <p:cond delay="0"/>
+                                  </p:stCondLst>
+                                  <p:childTnLst>
+                                    <p:set>
+                                      <p:cBhvr>
+                                        <p:cTn id="14" dur="1" fill="hold">
+                                          <p:stCondLst>
+                                            <p:cond delay="0"/>
+                                          </p:stCondLst>
+                                        </p:cTn>
+                                        <p:tgtEl>
+                                          <p:spTgt spid="12"/>
+                                        </p:tgtEl>
+                                        <p:attrNameLst>
+                                          <p:attrName>style.visibility</p:attrName>
+                                        </p:attrNameLst>
+                                      </p:cBhvr>
+                                      <p:to>
+                                        <p:strVal val="visible"/>
+                                      </p:to>
+                                    </p:set>
+                                  </p:childTnLst>
+                                </p:cTn>
+                              </p:par>
+                              <p:par>
+                                <p:cTn id="15" presetID="1" presetClass="entr" presetSubtype="0" fill="hold" nodeType="withEffect">
+                                  <p:stCondLst>
+                                    <p:cond delay="0"/>
+                                  </p:stCondLst>
+                                  <p:childTnLst>
+                                    <p:set>
+                                      <p:cBhvr>
+                                        <p:cTn id="16" dur="1" fill="hold">
+                                          <p:stCondLst>
+                                            <p:cond delay="0"/>
+                                          </p:stCondLst>
+                                        </p:cTn>
+                                        <p:tgtEl>
+                                          <p:spTgt spid="8"/>
+                                        </p:tgtEl>
+                                        <p:attrNameLst>
+                                          <p:attrName>style.visibility</p:attrName>
+                                        </p:attrNameLst>
+                                      </p:cBhvr>
+                                      <p:to>
+                                        <p:strVal val="visible"/>
+                                      </p:to>
+                                    </p:set>
+                                  </p:childTnLst>
+                                </p:cTn>
+                              </p:par>
+                            </p:childTnLst>
+                          </p:cTn>
+                        </p:par>
+                      </p:childTnLst>
+                    </p:cTn>
+                  </p:par>
+                </p:childTnLst>
+              </p:cTn>
+              <p:prevCondLst>
+                <p:cond evt="onPrev" delay="0">
+                  <p:tgtEl>
+                    <p:sldTgt/>
+                  </p:tgtEl>
+                </p:cond>
+              </p:prevCondLst>
+              <p:nextCondLst>
+                <p:cond evt="onNext" delay="0">
+                  <p:tgtEl>
+                    <p:sldTgt/>
+                  </p:tgtEl>
+                </p:cond>
+              </p:nextCondLst>
+            </p:seq>
+          </p:childTnLst>
+        </p:cTn>
+      </p:par>
+    </p:tnLst>
+    <p:bldLst>
+      <p:bldP spid="10" grpId="0" animBg="1"/>
+      <p:bldP spid="12" grpId="0" animBg="1"/>
+    </p:bldLst>
+  </p:timing>
+</p:sld>
+</file>
+
+<file path=ppt/slides/slide21.xml><?xml version="1.0" encoding="utf-8"?>
 <p:sld xmlns:a="http://schemas.openxmlformats.org/drawingml/2006/main" xmlns:r="http://schemas.openxmlformats.org/officeDocument/2006/relationships" xmlns:p="http://schemas.openxmlformats.org/presentationml/2006/main">
   <p:cSld>
     <p:bg>
@@ -7742,11 +8458,6 @@
               </a:rPr>
               <a:t>Projektstart</a:t>
             </a:r>
-            <a:endParaRPr lang="de-CH" b="1" dirty="0">
-              <a:solidFill>
-                <a:schemeClr val="bg1"/>
-              </a:solidFill>
-            </a:endParaRPr>
           </a:p>
         </p:txBody>
       </p:sp>
@@ -8128,7 +8839,6 @@
               <a:rPr lang="de-CH" dirty="0"/>
               <a:t>in der CSS Datei enthalten</a:t>
             </a:r>
-            <a:endParaRPr lang="de-CH" dirty="0"/>
           </a:p>
         </p:txBody>
       </p:sp>
@@ -8342,7 +9052,6 @@
               <a:rPr lang="de-CH" dirty="0" smtClean="0"/>
               <a:t>auskommen</a:t>
             </a:r>
-            <a:endParaRPr lang="de-CH" dirty="0" smtClean="0"/>
           </a:p>
           <a:p>
             <a:r>
@@ -8357,7 +9066,6 @@
               <a:rPr lang="de-CH" dirty="0" smtClean="0"/>
               <a:t>,...)</a:t>
             </a:r>
-            <a:endParaRPr lang="de-CH" dirty="0" smtClean="0"/>
           </a:p>
           <a:p>
             <a:r>
@@ -8410,7 +9118,6 @@
               <a:rPr lang="de-CH" dirty="0"/>
               <a:t> gemacht</a:t>
             </a:r>
-            <a:endParaRPr lang="de-CH" dirty="0"/>
           </a:p>
         </p:txBody>
       </p:sp>
@@ -8626,7 +9333,6 @@
               <a:rPr lang="de-CH" dirty="0" smtClean="0"/>
               <a:t>werden</a:t>
             </a:r>
-            <a:endParaRPr lang="de-CH" dirty="0" smtClean="0"/>
           </a:p>
           <a:p>
             <a:r>
@@ -8863,11 +9569,6 @@
               </a:rPr>
               <a:t>Client Architektur</a:t>
             </a:r>
-            <a:endParaRPr lang="de-CH" b="1" dirty="0">
-              <a:solidFill>
-                <a:schemeClr val="bg1"/>
-              </a:solidFill>
-            </a:endParaRPr>
           </a:p>
         </p:txBody>
       </p:sp>

--- a/resources/reversi_praesentation.pptx
+++ b/resources/reversi_praesentation.pptx
@@ -126,7 +126,7 @@
   </p:defaultTextStyle>
   <p:extLst>
     <p:ext uri="{EFAFB233-063F-42B5-8137-9DF3F51BA10A}">
-      <p15:sldGuideLst xmlns:p15="http://schemas.microsoft.com/office/powerpoint/2012/main">
+      <p15:sldGuideLst xmlns:p15="http://schemas.microsoft.com/office/powerpoint/2012/main" xmlns="">
         <p15:guide id="1" orient="horz" pos="2160">
           <p15:clr>
             <a:srgbClr val="A4A3A4"/>
@@ -324,7 +324,7 @@
           <a:p>
             <a:fld id="{C6FF698F-594F-4B25-BAF8-5B946D24F183}" type="datetimeFigureOut">
               <a:rPr lang="de-CH" smtClean="0"/>
-              <a:t>30.09.2015</a:t>
+              <a:t>01.10.2015</a:t>
             </a:fld>
             <a:endParaRPr lang="de-CH"/>
           </a:p>
@@ -494,7 +494,7 @@
           <a:p>
             <a:fld id="{C6FF698F-594F-4B25-BAF8-5B946D24F183}" type="datetimeFigureOut">
               <a:rPr lang="de-CH" smtClean="0"/>
-              <a:t>30.09.2015</a:t>
+              <a:t>01.10.2015</a:t>
             </a:fld>
             <a:endParaRPr lang="de-CH"/>
           </a:p>
@@ -674,7 +674,7 @@
           <a:p>
             <a:fld id="{C6FF698F-594F-4B25-BAF8-5B946D24F183}" type="datetimeFigureOut">
               <a:rPr lang="de-CH" smtClean="0"/>
-              <a:t>30.09.2015</a:t>
+              <a:t>01.10.2015</a:t>
             </a:fld>
             <a:endParaRPr lang="de-CH"/>
           </a:p>
@@ -844,7 +844,7 @@
           <a:p>
             <a:fld id="{C6FF698F-594F-4B25-BAF8-5B946D24F183}" type="datetimeFigureOut">
               <a:rPr lang="de-CH" smtClean="0"/>
-              <a:t>30.09.2015</a:t>
+              <a:t>01.10.2015</a:t>
             </a:fld>
             <a:endParaRPr lang="de-CH"/>
           </a:p>
@@ -1090,7 +1090,7 @@
           <a:p>
             <a:fld id="{C6FF698F-594F-4B25-BAF8-5B946D24F183}" type="datetimeFigureOut">
               <a:rPr lang="de-CH" smtClean="0"/>
-              <a:t>30.09.2015</a:t>
+              <a:t>01.10.2015</a:t>
             </a:fld>
             <a:endParaRPr lang="de-CH"/>
           </a:p>
@@ -1378,7 +1378,7 @@
           <a:p>
             <a:fld id="{C6FF698F-594F-4B25-BAF8-5B946D24F183}" type="datetimeFigureOut">
               <a:rPr lang="de-CH" smtClean="0"/>
-              <a:t>30.09.2015</a:t>
+              <a:t>01.10.2015</a:t>
             </a:fld>
             <a:endParaRPr lang="de-CH"/>
           </a:p>
@@ -1800,7 +1800,7 @@
           <a:p>
             <a:fld id="{C6FF698F-594F-4B25-BAF8-5B946D24F183}" type="datetimeFigureOut">
               <a:rPr lang="de-CH" smtClean="0"/>
-              <a:t>30.09.2015</a:t>
+              <a:t>01.10.2015</a:t>
             </a:fld>
             <a:endParaRPr lang="de-CH"/>
           </a:p>
@@ -1918,7 +1918,7 @@
           <a:p>
             <a:fld id="{C6FF698F-594F-4B25-BAF8-5B946D24F183}" type="datetimeFigureOut">
               <a:rPr lang="de-CH" smtClean="0"/>
-              <a:t>30.09.2015</a:t>
+              <a:t>01.10.2015</a:t>
             </a:fld>
             <a:endParaRPr lang="de-CH"/>
           </a:p>
@@ -2013,7 +2013,7 @@
           <a:p>
             <a:fld id="{C6FF698F-594F-4B25-BAF8-5B946D24F183}" type="datetimeFigureOut">
               <a:rPr lang="de-CH" smtClean="0"/>
-              <a:t>30.09.2015</a:t>
+              <a:t>01.10.2015</a:t>
             </a:fld>
             <a:endParaRPr lang="de-CH"/>
           </a:p>
@@ -2290,7 +2290,7 @@
           <a:p>
             <a:fld id="{C6FF698F-594F-4B25-BAF8-5B946D24F183}" type="datetimeFigureOut">
               <a:rPr lang="de-CH" smtClean="0"/>
-              <a:t>30.09.2015</a:t>
+              <a:t>01.10.2015</a:t>
             </a:fld>
             <a:endParaRPr lang="de-CH"/>
           </a:p>
@@ -2543,7 +2543,7 @@
           <a:p>
             <a:fld id="{C6FF698F-594F-4B25-BAF8-5B946D24F183}" type="datetimeFigureOut">
               <a:rPr lang="de-CH" smtClean="0"/>
-              <a:t>30.09.2015</a:t>
+              <a:t>01.10.2015</a:t>
             </a:fld>
             <a:endParaRPr lang="de-CH"/>
           </a:p>
@@ -2756,7 +2756,7 @@
           <a:p>
             <a:fld id="{C6FF698F-594F-4B25-BAF8-5B946D24F183}" type="datetimeFigureOut">
               <a:rPr lang="de-CH" smtClean="0"/>
-              <a:t>30.09.2015</a:t>
+              <a:t>01.10.2015</a:t>
             </a:fld>
             <a:endParaRPr lang="de-CH"/>
           </a:p>
@@ -7164,7 +7164,9 @@
           </a:xfrm>
         </p:spPr>
         <p:txBody>
-          <a:bodyPr/>
+          <a:bodyPr>
+            <a:normAutofit/>
+          </a:bodyPr>
           <a:lstStyle/>
           <a:p>
             <a:pPr marL="0" indent="0">
@@ -7228,26 +7230,32 @@
             </a:r>
           </a:p>
           <a:p>
-            <a:pPr lvl="1">
-              <a:buFont typeface="Arial" panose="020B0604020202020204" pitchFamily="34" charset="0"/>
-              <a:buChar char="•"/>
-            </a:pPr>
-            <a:r>
-              <a:rPr lang="de-CH" dirty="0" smtClean="0"/>
+            <a:r>
+              <a:rPr lang="de-CH" dirty="0" smtClean="0"/>
+              <a:t>Statistiken </a:t>
+            </a:r>
+            <a:r>
+              <a:rPr lang="de-CH" dirty="0" smtClean="0"/>
+              <a:t>/ Rangliste</a:t>
+            </a:r>
+          </a:p>
+          <a:p>
+            <a:r>
+              <a:rPr lang="de-CH" dirty="0" smtClean="0"/>
+              <a:t>Div. Einstellungen (Darstellung, Avatars, </a:t>
+            </a:r>
+            <a:r>
+              <a:rPr lang="de-CH" dirty="0" smtClean="0"/>
+              <a:t>…)</a:t>
+            </a:r>
+          </a:p>
+          <a:p>
+            <a:r>
+              <a:rPr lang="de-CH" dirty="0"/>
               <a:t>Ab Grösse Smartphone</a:t>
             </a:r>
           </a:p>
           <a:p>
-            <a:r>
-              <a:rPr lang="de-CH" dirty="0" smtClean="0"/>
-              <a:t>Statistiken / Rangliste</a:t>
-            </a:r>
-          </a:p>
-          <a:p>
-            <a:r>
-              <a:rPr lang="de-CH" dirty="0" smtClean="0"/>
-              <a:t>Div. Einstellungen (Darstellung, Avatars, …)</a:t>
-            </a:r>
             <a:endParaRPr lang="de-CH" dirty="0"/>
           </a:p>
         </p:txBody>

--- a/resources/reversi_praesentation.pptx
+++ b/resources/reversi_praesentation.pptx
@@ -126,7 +126,7 @@
   </p:defaultTextStyle>
   <p:extLst>
     <p:ext uri="{EFAFB233-063F-42B5-8137-9DF3F51BA10A}">
-      <p15:sldGuideLst xmlns:p15="http://schemas.microsoft.com/office/powerpoint/2012/main" xmlns="">
+      <p15:sldGuideLst xmlns="" xmlns:p15="http://schemas.microsoft.com/office/powerpoint/2012/main">
         <p15:guide id="1" orient="horz" pos="2160">
           <p15:clr>
             <a:srgbClr val="A4A3A4"/>
@@ -7232,21 +7232,13 @@
           <a:p>
             <a:r>
               <a:rPr lang="de-CH" dirty="0" smtClean="0"/>
-              <a:t>Statistiken </a:t>
-            </a:r>
-            <a:r>
-              <a:rPr lang="de-CH" dirty="0" smtClean="0"/>
-              <a:t>/ Rangliste</a:t>
-            </a:r>
-          </a:p>
-          <a:p>
-            <a:r>
-              <a:rPr lang="de-CH" dirty="0" smtClean="0"/>
-              <a:t>Div. Einstellungen (Darstellung, Avatars, </a:t>
-            </a:r>
-            <a:r>
-              <a:rPr lang="de-CH" dirty="0" smtClean="0"/>
-              <a:t>…)</a:t>
+              <a:t>Statistiken / Rangliste</a:t>
+            </a:r>
+          </a:p>
+          <a:p>
+            <a:r>
+              <a:rPr lang="de-CH" dirty="0" smtClean="0"/>
+              <a:t>Div. Einstellungen (Darstellung, Avatars, …)</a:t>
             </a:r>
           </a:p>
           <a:p>
@@ -8743,7 +8735,7 @@
         </p:spPr>
         <p:txBody>
           <a:bodyPr>
-            <a:normAutofit lnSpcReduction="10000"/>
+            <a:normAutofit/>
           </a:bodyPr>
           <a:lstStyle/>
           <a:p>
@@ -8784,8 +8776,12 @@
               <a:buChar char="•"/>
             </a:pPr>
             <a:r>
+              <a:rPr lang="de-CH" dirty="0" smtClean="0"/>
+              <a:t>Führt bei </a:t>
+            </a:r>
+            <a:r>
               <a:rPr lang="de-CH" dirty="0"/>
-              <a:t>Wird aber bei feinen Grössenunterschieden zu </a:t>
+              <a:t>feinen Grössenunterschieden zu </a:t>
             </a:r>
             <a:r>
               <a:rPr lang="de-CH" dirty="0" smtClean="0"/>
@@ -9345,14 +9341,22 @@
           <a:p>
             <a:r>
               <a:rPr lang="de-CH" dirty="0"/>
-              <a:t>Ein nachladen wie bei </a:t>
-            </a:r>
-            <a:r>
-              <a:rPr lang="de-CH" dirty="0" err="1"/>
+              <a:t>Ein </a:t>
+            </a:r>
+            <a:r>
+              <a:rPr lang="de-CH" dirty="0" smtClean="0"/>
+              <a:t>Nachladen </a:t>
+            </a:r>
+            <a:r>
+              <a:rPr lang="de-CH" dirty="0"/>
+              <a:t>wie bei </a:t>
+            </a:r>
+            <a:r>
+              <a:rPr lang="de-CH" dirty="0" err="1" smtClean="0"/>
               <a:t>angularjs</a:t>
             </a:r>
             <a:r>
-              <a:rPr lang="de-CH" dirty="0"/>
+              <a:rPr lang="de-CH" dirty="0" smtClean="0"/>
               <a:t> </a:t>
             </a:r>
             <a:r>
@@ -9382,8 +9386,12 @@
               <a:t>Auch das </a:t>
             </a:r>
             <a:r>
+              <a:rPr lang="de-CH" dirty="0" smtClean="0"/>
+              <a:t>Nachladen </a:t>
+            </a:r>
+            <a:r>
               <a:rPr lang="de-CH" dirty="0"/>
-              <a:t>nachladen von Bildern ist nicht in jedem Browser </a:t>
+              <a:t>von Bildern ist nicht in jedem Browser </a:t>
             </a:r>
             <a:r>
               <a:rPr lang="de-CH" dirty="0" smtClean="0"/>
@@ -9397,7 +9405,11 @@
             </a:r>
             <a:r>
               <a:rPr lang="de-CH" dirty="0"/>
-              <a:t>beim starten </a:t>
+              <a:t>beim </a:t>
+            </a:r>
+            <a:r>
+              <a:rPr lang="de-CH" dirty="0" smtClean="0"/>
+              <a:t>Starten </a:t>
             </a:r>
             <a:r>
               <a:rPr lang="de-CH" dirty="0" smtClean="0"/>
@@ -9913,7 +9925,11 @@
           <a:p>
             <a:r>
               <a:rPr lang="de-CH" dirty="0" smtClean="0"/>
-              <a:t>3 CSS:</a:t>
+              <a:t>CSS</a:t>
+            </a:r>
+            <a:r>
+              <a:rPr lang="de-CH" dirty="0" smtClean="0"/>
+              <a:t>:</a:t>
             </a:r>
             <a:endParaRPr lang="de-CH" dirty="0"/>
           </a:p>
@@ -9945,10 +9961,6 @@
             <a:endParaRPr lang="de-CH" dirty="0"/>
           </a:p>
           <a:p>
-            <a:r>
-              <a:rPr lang="de-CH" dirty="0"/>
-              <a:t>3 </a:t>
-            </a:r>
             <a:r>
               <a:rPr lang="de-CH" dirty="0" err="1" smtClean="0"/>
               <a:t>Javascript</a:t>

--- a/resources/reversi_praesentation.pptx
+++ b/resources/reversi_praesentation.pptx
@@ -126,7 +126,7 @@
   </p:defaultTextStyle>
   <p:extLst>
     <p:ext uri="{EFAFB233-063F-42B5-8137-9DF3F51BA10A}">
-      <p15:sldGuideLst xmlns="" xmlns:p15="http://schemas.microsoft.com/office/powerpoint/2012/main">
+      <p15:sldGuideLst xmlns:p15="http://schemas.microsoft.com/office/powerpoint/2012/main" xmlns="">
         <p15:guide id="1" orient="horz" pos="2160">
           <p15:clr>
             <a:srgbClr val="A4A3A4"/>
@@ -4020,21 +4020,7 @@
           <a:p>
             <a:r>
               <a:rPr lang="de-CH" dirty="0" smtClean="0"/>
-              <a:t>Lokaler Server (node.js / </a:t>
-            </a:r>
-            <a:r>
-              <a:rPr lang="de-CH" dirty="0" err="1" smtClean="0"/>
-              <a:t>localhost</a:t>
-            </a:r>
-            <a:r>
-              <a:rPr lang="de-CH" dirty="0" smtClean="0"/>
-              <a:t> )</a:t>
-            </a:r>
-          </a:p>
-          <a:p>
-            <a:r>
-              <a:rPr lang="de-CH" dirty="0" smtClean="0"/>
-              <a:t>Externer Server (</a:t>
+              <a:t>Lokaler &amp; externer Server (</a:t>
             </a:r>
             <a:r>
               <a:rPr lang="de-CH" dirty="0" err="1" smtClean="0"/>
@@ -4042,23 +4028,21 @@
             </a:r>
             <a:r>
               <a:rPr lang="de-CH" dirty="0" smtClean="0"/>
-              <a:t> </a:t>
-            </a:r>
-            <a:r>
-              <a:rPr lang="de-CH" dirty="0" err="1" smtClean="0"/>
-              <a:t>by</a:t>
-            </a:r>
-            <a:r>
-              <a:rPr lang="de-CH" dirty="0" smtClean="0"/>
-              <a:t> </a:t>
-            </a:r>
-            <a:r>
-              <a:rPr lang="de-CH" dirty="0" err="1" smtClean="0"/>
-              <a:t>Redhat</a:t>
-            </a:r>
-            <a:r>
-              <a:rPr lang="de-CH" dirty="0" smtClean="0"/>
               <a:t>)</a:t>
+            </a:r>
+          </a:p>
+          <a:p>
+            <a:r>
+              <a:rPr lang="de-CH" dirty="0" smtClean="0"/>
+              <a:t>Benutzerverwaltung als </a:t>
+            </a:r>
+            <a:r>
+              <a:rPr lang="de-CH" dirty="0" err="1"/>
+              <a:t>inMemory</a:t>
+            </a:r>
+            <a:r>
+              <a:rPr lang="de-CH" dirty="0"/>
+              <a:t>-Lösung</a:t>
             </a:r>
             <a:endParaRPr lang="de-CH" dirty="0"/>
           </a:p>
@@ -4786,7 +4770,7 @@
         </p:spPr>
         <p:txBody>
           <a:bodyPr>
-            <a:normAutofit lnSpcReduction="10000"/>
+            <a:normAutofit/>
           </a:bodyPr>
           <a:lstStyle/>
           <a:p>
@@ -4829,47 +4813,48 @@
             </a:r>
             <a:r>
               <a:rPr lang="en-US" dirty="0" smtClean="0"/>
-              <a:t>(socket){</a:t>
+              <a:t>(socket</a:t>
+            </a:r>
+            <a:r>
+              <a:rPr lang="en-US" dirty="0" smtClean="0"/>
+              <a:t>){</a:t>
+            </a:r>
+            <a:r>
+              <a:rPr lang="en-US" i="1" dirty="0" smtClean="0"/>
+              <a:t/>
+            </a:r>
+            <a:br>
+              <a:rPr lang="en-US" i="1" dirty="0" smtClean="0"/>
+            </a:br>
+            <a:r>
+              <a:rPr lang="en-US" i="1" dirty="0" smtClean="0"/>
+              <a:t>    </a:t>
+            </a:r>
+            <a:r>
+              <a:rPr lang="en-US" dirty="0" err="1" smtClean="0"/>
+              <a:t>var</a:t>
+            </a:r>
+            <a:r>
+              <a:rPr lang="en-US" b="1" dirty="0" smtClean="0"/>
+              <a:t> </a:t>
+            </a:r>
+            <a:r>
+              <a:rPr lang="en-US" b="1" dirty="0"/>
+              <a:t>user</a:t>
+            </a:r>
+            <a:r>
+              <a:rPr lang="en-US" dirty="0"/>
+              <a:t> </a:t>
+            </a:r>
+            <a:r>
+              <a:rPr lang="en-US" dirty="0" smtClean="0"/>
+              <a:t>= {</a:t>
             </a:r>
             <a:br>
               <a:rPr lang="en-US" dirty="0" smtClean="0"/>
             </a:br>
             <a:r>
               <a:rPr lang="en-US" dirty="0" smtClean="0"/>
-              <a:t>    </a:t>
-            </a:r>
-            <a:r>
-              <a:rPr lang="en-US" i="1" dirty="0"/>
-              <a:t>// create a new user</a:t>
-            </a:r>
-            <a:br>
-              <a:rPr lang="en-US" i="1" dirty="0"/>
-            </a:br>
-            <a:r>
-              <a:rPr lang="en-US" i="1" dirty="0"/>
-              <a:t>    </a:t>
-            </a:r>
-            <a:r>
-              <a:rPr lang="en-US" dirty="0" err="1"/>
-              <a:t>var</a:t>
-            </a:r>
-            <a:r>
-              <a:rPr lang="en-US" b="1" dirty="0"/>
-              <a:t> user</a:t>
-            </a:r>
-            <a:r>
-              <a:rPr lang="en-US" dirty="0"/>
-              <a:t> </a:t>
-            </a:r>
-            <a:r>
-              <a:rPr lang="en-US" dirty="0" smtClean="0"/>
-              <a:t>= {</a:t>
-            </a:r>
-            <a:br>
-              <a:rPr lang="en-US" dirty="0" smtClean="0"/>
-            </a:br>
-            <a:r>
-              <a:rPr lang="en-US" dirty="0" smtClean="0"/>
               <a:t>        </a:t>
             </a:r>
             <a:r>
@@ -4889,31 +4874,8 @@
               <a:t>, </a:t>
             </a:r>
             <a:r>
-              <a:rPr lang="en-US" i="1" dirty="0"/>
-              <a:t/>
-            </a:r>
-            <a:br>
-              <a:rPr lang="en-US" i="1" dirty="0"/>
-            </a:br>
-            <a:r>
-              <a:rPr lang="en-US" i="1" dirty="0"/>
-              <a:t>        </a:t>
-            </a:r>
-            <a:r>
-              <a:rPr lang="en-US" b="1" dirty="0"/>
-              <a:t>name</a:t>
-            </a:r>
-            <a:r>
               <a:rPr lang="en-US" dirty="0" smtClean="0"/>
-              <a:t>: </a:t>
-            </a:r>
-            <a:r>
-              <a:rPr lang="en-US" dirty="0"/>
-              <a:t>null</a:t>
-            </a:r>
-            <a:r>
-              <a:rPr lang="en-US" dirty="0" smtClean="0"/>
-              <a:t>,    </a:t>
+              <a:t>    </a:t>
             </a:r>
             <a:r>
               <a:rPr lang="en-US" i="1" dirty="0"/>
@@ -9383,11 +9345,7 @@
           <a:p>
             <a:r>
               <a:rPr lang="de-CH" dirty="0" smtClean="0"/>
-              <a:t>Auch das </a:t>
-            </a:r>
-            <a:r>
-              <a:rPr lang="de-CH" dirty="0" smtClean="0"/>
-              <a:t>Nachladen </a:t>
+              <a:t>Auch das Nachladen </a:t>
             </a:r>
             <a:r>
               <a:rPr lang="de-CH" dirty="0"/>
@@ -9409,11 +9367,7 @@
             </a:r>
             <a:r>
               <a:rPr lang="de-CH" dirty="0" smtClean="0"/>
-              <a:t>Starten </a:t>
-            </a:r>
-            <a:r>
-              <a:rPr lang="de-CH" dirty="0" smtClean="0"/>
-              <a:t>laden und </a:t>
+              <a:t>Starten laden und </a:t>
             </a:r>
             <a:r>
               <a:rPr lang="de-CH" dirty="0"/>
@@ -9925,11 +9879,7 @@
           <a:p>
             <a:r>
               <a:rPr lang="de-CH" dirty="0" smtClean="0"/>
-              <a:t>CSS</a:t>
-            </a:r>
-            <a:r>
-              <a:rPr lang="de-CH" dirty="0" smtClean="0"/>
-              <a:t>:</a:t>
+              <a:t>CSS:</a:t>
             </a:r>
             <a:endParaRPr lang="de-CH" dirty="0"/>
           </a:p>
